--- a/Document/presentation/nam/notify wrong way.pptx
+++ b/Document/presentation/nam/notify wrong way.pptx
@@ -261,7 +261,7 @@
           <a:p>
             <a:fld id="{94B1E4EC-92D8-4A33-94B0-5CDDBDDA3BE9}" type="datetimeFigureOut">
               <a:rPr lang="en-US" smtClean="0"/>
-              <a:t>12/11/2015</a:t>
+              <a:t>12/11/15</a:t>
             </a:fld>
             <a:endParaRPr lang="en-US"/>
           </a:p>
@@ -431,7 +431,7 @@
           <a:p>
             <a:fld id="{94B1E4EC-92D8-4A33-94B0-5CDDBDDA3BE9}" type="datetimeFigureOut">
               <a:rPr lang="en-US" smtClean="0"/>
-              <a:t>12/11/2015</a:t>
+              <a:t>12/11/15</a:t>
             </a:fld>
             <a:endParaRPr lang="en-US"/>
           </a:p>
@@ -611,7 +611,7 @@
           <a:p>
             <a:fld id="{94B1E4EC-92D8-4A33-94B0-5CDDBDDA3BE9}" type="datetimeFigureOut">
               <a:rPr lang="en-US" smtClean="0"/>
-              <a:t>12/11/2015</a:t>
+              <a:t>12/11/15</a:t>
             </a:fld>
             <a:endParaRPr lang="en-US"/>
           </a:p>
@@ -781,7 +781,7 @@
           <a:p>
             <a:fld id="{94B1E4EC-92D8-4A33-94B0-5CDDBDDA3BE9}" type="datetimeFigureOut">
               <a:rPr lang="en-US" smtClean="0"/>
-              <a:t>12/11/2015</a:t>
+              <a:t>12/11/15</a:t>
             </a:fld>
             <a:endParaRPr lang="en-US"/>
           </a:p>
@@ -1025,7 +1025,7 @@
           <a:p>
             <a:fld id="{94B1E4EC-92D8-4A33-94B0-5CDDBDDA3BE9}" type="datetimeFigureOut">
               <a:rPr lang="en-US" smtClean="0"/>
-              <a:t>12/11/2015</a:t>
+              <a:t>12/11/15</a:t>
             </a:fld>
             <a:endParaRPr lang="en-US"/>
           </a:p>
@@ -1257,7 +1257,7 @@
           <a:p>
             <a:fld id="{94B1E4EC-92D8-4A33-94B0-5CDDBDDA3BE9}" type="datetimeFigureOut">
               <a:rPr lang="en-US" smtClean="0"/>
-              <a:t>12/11/2015</a:t>
+              <a:t>12/11/15</a:t>
             </a:fld>
             <a:endParaRPr lang="en-US"/>
           </a:p>
@@ -1624,7 +1624,7 @@
           <a:p>
             <a:fld id="{94B1E4EC-92D8-4A33-94B0-5CDDBDDA3BE9}" type="datetimeFigureOut">
               <a:rPr lang="en-US" smtClean="0"/>
-              <a:t>12/11/2015</a:t>
+              <a:t>12/11/15</a:t>
             </a:fld>
             <a:endParaRPr lang="en-US"/>
           </a:p>
@@ -1742,7 +1742,7 @@
           <a:p>
             <a:fld id="{94B1E4EC-92D8-4A33-94B0-5CDDBDDA3BE9}" type="datetimeFigureOut">
               <a:rPr lang="en-US" smtClean="0"/>
-              <a:t>12/11/2015</a:t>
+              <a:t>12/11/15</a:t>
             </a:fld>
             <a:endParaRPr lang="en-US"/>
           </a:p>
@@ -1837,7 +1837,7 @@
           <a:p>
             <a:fld id="{94B1E4EC-92D8-4A33-94B0-5CDDBDDA3BE9}" type="datetimeFigureOut">
               <a:rPr lang="en-US" smtClean="0"/>
-              <a:t>12/11/2015</a:t>
+              <a:t>12/11/15</a:t>
             </a:fld>
             <a:endParaRPr lang="en-US"/>
           </a:p>
@@ -2114,7 +2114,7 @@
           <a:p>
             <a:fld id="{94B1E4EC-92D8-4A33-94B0-5CDDBDDA3BE9}" type="datetimeFigureOut">
               <a:rPr lang="en-US" smtClean="0"/>
-              <a:t>12/11/2015</a:t>
+              <a:t>12/11/15</a:t>
             </a:fld>
             <a:endParaRPr lang="en-US"/>
           </a:p>
@@ -2371,7 +2371,7 @@
           <a:p>
             <a:fld id="{94B1E4EC-92D8-4A33-94B0-5CDDBDDA3BE9}" type="datetimeFigureOut">
               <a:rPr lang="en-US" smtClean="0"/>
-              <a:t>12/11/2015</a:t>
+              <a:t>12/11/15</a:t>
             </a:fld>
             <a:endParaRPr lang="en-US"/>
           </a:p>
@@ -2584,7 +2584,7 @@
           <a:p>
             <a:fld id="{94B1E4EC-92D8-4A33-94B0-5CDDBDDA3BE9}" type="datetimeFigureOut">
               <a:rPr lang="en-US" smtClean="0"/>
-              <a:t>12/11/2015</a:t>
+              <a:t>12/11/15</a:t>
             </a:fld>
             <a:endParaRPr lang="en-US"/>
           </a:p>
@@ -3216,7 +3216,7 @@
         <p:spPr>
           <a:xfrm>
             <a:off x="1474609" y="1118016"/>
-            <a:ext cx="5125186" cy="646331"/>
+            <a:ext cx="6749155" cy="830997"/>
           </a:xfrm>
           <a:prstGeom prst="rect">
             <a:avLst/>
@@ -3230,61 +3230,61 @@
           <a:lstStyle/>
           <a:p>
             <a:r>
-              <a:rPr lang="en-US" dirty="0" smtClean="0"/>
+              <a:rPr lang="en-US" sz="2400" dirty="0" smtClean="0"/>
               <a:t>Nickname of  Mr. </a:t>
             </a:r>
             <a:r>
-              <a:rPr lang="en-US" dirty="0" err="1" smtClean="0"/>
+              <a:rPr lang="en-US" sz="2400" dirty="0" err="1" smtClean="0"/>
               <a:t>Khuong</a:t>
             </a:r>
             <a:r>
-              <a:rPr lang="en-US" dirty="0" smtClean="0"/>
+              <a:rPr lang="en-US" sz="2400" dirty="0" smtClean="0"/>
               <a:t> is “</a:t>
             </a:r>
             <a:r>
-              <a:rPr lang="en-US" dirty="0" err="1" smtClean="0"/>
+              <a:rPr lang="en-US" sz="2400" dirty="0" err="1" smtClean="0"/>
               <a:t>Khuong</a:t>
             </a:r>
             <a:r>
-              <a:rPr lang="en-US" dirty="0" smtClean="0"/>
+              <a:rPr lang="en-US" sz="2400" dirty="0" smtClean="0"/>
               <a:t> </a:t>
             </a:r>
             <a:r>
-              <a:rPr lang="en-US" dirty="0" err="1" smtClean="0"/>
+              <a:rPr lang="en-US" sz="2400" dirty="0" err="1" smtClean="0"/>
               <a:t>không</a:t>
             </a:r>
             <a:r>
-              <a:rPr lang="en-US" dirty="0" smtClean="0"/>
+              <a:rPr lang="en-US" sz="2400" dirty="0" smtClean="0"/>
               <a:t> </a:t>
             </a:r>
             <a:r>
-              <a:rPr lang="en-US" dirty="0" err="1" smtClean="0"/>
+              <a:rPr lang="en-US" sz="2400" dirty="0" err="1" smtClean="0"/>
               <a:t>sợ</a:t>
             </a:r>
             <a:r>
-              <a:rPr lang="en-US" dirty="0" smtClean="0"/>
+              <a:rPr lang="en-US" sz="2400" dirty="0" smtClean="0"/>
               <a:t> </a:t>
             </a:r>
             <a:r>
-              <a:rPr lang="en-US" dirty="0" err="1" smtClean="0"/>
+              <a:rPr lang="en-US" sz="2400" dirty="0" err="1" smtClean="0"/>
               <a:t>chết</a:t>
             </a:r>
             <a:r>
-              <a:rPr lang="en-US" dirty="0" smtClean="0"/>
+              <a:rPr lang="en-US" sz="2400" dirty="0" smtClean="0"/>
               <a:t>”.</a:t>
             </a:r>
           </a:p>
           <a:p>
             <a:r>
-              <a:rPr lang="en-US" dirty="0" smtClean="0"/>
+              <a:rPr lang="en-US" sz="2400" dirty="0" smtClean="0"/>
               <a:t>Mr. </a:t>
             </a:r>
             <a:r>
-              <a:rPr lang="en-US" dirty="0" err="1" smtClean="0"/>
+              <a:rPr lang="en-US" sz="2400" dirty="0" err="1" smtClean="0"/>
               <a:t>Khuong</a:t>
             </a:r>
             <a:r>
-              <a:rPr lang="en-US" dirty="0" smtClean="0"/>
+              <a:rPr lang="en-US" sz="2400" dirty="0" smtClean="0"/>
               <a:t> always drives with high speed.</a:t>
             </a:r>
           </a:p>
@@ -11400,7 +11400,7 @@
         <p:spPr>
           <a:xfrm>
             <a:off x="1474609" y="1118016"/>
-            <a:ext cx="5125186" cy="646331"/>
+            <a:ext cx="6749155" cy="830997"/>
           </a:xfrm>
           <a:prstGeom prst="rect">
             <a:avLst/>
@@ -11414,61 +11414,61 @@
           <a:lstStyle/>
           <a:p>
             <a:r>
-              <a:rPr lang="en-US" dirty="0" smtClean="0"/>
+              <a:rPr lang="en-US" sz="2400" dirty="0" smtClean="0"/>
               <a:t>Nickname of  Mr. </a:t>
             </a:r>
             <a:r>
-              <a:rPr lang="en-US" dirty="0" err="1" smtClean="0"/>
+              <a:rPr lang="en-US" sz="2400" dirty="0" err="1" smtClean="0"/>
               <a:t>Khuong</a:t>
             </a:r>
             <a:r>
-              <a:rPr lang="en-US" dirty="0" smtClean="0"/>
+              <a:rPr lang="en-US" sz="2400" dirty="0" smtClean="0"/>
               <a:t> is “</a:t>
             </a:r>
             <a:r>
-              <a:rPr lang="en-US" dirty="0" err="1" smtClean="0"/>
+              <a:rPr lang="en-US" sz="2400" dirty="0" err="1" smtClean="0"/>
               <a:t>Khuong</a:t>
             </a:r>
             <a:r>
-              <a:rPr lang="en-US" dirty="0" smtClean="0"/>
+              <a:rPr lang="en-US" sz="2400" dirty="0" smtClean="0"/>
               <a:t> </a:t>
             </a:r>
             <a:r>
-              <a:rPr lang="en-US" dirty="0" err="1" smtClean="0"/>
+              <a:rPr lang="en-US" sz="2400" dirty="0" err="1" smtClean="0"/>
               <a:t>không</a:t>
             </a:r>
             <a:r>
-              <a:rPr lang="en-US" dirty="0" smtClean="0"/>
+              <a:rPr lang="en-US" sz="2400" dirty="0" smtClean="0"/>
               <a:t> </a:t>
             </a:r>
             <a:r>
-              <a:rPr lang="en-US" dirty="0" err="1" smtClean="0"/>
+              <a:rPr lang="en-US" sz="2400" dirty="0" err="1" smtClean="0"/>
               <a:t>sợ</a:t>
             </a:r>
             <a:r>
-              <a:rPr lang="en-US" dirty="0" smtClean="0"/>
+              <a:rPr lang="en-US" sz="2400" dirty="0" smtClean="0"/>
               <a:t> </a:t>
             </a:r>
             <a:r>
-              <a:rPr lang="en-US" dirty="0" err="1" smtClean="0"/>
+              <a:rPr lang="en-US" sz="2400" dirty="0" err="1" smtClean="0"/>
               <a:t>chết</a:t>
             </a:r>
             <a:r>
-              <a:rPr lang="en-US" dirty="0" smtClean="0"/>
+              <a:rPr lang="en-US" sz="2400" dirty="0" smtClean="0"/>
               <a:t>”.</a:t>
             </a:r>
           </a:p>
           <a:p>
             <a:r>
-              <a:rPr lang="en-US" dirty="0" smtClean="0"/>
+              <a:rPr lang="en-US" sz="2400" dirty="0" smtClean="0"/>
               <a:t>Mr. </a:t>
             </a:r>
             <a:r>
-              <a:rPr lang="en-US" dirty="0" err="1" smtClean="0"/>
+              <a:rPr lang="en-US" sz="2400" dirty="0" err="1" smtClean="0"/>
               <a:t>Khuong</a:t>
             </a:r>
             <a:r>
-              <a:rPr lang="en-US" dirty="0" smtClean="0"/>
+              <a:rPr lang="en-US" sz="2400" dirty="0" smtClean="0"/>
               <a:t> always drives with high speed.</a:t>
             </a:r>
           </a:p>
@@ -11783,7 +11783,7 @@
         <p:spPr>
           <a:xfrm>
             <a:off x="1474609" y="1118016"/>
-            <a:ext cx="5125186" cy="923330"/>
+            <a:ext cx="4923977" cy="461665"/>
           </a:xfrm>
           <a:prstGeom prst="rect">
             <a:avLst/>
@@ -11797,74 +11797,18 @@
           <a:lstStyle/>
           <a:p>
             <a:r>
-              <a:rPr lang="en-US" dirty="0" smtClean="0"/>
-              <a:t>Nickname of  Mr. </a:t>
-            </a:r>
-            <a:r>
-              <a:rPr lang="en-US" dirty="0" err="1" smtClean="0"/>
-              <a:t>Khuong</a:t>
-            </a:r>
-            <a:r>
-              <a:rPr lang="en-US" dirty="0" smtClean="0"/>
-              <a:t> is “</a:t>
-            </a:r>
-            <a:r>
-              <a:rPr lang="en-US" dirty="0" err="1" smtClean="0"/>
-              <a:t>Khuong</a:t>
-            </a:r>
-            <a:r>
-              <a:rPr lang="en-US" dirty="0" smtClean="0"/>
-              <a:t> </a:t>
-            </a:r>
-            <a:r>
-              <a:rPr lang="en-US" dirty="0" err="1" smtClean="0"/>
-              <a:t>không</a:t>
-            </a:r>
-            <a:r>
-              <a:rPr lang="en-US" dirty="0" smtClean="0"/>
-              <a:t> </a:t>
-            </a:r>
-            <a:r>
-              <a:rPr lang="en-US" dirty="0" err="1" smtClean="0"/>
-              <a:t>sợ</a:t>
-            </a:r>
-            <a:r>
-              <a:rPr lang="en-US" dirty="0" smtClean="0"/>
-              <a:t> </a:t>
-            </a:r>
-            <a:r>
-              <a:rPr lang="en-US" dirty="0" err="1" smtClean="0"/>
-              <a:t>chết</a:t>
-            </a:r>
-            <a:r>
-              <a:rPr lang="en-US" dirty="0" smtClean="0"/>
-              <a:t>”.</a:t>
-            </a:r>
-          </a:p>
-          <a:p>
-            <a:r>
-              <a:rPr lang="en-US" dirty="0" smtClean="0"/>
-              <a:t>Mr. </a:t>
-            </a:r>
-            <a:r>
-              <a:rPr lang="en-US" dirty="0" err="1" smtClean="0"/>
-              <a:t>Khuong</a:t>
-            </a:r>
-            <a:r>
-              <a:rPr lang="en-US" dirty="0" smtClean="0"/>
-              <a:t> always drives with high speed.</a:t>
-            </a:r>
-          </a:p>
-          <a:p>
-            <a:r>
-              <a:rPr lang="en-US" dirty="0"/>
-              <a:t>He is notified when he near next turn</a:t>
-            </a:r>
-            <a:r>
-              <a:rPr lang="en-US" dirty="0" smtClean="0"/>
+              <a:rPr lang="en-US" sz="2400" dirty="0" smtClean="0"/>
+              <a:t>He </a:t>
+            </a:r>
+            <a:r>
+              <a:rPr lang="en-US" sz="2400" dirty="0"/>
+              <a:t>is notified when he near next turn</a:t>
+            </a:r>
+            <a:r>
+              <a:rPr lang="en-US" sz="2400" dirty="0" smtClean="0"/>
               <a:t>.</a:t>
             </a:r>
-            <a:endParaRPr lang="en-US" dirty="0"/>
+            <a:endParaRPr lang="en-US" sz="2400" dirty="0"/>
           </a:p>
         </p:txBody>
       </p:sp>
@@ -11958,8 +11902,8 @@
         </p:nvSpPr>
         <p:spPr>
           <a:xfrm>
-            <a:off x="1474609" y="1118016"/>
-            <a:ext cx="5082673" cy="1477328"/>
+            <a:off x="648115" y="1096760"/>
+            <a:ext cx="7793095" cy="954107"/>
           </a:xfrm>
           <a:prstGeom prst="rect">
             <a:avLst/>
@@ -11973,98 +11917,36 @@
           <a:lstStyle/>
           <a:p>
             <a:r>
-              <a:rPr lang="en-US" dirty="0" smtClean="0"/>
-              <a:t>Nickname of  Mr. </a:t>
-            </a:r>
-            <a:r>
-              <a:rPr lang="en-US" dirty="0" err="1" smtClean="0"/>
-              <a:t>Khuong</a:t>
-            </a:r>
-            <a:r>
-              <a:rPr lang="en-US" dirty="0" smtClean="0"/>
-              <a:t> is “</a:t>
-            </a:r>
-            <a:r>
-              <a:rPr lang="en-US" dirty="0" err="1" smtClean="0"/>
-              <a:t>Khuong</a:t>
-            </a:r>
-            <a:r>
-              <a:rPr lang="en-US" dirty="0" smtClean="0"/>
-              <a:t> </a:t>
-            </a:r>
-            <a:r>
-              <a:rPr lang="en-US" dirty="0" err="1" smtClean="0"/>
-              <a:t>không</a:t>
-            </a:r>
-            <a:r>
-              <a:rPr lang="en-US" dirty="0" smtClean="0"/>
-              <a:t> </a:t>
-            </a:r>
-            <a:r>
-              <a:rPr lang="en-US" dirty="0" err="1" smtClean="0"/>
-              <a:t>sợ</a:t>
-            </a:r>
-            <a:r>
-              <a:rPr lang="en-US" dirty="0" smtClean="0"/>
-              <a:t> </a:t>
-            </a:r>
-            <a:r>
-              <a:rPr lang="en-US" dirty="0" err="1" smtClean="0"/>
-              <a:t>chết</a:t>
-            </a:r>
-            <a:r>
-              <a:rPr lang="en-US" dirty="0" smtClean="0"/>
-              <a:t>”.</a:t>
-            </a:r>
-          </a:p>
-          <a:p>
-            <a:r>
-              <a:rPr lang="en-US" dirty="0" smtClean="0"/>
-              <a:t>Mr. </a:t>
-            </a:r>
-            <a:r>
-              <a:rPr lang="en-US" dirty="0" err="1" smtClean="0"/>
-              <a:t>Khuong</a:t>
-            </a:r>
-            <a:r>
-              <a:rPr lang="en-US" dirty="0" smtClean="0"/>
-              <a:t> always drives with high speed.</a:t>
-            </a:r>
-          </a:p>
-          <a:p>
-            <a:r>
-              <a:rPr lang="en-US" dirty="0"/>
-              <a:t>He is notified when he near next turn.</a:t>
-            </a:r>
-          </a:p>
-          <a:p>
-            <a:r>
-              <a:rPr lang="en-US" dirty="0" smtClean="0"/>
-              <a:t>But he passes it and </a:t>
-            </a:r>
-            <a:r>
-              <a:rPr lang="en-US" dirty="0"/>
+              <a:rPr lang="en-US" sz="2800" dirty="0" smtClean="0"/>
+              <a:t>But </a:t>
+            </a:r>
+            <a:r>
+              <a:rPr lang="en-US" sz="2800" dirty="0" smtClean="0"/>
+              <a:t>he passes it and </a:t>
+            </a:r>
+            <a:r>
+              <a:rPr lang="en-US" sz="2800" dirty="0"/>
               <a:t>keeps go </a:t>
             </a:r>
             <a:r>
-              <a:rPr lang="en-US" dirty="0" smtClean="0"/>
+              <a:rPr lang="en-US" sz="2800" dirty="0" smtClean="0"/>
               <a:t>straight.</a:t>
             </a:r>
           </a:p>
           <a:p>
             <a:r>
-              <a:rPr lang="en-US" dirty="0" smtClean="0"/>
+              <a:rPr lang="en-US" sz="2800" dirty="0" smtClean="0"/>
               <a:t>He </a:t>
             </a:r>
             <a:r>
-              <a:rPr lang="en-US" dirty="0"/>
+              <a:rPr lang="en-US" sz="2800" dirty="0"/>
               <a:t>doesn't know that he has </a:t>
             </a:r>
             <a:r>
-              <a:rPr lang="en-US" dirty="0" smtClean="0"/>
+              <a:rPr lang="en-US" sz="2800" dirty="0" smtClean="0"/>
               <a:t>lost then he still drives.</a:t>
             </a:r>
-            <a:endParaRPr lang="en-US" dirty="0"/>
+            <a:endParaRPr lang="en-US" sz="2800" dirty="0"/>
           </a:p>
         </p:txBody>
       </p:sp>
@@ -12413,8 +12295,8 @@
         </p:nvSpPr>
         <p:spPr>
           <a:xfrm>
-            <a:off x="1832190" y="1663795"/>
-            <a:ext cx="5850319" cy="369332"/>
+            <a:off x="163015" y="1617945"/>
+            <a:ext cx="8980985" cy="523220"/>
           </a:xfrm>
           <a:prstGeom prst="rect">
             <a:avLst/>
@@ -12428,10 +12310,10 @@
           <a:lstStyle/>
           <a:p>
             <a:r>
-              <a:rPr lang="en-US" dirty="0" smtClean="0"/>
+              <a:rPr lang="en-US" sz="2800" dirty="0" smtClean="0"/>
               <a:t>He has far away from right route when he checks map again.</a:t>
             </a:r>
-            <a:endParaRPr lang="en-US" dirty="0"/>
+            <a:endParaRPr lang="en-US" sz="2800" dirty="0"/>
           </a:p>
         </p:txBody>
       </p:sp>
@@ -12642,7 +12524,15 @@
             </a:pPr>
             <a:r>
               <a:rPr lang="en-US" dirty="0" smtClean="0"/>
-              <a:t>User can research to get right route.</a:t>
+              <a:t>User can </a:t>
+            </a:r>
+            <a:r>
+              <a:rPr lang="en-US" dirty="0" smtClean="0"/>
+              <a:t>search again to </a:t>
+            </a:r>
+            <a:r>
+              <a:rPr lang="en-US" dirty="0" smtClean="0"/>
+              <a:t>get right route.</a:t>
             </a:r>
             <a:endParaRPr lang="en-US" dirty="0"/>
           </a:p>

--- a/Document/presentation/nam/notify wrong way.pptx
+++ b/Document/presentation/nam/notify wrong way.pptx
@@ -4,14 +4,17 @@
   <p:sldMasterIdLst>
     <p:sldMasterId id="2147483660" r:id="rId1"/>
   </p:sldMasterIdLst>
+  <p:notesMasterIdLst>
+    <p:notesMasterId r:id="rId22"/>
+  </p:notesMasterIdLst>
   <p:sldIdLst>
-    <p:sldId id="304" r:id="rId2"/>
-    <p:sldId id="313" r:id="rId3"/>
+    <p:sldId id="318" r:id="rId2"/>
+    <p:sldId id="319" r:id="rId3"/>
     <p:sldId id="314" r:id="rId4"/>
     <p:sldId id="316" r:id="rId5"/>
     <p:sldId id="315" r:id="rId6"/>
-    <p:sldId id="305" r:id="rId7"/>
-    <p:sldId id="306" r:id="rId8"/>
+    <p:sldId id="320" r:id="rId7"/>
+    <p:sldId id="321" r:id="rId8"/>
     <p:sldId id="303" r:id="rId9"/>
     <p:sldId id="282" r:id="rId10"/>
     <p:sldId id="273" r:id="rId11"/>
@@ -22,8 +25,9 @@
     <p:sldId id="279" r:id="rId16"/>
     <p:sldId id="280" r:id="rId17"/>
     <p:sldId id="281" r:id="rId18"/>
-    <p:sldId id="283" r:id="rId19"/>
-    <p:sldId id="285" r:id="rId20"/>
+    <p:sldId id="317" r:id="rId19"/>
+    <p:sldId id="283" r:id="rId20"/>
+    <p:sldId id="285" r:id="rId21"/>
   </p:sldIdLst>
   <p:sldSz cx="9144000" cy="6858000" type="screen4x3"/>
   <p:notesSz cx="6858000" cy="9144000"/>
@@ -130,6 +134,780 @@
 </p:presentation>
 </file>
 
+<file path=ppt/notesMasters/notesMaster1.xml><?xml version="1.0" encoding="utf-8"?>
+<p:notesMaster xmlns:a="http://schemas.openxmlformats.org/drawingml/2006/main" xmlns:r="http://schemas.openxmlformats.org/officeDocument/2006/relationships" xmlns:p="http://schemas.openxmlformats.org/presentationml/2006/main">
+  <p:cSld>
+    <p:bg>
+      <p:bgRef idx="1001">
+        <a:schemeClr val="bg1"/>
+      </p:bgRef>
+    </p:bg>
+    <p:spTree>
+      <p:nvGrpSpPr>
+        <p:cNvPr id="1" name=""/>
+        <p:cNvGrpSpPr/>
+        <p:nvPr/>
+      </p:nvGrpSpPr>
+      <p:grpSpPr>
+        <a:xfrm>
+          <a:off x="0" y="0"/>
+          <a:ext cx="0" cy="0"/>
+          <a:chOff x="0" y="0"/>
+          <a:chExt cx="0" cy="0"/>
+        </a:xfrm>
+      </p:grpSpPr>
+      <p:sp>
+        <p:nvSpPr>
+          <p:cNvPr id="2" name="Header Placeholder 1"/>
+          <p:cNvSpPr>
+            <a:spLocks noGrp="1"/>
+          </p:cNvSpPr>
+          <p:nvPr>
+            <p:ph type="hdr" sz="quarter"/>
+          </p:nvPr>
+        </p:nvSpPr>
+        <p:spPr>
+          <a:xfrm>
+            <a:off x="0" y="0"/>
+            <a:ext cx="2971800" cy="458788"/>
+          </a:xfrm>
+          <a:prstGeom prst="rect">
+            <a:avLst/>
+          </a:prstGeom>
+        </p:spPr>
+        <p:txBody>
+          <a:bodyPr vert="horz" lIns="91440" tIns="45720" rIns="91440" bIns="45720" rtlCol="0"/>
+          <a:lstStyle>
+            <a:lvl1pPr algn="l">
+              <a:defRPr sz="1200"/>
+            </a:lvl1pPr>
+          </a:lstStyle>
+          <a:p>
+            <a:endParaRPr lang="en-US"/>
+          </a:p>
+        </p:txBody>
+      </p:sp>
+      <p:sp>
+        <p:nvSpPr>
+          <p:cNvPr id="3" name="Date Placeholder 2"/>
+          <p:cNvSpPr>
+            <a:spLocks noGrp="1"/>
+          </p:cNvSpPr>
+          <p:nvPr>
+            <p:ph type="dt" idx="1"/>
+          </p:nvPr>
+        </p:nvSpPr>
+        <p:spPr>
+          <a:xfrm>
+            <a:off x="3884613" y="0"/>
+            <a:ext cx="2971800" cy="458788"/>
+          </a:xfrm>
+          <a:prstGeom prst="rect">
+            <a:avLst/>
+          </a:prstGeom>
+        </p:spPr>
+        <p:txBody>
+          <a:bodyPr vert="horz" lIns="91440" tIns="45720" rIns="91440" bIns="45720" rtlCol="0"/>
+          <a:lstStyle>
+            <a:lvl1pPr algn="r">
+              <a:defRPr sz="1200"/>
+            </a:lvl1pPr>
+          </a:lstStyle>
+          <a:p>
+            <a:fld id="{4129A581-B2BA-6A4B-B6BF-BD1B5D640D0B}" type="datetimeFigureOut">
+              <a:rPr lang="en-US" smtClean="0"/>
+              <a:t>12/11/15</a:t>
+            </a:fld>
+            <a:endParaRPr lang="en-US"/>
+          </a:p>
+        </p:txBody>
+      </p:sp>
+      <p:sp>
+        <p:nvSpPr>
+          <p:cNvPr id="4" name="Slide Image Placeholder 3"/>
+          <p:cNvSpPr>
+            <a:spLocks noGrp="1" noRot="1" noChangeAspect="1"/>
+          </p:cNvSpPr>
+          <p:nvPr>
+            <p:ph type="sldImg" idx="2"/>
+          </p:nvPr>
+        </p:nvSpPr>
+        <p:spPr>
+          <a:xfrm>
+            <a:off x="1371600" y="1143000"/>
+            <a:ext cx="4114800" cy="3086100"/>
+          </a:xfrm>
+          <a:prstGeom prst="rect">
+            <a:avLst/>
+          </a:prstGeom>
+          <a:noFill/>
+          <a:ln w="12700">
+            <a:solidFill>
+              <a:prstClr val="black"/>
+            </a:solidFill>
+          </a:ln>
+        </p:spPr>
+        <p:txBody>
+          <a:bodyPr vert="horz" lIns="91440" tIns="45720" rIns="91440" bIns="45720" rtlCol="0" anchor="ctr"/>
+          <a:lstStyle/>
+          <a:p>
+            <a:endParaRPr lang="en-US"/>
+          </a:p>
+        </p:txBody>
+      </p:sp>
+      <p:sp>
+        <p:nvSpPr>
+          <p:cNvPr id="5" name="Notes Placeholder 4"/>
+          <p:cNvSpPr>
+            <a:spLocks noGrp="1"/>
+          </p:cNvSpPr>
+          <p:nvPr>
+            <p:ph type="body" sz="quarter" idx="3"/>
+          </p:nvPr>
+        </p:nvSpPr>
+        <p:spPr>
+          <a:xfrm>
+            <a:off x="685800" y="4400550"/>
+            <a:ext cx="5486400" cy="3600450"/>
+          </a:xfrm>
+          <a:prstGeom prst="rect">
+            <a:avLst/>
+          </a:prstGeom>
+        </p:spPr>
+        <p:txBody>
+          <a:bodyPr vert="horz" lIns="91440" tIns="45720" rIns="91440" bIns="45720" rtlCol="0"/>
+          <a:lstStyle/>
+          <a:p>
+            <a:pPr lvl="0"/>
+            <a:r>
+              <a:rPr lang="vi-VN" smtClean="0"/>
+              <a:t>Click to edit Master text styles</a:t>
+            </a:r>
+          </a:p>
+          <a:p>
+            <a:pPr lvl="1"/>
+            <a:r>
+              <a:rPr lang="vi-VN" smtClean="0"/>
+              <a:t>Second level</a:t>
+            </a:r>
+          </a:p>
+          <a:p>
+            <a:pPr lvl="2"/>
+            <a:r>
+              <a:rPr lang="vi-VN" smtClean="0"/>
+              <a:t>Third level</a:t>
+            </a:r>
+          </a:p>
+          <a:p>
+            <a:pPr lvl="3"/>
+            <a:r>
+              <a:rPr lang="vi-VN" smtClean="0"/>
+              <a:t>Fourth level</a:t>
+            </a:r>
+          </a:p>
+          <a:p>
+            <a:pPr lvl="4"/>
+            <a:r>
+              <a:rPr lang="vi-VN" smtClean="0"/>
+              <a:t>Fifth level</a:t>
+            </a:r>
+            <a:endParaRPr lang="en-US"/>
+          </a:p>
+        </p:txBody>
+      </p:sp>
+      <p:sp>
+        <p:nvSpPr>
+          <p:cNvPr id="6" name="Footer Placeholder 5"/>
+          <p:cNvSpPr>
+            <a:spLocks noGrp="1"/>
+          </p:cNvSpPr>
+          <p:nvPr>
+            <p:ph type="ftr" sz="quarter" idx="4"/>
+          </p:nvPr>
+        </p:nvSpPr>
+        <p:spPr>
+          <a:xfrm>
+            <a:off x="0" y="8685213"/>
+            <a:ext cx="2971800" cy="458787"/>
+          </a:xfrm>
+          <a:prstGeom prst="rect">
+            <a:avLst/>
+          </a:prstGeom>
+        </p:spPr>
+        <p:txBody>
+          <a:bodyPr vert="horz" lIns="91440" tIns="45720" rIns="91440" bIns="45720" rtlCol="0" anchor="b"/>
+          <a:lstStyle>
+            <a:lvl1pPr algn="l">
+              <a:defRPr sz="1200"/>
+            </a:lvl1pPr>
+          </a:lstStyle>
+          <a:p>
+            <a:endParaRPr lang="en-US"/>
+          </a:p>
+        </p:txBody>
+      </p:sp>
+      <p:sp>
+        <p:nvSpPr>
+          <p:cNvPr id="7" name="Slide Number Placeholder 6"/>
+          <p:cNvSpPr>
+            <a:spLocks noGrp="1"/>
+          </p:cNvSpPr>
+          <p:nvPr>
+            <p:ph type="sldNum" sz="quarter" idx="5"/>
+          </p:nvPr>
+        </p:nvSpPr>
+        <p:spPr>
+          <a:xfrm>
+            <a:off x="3884613" y="8685213"/>
+            <a:ext cx="2971800" cy="458787"/>
+          </a:xfrm>
+          <a:prstGeom prst="rect">
+            <a:avLst/>
+          </a:prstGeom>
+        </p:spPr>
+        <p:txBody>
+          <a:bodyPr vert="horz" lIns="91440" tIns="45720" rIns="91440" bIns="45720" rtlCol="0" anchor="b"/>
+          <a:lstStyle>
+            <a:lvl1pPr algn="r">
+              <a:defRPr sz="1200"/>
+            </a:lvl1pPr>
+          </a:lstStyle>
+          <a:p>
+            <a:fld id="{09B67DCC-AD2A-8049-A5FE-090E7CFEAD6D}" type="slidenum">
+              <a:rPr lang="en-US" smtClean="0"/>
+              <a:t>‹#›</a:t>
+            </a:fld>
+            <a:endParaRPr lang="en-US"/>
+          </a:p>
+        </p:txBody>
+      </p:sp>
+    </p:spTree>
+    <p:extLst>
+      <p:ext uri="{BB962C8B-B14F-4D97-AF65-F5344CB8AC3E}">
+        <p14:creationId xmlns:p14="http://schemas.microsoft.com/office/powerpoint/2010/main" val="1826273750"/>
+      </p:ext>
+    </p:extLst>
+  </p:cSld>
+  <p:clrMap bg1="lt1" tx1="dk1" bg2="lt2" tx2="dk2" accent1="accent1" accent2="accent2" accent3="accent3" accent4="accent4" accent5="accent5" accent6="accent6" hlink="hlink" folHlink="folHlink"/>
+  <p:notesStyle>
+    <a:lvl1pPr marL="0" algn="l" defTabSz="914400" rtl="0" eaLnBrk="1" latinLnBrk="0" hangingPunct="1">
+      <a:defRPr sz="1200" kern="1200">
+        <a:solidFill>
+          <a:schemeClr val="tx1"/>
+        </a:solidFill>
+        <a:latin typeface="+mn-lt"/>
+        <a:ea typeface="+mn-ea"/>
+        <a:cs typeface="+mn-cs"/>
+      </a:defRPr>
+    </a:lvl1pPr>
+    <a:lvl2pPr marL="457200" algn="l" defTabSz="914400" rtl="0" eaLnBrk="1" latinLnBrk="0" hangingPunct="1">
+      <a:defRPr sz="1200" kern="1200">
+        <a:solidFill>
+          <a:schemeClr val="tx1"/>
+        </a:solidFill>
+        <a:latin typeface="+mn-lt"/>
+        <a:ea typeface="+mn-ea"/>
+        <a:cs typeface="+mn-cs"/>
+      </a:defRPr>
+    </a:lvl2pPr>
+    <a:lvl3pPr marL="914400" algn="l" defTabSz="914400" rtl="0" eaLnBrk="1" latinLnBrk="0" hangingPunct="1">
+      <a:defRPr sz="1200" kern="1200">
+        <a:solidFill>
+          <a:schemeClr val="tx1"/>
+        </a:solidFill>
+        <a:latin typeface="+mn-lt"/>
+        <a:ea typeface="+mn-ea"/>
+        <a:cs typeface="+mn-cs"/>
+      </a:defRPr>
+    </a:lvl3pPr>
+    <a:lvl4pPr marL="1371600" algn="l" defTabSz="914400" rtl="0" eaLnBrk="1" latinLnBrk="0" hangingPunct="1">
+      <a:defRPr sz="1200" kern="1200">
+        <a:solidFill>
+          <a:schemeClr val="tx1"/>
+        </a:solidFill>
+        <a:latin typeface="+mn-lt"/>
+        <a:ea typeface="+mn-ea"/>
+        <a:cs typeface="+mn-cs"/>
+      </a:defRPr>
+    </a:lvl4pPr>
+    <a:lvl5pPr marL="1828800" algn="l" defTabSz="914400" rtl="0" eaLnBrk="1" latinLnBrk="0" hangingPunct="1">
+      <a:defRPr sz="1200" kern="1200">
+        <a:solidFill>
+          <a:schemeClr val="tx1"/>
+        </a:solidFill>
+        <a:latin typeface="+mn-lt"/>
+        <a:ea typeface="+mn-ea"/>
+        <a:cs typeface="+mn-cs"/>
+      </a:defRPr>
+    </a:lvl5pPr>
+    <a:lvl6pPr marL="2286000" algn="l" defTabSz="914400" rtl="0" eaLnBrk="1" latinLnBrk="0" hangingPunct="1">
+      <a:defRPr sz="1200" kern="1200">
+        <a:solidFill>
+          <a:schemeClr val="tx1"/>
+        </a:solidFill>
+        <a:latin typeface="+mn-lt"/>
+        <a:ea typeface="+mn-ea"/>
+        <a:cs typeface="+mn-cs"/>
+      </a:defRPr>
+    </a:lvl6pPr>
+    <a:lvl7pPr marL="2743200" algn="l" defTabSz="914400" rtl="0" eaLnBrk="1" latinLnBrk="0" hangingPunct="1">
+      <a:defRPr sz="1200" kern="1200">
+        <a:solidFill>
+          <a:schemeClr val="tx1"/>
+        </a:solidFill>
+        <a:latin typeface="+mn-lt"/>
+        <a:ea typeface="+mn-ea"/>
+        <a:cs typeface="+mn-cs"/>
+      </a:defRPr>
+    </a:lvl7pPr>
+    <a:lvl8pPr marL="3200400" algn="l" defTabSz="914400" rtl="0" eaLnBrk="1" latinLnBrk="0" hangingPunct="1">
+      <a:defRPr sz="1200" kern="1200">
+        <a:solidFill>
+          <a:schemeClr val="tx1"/>
+        </a:solidFill>
+        <a:latin typeface="+mn-lt"/>
+        <a:ea typeface="+mn-ea"/>
+        <a:cs typeface="+mn-cs"/>
+      </a:defRPr>
+    </a:lvl8pPr>
+    <a:lvl9pPr marL="3657600" algn="l" defTabSz="914400" rtl="0" eaLnBrk="1" latinLnBrk="0" hangingPunct="1">
+      <a:defRPr sz="1200" kern="1200">
+        <a:solidFill>
+          <a:schemeClr val="tx1"/>
+        </a:solidFill>
+        <a:latin typeface="+mn-lt"/>
+        <a:ea typeface="+mn-ea"/>
+        <a:cs typeface="+mn-cs"/>
+      </a:defRPr>
+    </a:lvl9pPr>
+  </p:notesStyle>
+</p:notesMaster>
+</file>
+
+<file path=ppt/notesSlides/notesSlide1.xml><?xml version="1.0" encoding="utf-8"?>
+<p:notes xmlns:a="http://schemas.openxmlformats.org/drawingml/2006/main" xmlns:r="http://schemas.openxmlformats.org/officeDocument/2006/relationships" xmlns:p="http://schemas.openxmlformats.org/presentationml/2006/main">
+  <p:cSld>
+    <p:spTree>
+      <p:nvGrpSpPr>
+        <p:cNvPr id="1" name=""/>
+        <p:cNvGrpSpPr/>
+        <p:nvPr/>
+      </p:nvGrpSpPr>
+      <p:grpSpPr>
+        <a:xfrm>
+          <a:off x="0" y="0"/>
+          <a:ext cx="0" cy="0"/>
+          <a:chOff x="0" y="0"/>
+          <a:chExt cx="0" cy="0"/>
+        </a:xfrm>
+      </p:grpSpPr>
+      <p:sp>
+        <p:nvSpPr>
+          <p:cNvPr id="2" name="Slide Image Placeholder 1"/>
+          <p:cNvSpPr>
+            <a:spLocks noGrp="1" noRot="1" noChangeAspect="1"/>
+          </p:cNvSpPr>
+          <p:nvPr>
+            <p:ph type="sldImg"/>
+          </p:nvPr>
+        </p:nvSpPr>
+        <p:spPr/>
+      </p:sp>
+      <p:sp>
+        <p:nvSpPr>
+          <p:cNvPr id="3" name="Notes Placeholder 2"/>
+          <p:cNvSpPr>
+            <a:spLocks noGrp="1"/>
+          </p:cNvSpPr>
+          <p:nvPr>
+            <p:ph type="body" idx="1"/>
+          </p:nvPr>
+        </p:nvSpPr>
+        <p:spPr/>
+        <p:txBody>
+          <a:bodyPr/>
+          <a:lstStyle/>
+          <a:p>
+            <a:endParaRPr lang="en-US" dirty="0"/>
+          </a:p>
+        </p:txBody>
+      </p:sp>
+      <p:sp>
+        <p:nvSpPr>
+          <p:cNvPr id="4" name="Slide Number Placeholder 3"/>
+          <p:cNvSpPr>
+            <a:spLocks noGrp="1"/>
+          </p:cNvSpPr>
+          <p:nvPr>
+            <p:ph type="sldNum" sz="quarter" idx="10"/>
+          </p:nvPr>
+        </p:nvSpPr>
+        <p:spPr/>
+        <p:txBody>
+          <a:bodyPr/>
+          <a:lstStyle/>
+          <a:p>
+            <a:fld id="{2599C3E7-3278-1243-886F-92FF82204DB1}" type="slidenum">
+              <a:rPr lang="en-US" smtClean="0"/>
+              <a:t>1</a:t>
+            </a:fld>
+            <a:endParaRPr lang="en-US"/>
+          </a:p>
+        </p:txBody>
+      </p:sp>
+    </p:spTree>
+    <p:extLst>
+      <p:ext uri="{BB962C8B-B14F-4D97-AF65-F5344CB8AC3E}">
+        <p14:creationId xmlns:p14="http://schemas.microsoft.com/office/powerpoint/2010/main" val="670767142"/>
+      </p:ext>
+    </p:extLst>
+  </p:cSld>
+  <p:clrMapOvr>
+    <a:masterClrMapping/>
+  </p:clrMapOvr>
+</p:notes>
+</file>
+
+<file path=ppt/notesSlides/notesSlide2.xml><?xml version="1.0" encoding="utf-8"?>
+<p:notes xmlns:a="http://schemas.openxmlformats.org/drawingml/2006/main" xmlns:r="http://schemas.openxmlformats.org/officeDocument/2006/relationships" xmlns:p="http://schemas.openxmlformats.org/presentationml/2006/main">
+  <p:cSld>
+    <p:spTree>
+      <p:nvGrpSpPr>
+        <p:cNvPr id="1" name=""/>
+        <p:cNvGrpSpPr/>
+        <p:nvPr/>
+      </p:nvGrpSpPr>
+      <p:grpSpPr>
+        <a:xfrm>
+          <a:off x="0" y="0"/>
+          <a:ext cx="0" cy="0"/>
+          <a:chOff x="0" y="0"/>
+          <a:chExt cx="0" cy="0"/>
+        </a:xfrm>
+      </p:grpSpPr>
+      <p:sp>
+        <p:nvSpPr>
+          <p:cNvPr id="2" name="Slide Image Placeholder 1"/>
+          <p:cNvSpPr>
+            <a:spLocks noGrp="1" noRot="1" noChangeAspect="1"/>
+          </p:cNvSpPr>
+          <p:nvPr>
+            <p:ph type="sldImg"/>
+          </p:nvPr>
+        </p:nvSpPr>
+        <p:spPr/>
+      </p:sp>
+      <p:sp>
+        <p:nvSpPr>
+          <p:cNvPr id="3" name="Notes Placeholder 2"/>
+          <p:cNvSpPr>
+            <a:spLocks noGrp="1"/>
+          </p:cNvSpPr>
+          <p:nvPr>
+            <p:ph type="body" idx="1"/>
+          </p:nvPr>
+        </p:nvSpPr>
+        <p:spPr/>
+        <p:txBody>
+          <a:bodyPr/>
+          <a:lstStyle/>
+          <a:p>
+            <a:endParaRPr lang="en-US" dirty="0"/>
+          </a:p>
+        </p:txBody>
+      </p:sp>
+      <p:sp>
+        <p:nvSpPr>
+          <p:cNvPr id="4" name="Slide Number Placeholder 3"/>
+          <p:cNvSpPr>
+            <a:spLocks noGrp="1"/>
+          </p:cNvSpPr>
+          <p:nvPr>
+            <p:ph type="sldNum" sz="quarter" idx="10"/>
+          </p:nvPr>
+        </p:nvSpPr>
+        <p:spPr/>
+        <p:txBody>
+          <a:bodyPr/>
+          <a:lstStyle/>
+          <a:p>
+            <a:fld id="{2599C3E7-3278-1243-886F-92FF82204DB1}" type="slidenum">
+              <a:rPr lang="en-US" smtClean="0"/>
+              <a:t>2</a:t>
+            </a:fld>
+            <a:endParaRPr lang="en-US"/>
+          </a:p>
+        </p:txBody>
+      </p:sp>
+    </p:spTree>
+    <p:extLst>
+      <p:ext uri="{BB962C8B-B14F-4D97-AF65-F5344CB8AC3E}">
+        <p14:creationId xmlns:p14="http://schemas.microsoft.com/office/powerpoint/2010/main" val="1654882027"/>
+      </p:ext>
+    </p:extLst>
+  </p:cSld>
+  <p:clrMapOvr>
+    <a:masterClrMapping/>
+  </p:clrMapOvr>
+</p:notes>
+</file>
+
+<file path=ppt/notesSlides/notesSlide3.xml><?xml version="1.0" encoding="utf-8"?>
+<p:notes xmlns:a="http://schemas.openxmlformats.org/drawingml/2006/main" xmlns:r="http://schemas.openxmlformats.org/officeDocument/2006/relationships" xmlns:p="http://schemas.openxmlformats.org/presentationml/2006/main">
+  <p:cSld>
+    <p:spTree>
+      <p:nvGrpSpPr>
+        <p:cNvPr id="1" name=""/>
+        <p:cNvGrpSpPr/>
+        <p:nvPr/>
+      </p:nvGrpSpPr>
+      <p:grpSpPr>
+        <a:xfrm>
+          <a:off x="0" y="0"/>
+          <a:ext cx="0" cy="0"/>
+          <a:chOff x="0" y="0"/>
+          <a:chExt cx="0" cy="0"/>
+        </a:xfrm>
+      </p:grpSpPr>
+      <p:sp>
+        <p:nvSpPr>
+          <p:cNvPr id="2" name="Slide Image Placeholder 1"/>
+          <p:cNvSpPr>
+            <a:spLocks noGrp="1" noRot="1" noChangeAspect="1"/>
+          </p:cNvSpPr>
+          <p:nvPr>
+            <p:ph type="sldImg"/>
+          </p:nvPr>
+        </p:nvSpPr>
+        <p:spPr/>
+      </p:sp>
+      <p:sp>
+        <p:nvSpPr>
+          <p:cNvPr id="3" name="Notes Placeholder 2"/>
+          <p:cNvSpPr>
+            <a:spLocks noGrp="1"/>
+          </p:cNvSpPr>
+          <p:nvPr>
+            <p:ph type="body" idx="1"/>
+          </p:nvPr>
+        </p:nvSpPr>
+        <p:spPr/>
+        <p:txBody>
+          <a:bodyPr/>
+          <a:lstStyle/>
+          <a:p>
+            <a:endParaRPr lang="en-US" dirty="0"/>
+          </a:p>
+        </p:txBody>
+      </p:sp>
+      <p:sp>
+        <p:nvSpPr>
+          <p:cNvPr id="4" name="Slide Number Placeholder 3"/>
+          <p:cNvSpPr>
+            <a:spLocks noGrp="1"/>
+          </p:cNvSpPr>
+          <p:nvPr>
+            <p:ph type="sldNum" sz="quarter" idx="10"/>
+          </p:nvPr>
+        </p:nvSpPr>
+        <p:spPr/>
+        <p:txBody>
+          <a:bodyPr/>
+          <a:lstStyle/>
+          <a:p>
+            <a:fld id="{2599C3E7-3278-1243-886F-92FF82204DB1}" type="slidenum">
+              <a:rPr lang="en-US" smtClean="0"/>
+              <a:t>6</a:t>
+            </a:fld>
+            <a:endParaRPr lang="en-US"/>
+          </a:p>
+        </p:txBody>
+      </p:sp>
+    </p:spTree>
+    <p:extLst>
+      <p:ext uri="{BB962C8B-B14F-4D97-AF65-F5344CB8AC3E}">
+        <p14:creationId xmlns:p14="http://schemas.microsoft.com/office/powerpoint/2010/main" val="952142846"/>
+      </p:ext>
+    </p:extLst>
+  </p:cSld>
+  <p:clrMapOvr>
+    <a:masterClrMapping/>
+  </p:clrMapOvr>
+</p:notes>
+</file>
+
+<file path=ppt/notesSlides/notesSlide4.xml><?xml version="1.0" encoding="utf-8"?>
+<p:notes xmlns:a="http://schemas.openxmlformats.org/drawingml/2006/main" xmlns:r="http://schemas.openxmlformats.org/officeDocument/2006/relationships" xmlns:p="http://schemas.openxmlformats.org/presentationml/2006/main">
+  <p:cSld>
+    <p:spTree>
+      <p:nvGrpSpPr>
+        <p:cNvPr id="1" name=""/>
+        <p:cNvGrpSpPr/>
+        <p:nvPr/>
+      </p:nvGrpSpPr>
+      <p:grpSpPr>
+        <a:xfrm>
+          <a:off x="0" y="0"/>
+          <a:ext cx="0" cy="0"/>
+          <a:chOff x="0" y="0"/>
+          <a:chExt cx="0" cy="0"/>
+        </a:xfrm>
+      </p:grpSpPr>
+      <p:sp>
+        <p:nvSpPr>
+          <p:cNvPr id="2" name="Slide Image Placeholder 1"/>
+          <p:cNvSpPr>
+            <a:spLocks noGrp="1" noRot="1" noChangeAspect="1"/>
+          </p:cNvSpPr>
+          <p:nvPr>
+            <p:ph type="sldImg"/>
+          </p:nvPr>
+        </p:nvSpPr>
+        <p:spPr/>
+      </p:sp>
+      <p:sp>
+        <p:nvSpPr>
+          <p:cNvPr id="3" name="Notes Placeholder 2"/>
+          <p:cNvSpPr>
+            <a:spLocks noGrp="1"/>
+          </p:cNvSpPr>
+          <p:nvPr>
+            <p:ph type="body" idx="1"/>
+          </p:nvPr>
+        </p:nvSpPr>
+        <p:spPr/>
+        <p:txBody>
+          <a:bodyPr/>
+          <a:lstStyle/>
+          <a:p>
+            <a:endParaRPr lang="en-US" dirty="0"/>
+          </a:p>
+        </p:txBody>
+      </p:sp>
+      <p:sp>
+        <p:nvSpPr>
+          <p:cNvPr id="4" name="Slide Number Placeholder 3"/>
+          <p:cNvSpPr>
+            <a:spLocks noGrp="1"/>
+          </p:cNvSpPr>
+          <p:nvPr>
+            <p:ph type="sldNum" sz="quarter" idx="10"/>
+          </p:nvPr>
+        </p:nvSpPr>
+        <p:spPr/>
+        <p:txBody>
+          <a:bodyPr/>
+          <a:lstStyle/>
+          <a:p>
+            <a:fld id="{2599C3E7-3278-1243-886F-92FF82204DB1}" type="slidenum">
+              <a:rPr lang="en-US" smtClean="0"/>
+              <a:t>7</a:t>
+            </a:fld>
+            <a:endParaRPr lang="en-US"/>
+          </a:p>
+        </p:txBody>
+      </p:sp>
+    </p:spTree>
+    <p:extLst>
+      <p:ext uri="{BB962C8B-B14F-4D97-AF65-F5344CB8AC3E}">
+        <p14:creationId xmlns:p14="http://schemas.microsoft.com/office/powerpoint/2010/main" val="2055629102"/>
+      </p:ext>
+    </p:extLst>
+  </p:cSld>
+  <p:clrMapOvr>
+    <a:masterClrMapping/>
+  </p:clrMapOvr>
+</p:notes>
+</file>
+
+<file path=ppt/notesSlides/notesSlide5.xml><?xml version="1.0" encoding="utf-8"?>
+<p:notes xmlns:a="http://schemas.openxmlformats.org/drawingml/2006/main" xmlns:r="http://schemas.openxmlformats.org/officeDocument/2006/relationships" xmlns:p="http://schemas.openxmlformats.org/presentationml/2006/main">
+  <p:cSld>
+    <p:spTree>
+      <p:nvGrpSpPr>
+        <p:cNvPr id="1" name=""/>
+        <p:cNvGrpSpPr/>
+        <p:nvPr/>
+      </p:nvGrpSpPr>
+      <p:grpSpPr>
+        <a:xfrm>
+          <a:off x="0" y="0"/>
+          <a:ext cx="0" cy="0"/>
+          <a:chOff x="0" y="0"/>
+          <a:chExt cx="0" cy="0"/>
+        </a:xfrm>
+      </p:grpSpPr>
+      <p:sp>
+        <p:nvSpPr>
+          <p:cNvPr id="2" name="Slide Image Placeholder 1"/>
+          <p:cNvSpPr>
+            <a:spLocks noGrp="1" noRot="1" noChangeAspect="1"/>
+          </p:cNvSpPr>
+          <p:nvPr>
+            <p:ph type="sldImg"/>
+          </p:nvPr>
+        </p:nvSpPr>
+        <p:spPr/>
+      </p:sp>
+      <p:sp>
+        <p:nvSpPr>
+          <p:cNvPr id="3" name="Notes Placeholder 2"/>
+          <p:cNvSpPr>
+            <a:spLocks noGrp="1"/>
+          </p:cNvSpPr>
+          <p:nvPr>
+            <p:ph type="body" idx="1"/>
+          </p:nvPr>
+        </p:nvSpPr>
+        <p:spPr/>
+        <p:txBody>
+          <a:bodyPr/>
+          <a:lstStyle/>
+          <a:p>
+            <a:r>
+              <a:rPr lang="vi-VN" smtClean="0"/>
+              <a:t>thuật toán phát hiện sai đường.</a:t>
+            </a:r>
+            <a:endParaRPr lang="en-US"/>
+          </a:p>
+        </p:txBody>
+      </p:sp>
+      <p:sp>
+        <p:nvSpPr>
+          <p:cNvPr id="4" name="Slide Number Placeholder 3"/>
+          <p:cNvSpPr>
+            <a:spLocks noGrp="1"/>
+          </p:cNvSpPr>
+          <p:nvPr>
+            <p:ph type="sldNum" sz="quarter" idx="10"/>
+          </p:nvPr>
+        </p:nvSpPr>
+        <p:spPr/>
+        <p:txBody>
+          <a:bodyPr/>
+          <a:lstStyle/>
+          <a:p>
+            <a:fld id="{09B67DCC-AD2A-8049-A5FE-090E7CFEAD6D}" type="slidenum">
+              <a:rPr lang="en-US" smtClean="0"/>
+              <a:t>8</a:t>
+            </a:fld>
+            <a:endParaRPr lang="en-US"/>
+          </a:p>
+        </p:txBody>
+      </p:sp>
+    </p:spTree>
+    <p:extLst>
+      <p:ext uri="{BB962C8B-B14F-4D97-AF65-F5344CB8AC3E}">
+        <p14:creationId xmlns:p14="http://schemas.microsoft.com/office/powerpoint/2010/main" val="1935116119"/>
+      </p:ext>
+    </p:extLst>
+  </p:cSld>
+  <p:clrMapOvr>
+    <a:masterClrMapping/>
+  </p:clrMapOvr>
+</p:notes>
+</file>
+
 <file path=ppt/slideLayouts/slideLayout1.xml><?xml version="1.0" encoding="utf-8"?>
 <p:sldLayout xmlns:a="http://schemas.openxmlformats.org/drawingml/2006/main" xmlns:r="http://schemas.openxmlformats.org/officeDocument/2006/relationships" xmlns:p="http://schemas.openxmlformats.org/presentationml/2006/main" type="title" preserve="1">
   <p:cSld name="Title Slide">
@@ -663,6 +1441,301 @@
     <p:extLst>
       <p:ext uri="{BB962C8B-B14F-4D97-AF65-F5344CB8AC3E}">
         <p14:creationId xmlns:p14="http://schemas.microsoft.com/office/powerpoint/2010/main" val="3067025577"/>
+      </p:ext>
+    </p:extLst>
+  </p:cSld>
+  <p:clrMapOvr>
+    <a:masterClrMapping/>
+  </p:clrMapOvr>
+</p:sldLayout>
+</file>
+
+<file path=ppt/slideLayouts/slideLayout12.xml><?xml version="1.0" encoding="utf-8"?>
+<p:sldLayout xmlns:a="http://schemas.openxmlformats.org/drawingml/2006/main" xmlns:r="http://schemas.openxmlformats.org/officeDocument/2006/relationships" xmlns:p="http://schemas.openxmlformats.org/presentationml/2006/main" type="tx">
+  <p:cSld name="Title and body">
+    <p:spTree>
+      <p:nvGrpSpPr>
+        <p:cNvPr id="1" name="Shape 14"/>
+        <p:cNvGrpSpPr/>
+        <p:nvPr/>
+      </p:nvGrpSpPr>
+      <p:grpSpPr>
+        <a:xfrm>
+          <a:off x="0" y="0"/>
+          <a:ext cx="0" cy="0"/>
+          <a:chOff x="0" y="0"/>
+          <a:chExt cx="0" cy="0"/>
+        </a:xfrm>
+      </p:grpSpPr>
+      <p:sp>
+        <p:nvSpPr>
+          <p:cNvPr id="15" name="Shape 15"/>
+          <p:cNvSpPr/>
+          <p:nvPr/>
+        </p:nvSpPr>
+        <p:spPr>
+          <a:xfrm>
+            <a:off x="0" y="2"/>
+            <a:ext cx="9144000" cy="1532999"/>
+          </a:xfrm>
+          <a:prstGeom prst="rect">
+            <a:avLst/>
+          </a:prstGeom>
+          <a:solidFill>
+            <a:srgbClr val="2388DB"/>
+          </a:solidFill>
+          <a:ln>
+            <a:noFill/>
+          </a:ln>
+        </p:spPr>
+        <p:txBody>
+          <a:bodyPr lIns="68569" tIns="34275" rIns="68569" bIns="34275" anchor="ctr" anchorCtr="0">
+            <a:noAutofit/>
+          </a:bodyPr>
+          <a:lstStyle/>
+          <a:p>
+            <a:endParaRPr sz="1050" kern="0">
+              <a:solidFill>
+                <a:srgbClr val="000000"/>
+              </a:solidFill>
+              <a:ea typeface="Arial"/>
+              <a:cs typeface="Arial"/>
+              <a:sym typeface="Arial"/>
+              <a:rtl val="0"/>
+            </a:endParaRPr>
+          </a:p>
+        </p:txBody>
+      </p:sp>
+      <p:cxnSp>
+        <p:nvCxnSpPr>
+          <p:cNvPr id="16" name="Shape 16"/>
+          <p:cNvCxnSpPr/>
+          <p:nvPr/>
+        </p:nvCxnSpPr>
+        <p:spPr>
+          <a:xfrm>
+            <a:off x="0" y="1503833"/>
+            <a:ext cx="9144000" cy="0"/>
+          </a:xfrm>
+          <a:prstGeom prst="straightConnector1">
+            <a:avLst/>
+          </a:prstGeom>
+          <a:noFill/>
+          <a:ln w="57150" cap="flat" cmpd="sng">
+            <a:solidFill>
+              <a:srgbClr val="000000">
+                <a:alpha val="14901"/>
+              </a:srgbClr>
+            </a:solidFill>
+            <a:prstDash val="solid"/>
+            <a:round/>
+            <a:headEnd type="none" w="med" len="med"/>
+            <a:tailEnd type="none" w="med" len="med"/>
+          </a:ln>
+        </p:spPr>
+      </p:cxnSp>
+      <p:sp>
+        <p:nvSpPr>
+          <p:cNvPr id="17" name="Shape 17"/>
+          <p:cNvSpPr txBox="1">
+            <a:spLocks noGrp="1"/>
+          </p:cNvSpPr>
+          <p:nvPr>
+            <p:ph type="title"/>
+          </p:nvPr>
+        </p:nvSpPr>
+        <p:spPr>
+          <a:xfrm>
+            <a:off x="457200" y="274637"/>
+            <a:ext cx="8229600" cy="1143000"/>
+          </a:xfrm>
+          <a:prstGeom prst="rect">
+            <a:avLst/>
+          </a:prstGeom>
+        </p:spPr>
+        <p:txBody>
+          <a:bodyPr lIns="91425" tIns="91425" rIns="91425" bIns="91425" anchor="b" anchorCtr="0"/>
+          <a:lstStyle>
+            <a:lvl1pPr>
+              <a:spcBef>
+                <a:spcPts val="0"/>
+              </a:spcBef>
+              <a:defRPr/>
+            </a:lvl1pPr>
+            <a:lvl2pPr>
+              <a:spcBef>
+                <a:spcPts val="0"/>
+              </a:spcBef>
+              <a:defRPr/>
+            </a:lvl2pPr>
+            <a:lvl3pPr>
+              <a:spcBef>
+                <a:spcPts val="0"/>
+              </a:spcBef>
+              <a:defRPr/>
+            </a:lvl3pPr>
+            <a:lvl4pPr>
+              <a:spcBef>
+                <a:spcPts val="0"/>
+              </a:spcBef>
+              <a:defRPr/>
+            </a:lvl4pPr>
+            <a:lvl5pPr>
+              <a:spcBef>
+                <a:spcPts val="0"/>
+              </a:spcBef>
+              <a:defRPr/>
+            </a:lvl5pPr>
+            <a:lvl6pPr>
+              <a:spcBef>
+                <a:spcPts val="0"/>
+              </a:spcBef>
+              <a:defRPr/>
+            </a:lvl6pPr>
+            <a:lvl7pPr>
+              <a:spcBef>
+                <a:spcPts val="0"/>
+              </a:spcBef>
+              <a:defRPr/>
+            </a:lvl7pPr>
+            <a:lvl8pPr>
+              <a:spcBef>
+                <a:spcPts val="0"/>
+              </a:spcBef>
+              <a:defRPr/>
+            </a:lvl8pPr>
+            <a:lvl9pPr>
+              <a:spcBef>
+                <a:spcPts val="0"/>
+              </a:spcBef>
+              <a:defRPr/>
+            </a:lvl9pPr>
+          </a:lstStyle>
+          <a:p>
+            <a:endParaRPr/>
+          </a:p>
+        </p:txBody>
+      </p:sp>
+      <p:sp>
+        <p:nvSpPr>
+          <p:cNvPr id="18" name="Shape 18"/>
+          <p:cNvSpPr txBox="1">
+            <a:spLocks noGrp="1"/>
+          </p:cNvSpPr>
+          <p:nvPr>
+            <p:ph type="body" idx="1"/>
+          </p:nvPr>
+        </p:nvSpPr>
+        <p:spPr>
+          <a:xfrm>
+            <a:off x="457200" y="1600200"/>
+            <a:ext cx="8229600" cy="4967700"/>
+          </a:xfrm>
+          <a:prstGeom prst="rect">
+            <a:avLst/>
+          </a:prstGeom>
+        </p:spPr>
+        <p:txBody>
+          <a:bodyPr lIns="91425" tIns="91425" rIns="91425" bIns="91425" anchor="t" anchorCtr="0"/>
+          <a:lstStyle>
+            <a:lvl1pPr>
+              <a:spcBef>
+                <a:spcPts val="0"/>
+              </a:spcBef>
+              <a:defRPr/>
+            </a:lvl1pPr>
+            <a:lvl2pPr>
+              <a:spcBef>
+                <a:spcPts val="0"/>
+              </a:spcBef>
+              <a:defRPr/>
+            </a:lvl2pPr>
+            <a:lvl3pPr>
+              <a:spcBef>
+                <a:spcPts val="0"/>
+              </a:spcBef>
+              <a:defRPr/>
+            </a:lvl3pPr>
+            <a:lvl4pPr>
+              <a:spcBef>
+                <a:spcPts val="0"/>
+              </a:spcBef>
+              <a:defRPr/>
+            </a:lvl4pPr>
+            <a:lvl5pPr>
+              <a:spcBef>
+                <a:spcPts val="0"/>
+              </a:spcBef>
+              <a:defRPr/>
+            </a:lvl5pPr>
+            <a:lvl6pPr>
+              <a:spcBef>
+                <a:spcPts val="0"/>
+              </a:spcBef>
+              <a:defRPr/>
+            </a:lvl6pPr>
+            <a:lvl7pPr>
+              <a:spcBef>
+                <a:spcPts val="0"/>
+              </a:spcBef>
+              <a:defRPr/>
+            </a:lvl7pPr>
+            <a:lvl8pPr>
+              <a:spcBef>
+                <a:spcPts val="0"/>
+              </a:spcBef>
+              <a:defRPr/>
+            </a:lvl8pPr>
+            <a:lvl9pPr>
+              <a:spcBef>
+                <a:spcPts val="0"/>
+              </a:spcBef>
+              <a:defRPr/>
+            </a:lvl9pPr>
+          </a:lstStyle>
+          <a:p>
+            <a:endParaRPr/>
+          </a:p>
+        </p:txBody>
+      </p:sp>
+      <p:sp>
+        <p:nvSpPr>
+          <p:cNvPr id="19" name="Shape 19"/>
+          <p:cNvSpPr txBox="1">
+            <a:spLocks noGrp="1"/>
+          </p:cNvSpPr>
+          <p:nvPr>
+            <p:ph type="sldNum" idx="12"/>
+          </p:nvPr>
+        </p:nvSpPr>
+        <p:spPr>
+          <a:xfrm>
+            <a:off x="8556792" y="6333136"/>
+            <a:ext cx="548699" cy="524699"/>
+          </a:xfrm>
+          <a:prstGeom prst="rect">
+            <a:avLst/>
+          </a:prstGeom>
+        </p:spPr>
+        <p:txBody>
+          <a:bodyPr lIns="91425" tIns="91425" rIns="91425" bIns="91425" anchor="ctr" anchorCtr="0">
+            <a:noAutofit/>
+          </a:bodyPr>
+          <a:lstStyle/>
+          <a:p>
+            <a:fld id="{00000000-1234-1234-1234-123412341234}" type="slidenum">
+              <a:rPr lang="en"/>
+              <a:pPr/>
+              <a:t>‹#›</a:t>
+            </a:fld>
+            <a:endParaRPr lang="en"/>
+          </a:p>
+        </p:txBody>
+      </p:sp>
+    </p:spTree>
+    <p:extLst>
+      <p:ext uri="{BB962C8B-B14F-4D97-AF65-F5344CB8AC3E}">
+        <p14:creationId xmlns:p14="http://schemas.microsoft.com/office/powerpoint/2010/main" val="785619188"/>
       </p:ext>
     </p:extLst>
   </p:cSld>
@@ -2688,6 +3761,7 @@
     <p:sldLayoutId id="2147483669" r:id="rId9"/>
     <p:sldLayoutId id="2147483670" r:id="rId10"/>
     <p:sldLayoutId id="2147483671" r:id="rId11"/>
+    <p:sldLayoutId id="2147483672" r:id="rId12"/>
   </p:sldLayoutIdLst>
   <p:txStyles>
     <p:titleStyle>
@@ -2989,24 +4063,89 @@
           <a:chExt cx="0" cy="0"/>
         </a:xfrm>
       </p:grpSpPr>
+      <p:sp>
+        <p:nvSpPr>
+          <p:cNvPr id="6" name="Title 5"/>
+          <p:cNvSpPr>
+            <a:spLocks noGrp="1"/>
+          </p:cNvSpPr>
+          <p:nvPr>
+            <p:ph type="title"/>
+          </p:nvPr>
+        </p:nvSpPr>
+        <p:spPr/>
+        <p:txBody>
+          <a:bodyPr>
+            <a:normAutofit/>
+          </a:bodyPr>
+          <a:lstStyle/>
+          <a:p>
+            <a:r>
+              <a:rPr lang="en-US" sz="5400" dirty="0" smtClean="0">
+                <a:solidFill>
+                  <a:schemeClr val="bg1"/>
+                </a:solidFill>
+                <a:latin typeface="Cambria"/>
+                <a:ea typeface="Cambria"/>
+                <a:cs typeface="Cambria"/>
+                <a:sym typeface="Cambria"/>
+              </a:rPr>
+              <a:t>Scenario</a:t>
+            </a:r>
+            <a:endParaRPr lang="en-US" sz="5400" dirty="0">
+              <a:solidFill>
+                <a:schemeClr val="bg1"/>
+              </a:solidFill>
+              <a:latin typeface="Cambria"/>
+              <a:ea typeface="Cambria"/>
+              <a:cs typeface="Cambria"/>
+              <a:sym typeface="Cambria"/>
+            </a:endParaRPr>
+          </a:p>
+        </p:txBody>
+      </p:sp>
+      <p:sp>
+        <p:nvSpPr>
+          <p:cNvPr id="5" name="Slide Number Placeholder 4"/>
+          <p:cNvSpPr>
+            <a:spLocks noGrp="1"/>
+          </p:cNvSpPr>
+          <p:nvPr>
+            <p:ph type="sldNum" idx="12"/>
+          </p:nvPr>
+        </p:nvSpPr>
+        <p:spPr/>
+        <p:txBody>
+          <a:bodyPr/>
+          <a:lstStyle/>
+          <a:p>
+            <a:fld id="{00000000-1234-1234-1234-123412341234}" type="slidenum">
+              <a:rPr lang="en" smtClean="0"/>
+              <a:pPr/>
+              <a:t>1</a:t>
+            </a:fld>
+            <a:endParaRPr lang="en"/>
+          </a:p>
+        </p:txBody>
+      </p:sp>
       <p:pic>
         <p:nvPicPr>
-          <p:cNvPr id="4" name="Picture 3"/>
+          <p:cNvPr id="17" name="Picture 16"/>
           <p:cNvPicPr>
             <a:picLocks noChangeAspect="1"/>
           </p:cNvPicPr>
           <p:nvPr/>
         </p:nvPicPr>
         <p:blipFill>
-          <a:blip r:embed="rId2"/>
+          <a:blip r:embed="rId3"/>
           <a:stretch>
             <a:fillRect/>
           </a:stretch>
         </p:blipFill>
         <p:spPr>
           <a:xfrm>
-            <a:off x="1228734" y="2656704"/>
-            <a:ext cx="5045905" cy="3951613"/>
+            <a:off x="1630875" y="2956326"/>
+            <a:ext cx="4804185" cy="3762314"/>
           </a:xfrm>
           <a:prstGeom prst="rect">
             <a:avLst/>
@@ -3015,13 +4154,13 @@
       </p:pic>
       <p:cxnSp>
         <p:nvCxnSpPr>
-          <p:cNvPr id="7" name="Straight Connector 6"/>
+          <p:cNvPr id="18" name="Straight Connector 17"/>
           <p:cNvCxnSpPr/>
           <p:nvPr/>
         </p:nvCxnSpPr>
         <p:spPr>
           <a:xfrm flipV="1">
-            <a:off x="2397211" y="4880919"/>
+            <a:off x="2557632" y="5180540"/>
             <a:ext cx="1618735" cy="1727398"/>
           </a:xfrm>
           <a:prstGeom prst="line">
@@ -3046,13 +4185,13 @@
       </p:cxnSp>
       <p:cxnSp>
         <p:nvCxnSpPr>
-          <p:cNvPr id="8" name="Straight Connector 7"/>
+          <p:cNvPr id="19" name="Straight Connector 18"/>
           <p:cNvCxnSpPr/>
           <p:nvPr/>
         </p:nvCxnSpPr>
         <p:spPr>
           <a:xfrm>
-            <a:off x="1470454" y="2656704"/>
+            <a:off x="1630875" y="2956325"/>
             <a:ext cx="2545492" cy="2224215"/>
           </a:xfrm>
           <a:prstGeom prst="line">
@@ -3077,13 +4216,13 @@
       </p:cxnSp>
       <p:cxnSp>
         <p:nvCxnSpPr>
-          <p:cNvPr id="11" name="Straight Connector 10"/>
+          <p:cNvPr id="21" name="Straight Connector 20"/>
           <p:cNvCxnSpPr/>
           <p:nvPr/>
         </p:nvCxnSpPr>
         <p:spPr>
           <a:xfrm flipH="1">
-            <a:off x="4015946" y="3584078"/>
+            <a:off x="4176367" y="3883699"/>
             <a:ext cx="1359243" cy="1296841"/>
           </a:xfrm>
           <a:prstGeom prst="line">
@@ -3112,13 +4251,13 @@
       </p:cxnSp>
       <p:sp>
         <p:nvSpPr>
-          <p:cNvPr id="14" name="Oval 13"/>
+          <p:cNvPr id="22" name="Oval 21"/>
           <p:cNvSpPr/>
           <p:nvPr/>
         </p:nvSpPr>
         <p:spPr>
           <a:xfrm>
-            <a:off x="2570205" y="6177760"/>
+            <a:off x="2730626" y="6477381"/>
             <a:ext cx="172995" cy="172995"/>
           </a:xfrm>
           <a:prstGeom prst="ellipse">
@@ -3160,71 +4299,22 @@
       </p:sp>
       <p:sp>
         <p:nvSpPr>
-          <p:cNvPr id="16" name="Title 1"/>
-          <p:cNvSpPr txBox="1">
-            <a:spLocks/>
-          </p:cNvSpPr>
-          <p:nvPr/>
-        </p:nvSpPr>
-        <p:spPr>
-          <a:xfrm>
-            <a:off x="554510" y="-75960"/>
-            <a:ext cx="7886700" cy="1325563"/>
+          <p:cNvPr id="23" name="TextBox 22"/>
+          <p:cNvSpPr txBox="1"/>
+          <p:nvPr/>
+        </p:nvSpPr>
+        <p:spPr>
+          <a:xfrm>
+            <a:off x="457200" y="1740802"/>
+            <a:ext cx="7980947" cy="830997"/>
           </a:xfrm>
           <a:prstGeom prst="rect">
             <a:avLst/>
           </a:prstGeom>
-        </p:spPr>
-        <p:txBody>
-          <a:bodyPr vert="horz" lIns="91440" tIns="45720" rIns="91440" bIns="45720" rtlCol="0" anchor="ctr">
-            <a:normAutofit/>
-          </a:bodyPr>
-          <a:lstStyle>
-            <a:lvl1pPr algn="l" defTabSz="914377" rtl="0" eaLnBrk="1" latinLnBrk="0" hangingPunct="1">
-              <a:lnSpc>
-                <a:spcPct val="90000"/>
-              </a:lnSpc>
-              <a:spcBef>
-                <a:spcPct val="0"/>
-              </a:spcBef>
-              <a:buNone/>
-              <a:defRPr sz="4400" kern="1200">
-                <a:solidFill>
-                  <a:schemeClr val="tx1"/>
-                </a:solidFill>
-                <a:latin typeface="+mj-lt"/>
-                <a:ea typeface="+mj-ea"/>
-                <a:cs typeface="+mj-cs"/>
-              </a:defRPr>
-            </a:lvl1pPr>
-          </a:lstStyle>
-          <a:p>
-            <a:r>
-              <a:rPr lang="en-US" smtClean="0"/>
-              <a:t>Scenario	</a:t>
-            </a:r>
-            <a:endParaRPr lang="en-US" dirty="0"/>
-          </a:p>
-        </p:txBody>
-      </p:sp>
-      <p:sp>
-        <p:nvSpPr>
-          <p:cNvPr id="17" name="TextBox 16"/>
-          <p:cNvSpPr txBox="1"/>
-          <p:nvPr/>
-        </p:nvSpPr>
-        <p:spPr>
-          <a:xfrm>
-            <a:off x="1474609" y="1118016"/>
-            <a:ext cx="6749155" cy="830997"/>
-          </a:xfrm>
-          <a:prstGeom prst="rect">
-            <a:avLst/>
-          </a:prstGeom>
           <a:noFill/>
         </p:spPr>
         <p:txBody>
-          <a:bodyPr wrap="none" rtlCol="0">
+          <a:bodyPr wrap="square" rtlCol="0">
             <a:spAutoFit/>
           </a:bodyPr>
           <a:lstStyle/>
@@ -3293,13 +4383,20 @@
     </p:spTree>
     <p:extLst>
       <p:ext uri="{BB962C8B-B14F-4D97-AF65-F5344CB8AC3E}">
-        <p14:creationId xmlns:p14="http://schemas.microsoft.com/office/powerpoint/2010/main" val="1474138864"/>
+        <p14:creationId xmlns:p14="http://schemas.microsoft.com/office/powerpoint/2010/main" val="1172230960"/>
       </p:ext>
     </p:extLst>
   </p:cSld>
   <p:clrMapOvr>
     <a:masterClrMapping/>
   </p:clrMapOvr>
+  <p:timing>
+    <p:tnLst>
+      <p:par>
+        <p:cTn id="1" dur="indefinite" restart="never" nodeType="tmRoot"/>
+      </p:par>
+    </p:tnLst>
+  </p:timing>
 </p:sld>
 </file>
 
@@ -9046,133 +10143,6 @@
           <a:chExt cx="0" cy="0"/>
         </a:xfrm>
       </p:grpSpPr>
-      <p:cxnSp>
-        <p:nvCxnSpPr>
-          <p:cNvPr id="49" name="Straight Connector 48"/>
-          <p:cNvCxnSpPr/>
-          <p:nvPr/>
-        </p:nvCxnSpPr>
-        <p:spPr>
-          <a:xfrm>
-            <a:off x="6330274" y="2185246"/>
-            <a:ext cx="171825" cy="60555"/>
-          </a:xfrm>
-          <a:prstGeom prst="line">
-            <a:avLst/>
-          </a:prstGeom>
-          <a:ln w="28575">
-            <a:solidFill>
-              <a:srgbClr val="FF0000"/>
-            </a:solidFill>
-          </a:ln>
-        </p:spPr>
-        <p:style>
-          <a:lnRef idx="1">
-            <a:schemeClr val="accent1"/>
-          </a:lnRef>
-          <a:fillRef idx="0">
-            <a:schemeClr val="accent1"/>
-          </a:fillRef>
-          <a:effectRef idx="0">
-            <a:schemeClr val="accent1"/>
-          </a:effectRef>
-          <a:fontRef idx="minor">
-            <a:schemeClr val="tx1"/>
-          </a:fontRef>
-        </p:style>
-      </p:cxnSp>
-      <p:sp>
-        <p:nvSpPr>
-          <p:cNvPr id="34" name="Rectangle 33"/>
-          <p:cNvSpPr/>
-          <p:nvPr/>
-        </p:nvSpPr>
-        <p:spPr>
-          <a:xfrm rot="1161059">
-            <a:off x="6438291" y="2157389"/>
-            <a:ext cx="87784" cy="82550"/>
-          </a:xfrm>
-          <a:prstGeom prst="rect">
-            <a:avLst/>
-          </a:prstGeom>
-          <a:noFill/>
-          <a:ln>
-            <a:solidFill>
-              <a:srgbClr val="FF0000"/>
-            </a:solidFill>
-          </a:ln>
-        </p:spPr>
-        <p:style>
-          <a:lnRef idx="2">
-            <a:schemeClr val="accent1">
-              <a:shade val="50000"/>
-            </a:schemeClr>
-          </a:lnRef>
-          <a:fillRef idx="1">
-            <a:schemeClr val="accent1"/>
-          </a:fillRef>
-          <a:effectRef idx="0">
-            <a:schemeClr val="accent1"/>
-          </a:effectRef>
-          <a:fontRef idx="minor">
-            <a:schemeClr val="lt1"/>
-          </a:fontRef>
-        </p:style>
-        <p:txBody>
-          <a:bodyPr rtlCol="0" anchor="ctr"/>
-          <a:lstStyle/>
-          <a:p>
-            <a:pPr algn="ctr"/>
-            <a:endParaRPr lang="en-US"/>
-          </a:p>
-        </p:txBody>
-      </p:sp>
-      <p:sp>
-        <p:nvSpPr>
-          <p:cNvPr id="35" name="Rectangle 34"/>
-          <p:cNvSpPr/>
-          <p:nvPr/>
-        </p:nvSpPr>
-        <p:spPr>
-          <a:xfrm rot="763971">
-            <a:off x="5893089" y="3117429"/>
-            <a:ext cx="87784" cy="82550"/>
-          </a:xfrm>
-          <a:prstGeom prst="rect">
-            <a:avLst/>
-          </a:prstGeom>
-          <a:noFill/>
-          <a:ln>
-            <a:solidFill>
-              <a:srgbClr val="FF0000"/>
-            </a:solidFill>
-          </a:ln>
-        </p:spPr>
-        <p:style>
-          <a:lnRef idx="2">
-            <a:schemeClr val="accent1">
-              <a:shade val="50000"/>
-            </a:schemeClr>
-          </a:lnRef>
-          <a:fillRef idx="1">
-            <a:schemeClr val="accent1"/>
-          </a:fillRef>
-          <a:effectRef idx="0">
-            <a:schemeClr val="accent1"/>
-          </a:effectRef>
-          <a:fontRef idx="minor">
-            <a:schemeClr val="lt1"/>
-          </a:fontRef>
-        </p:style>
-        <p:txBody>
-          <a:bodyPr rtlCol="0" anchor="ctr"/>
-          <a:lstStyle/>
-          <a:p>
-            <a:pPr algn="ctr"/>
-            <a:endParaRPr lang="en-US"/>
-          </a:p>
-        </p:txBody>
-      </p:sp>
       <p:sp>
         <p:nvSpPr>
           <p:cNvPr id="36" name="Oval 35"/>
@@ -9559,154 +10529,6 @@
           <a:ln w="28575">
             <a:solidFill>
               <a:schemeClr val="tx1"/>
-            </a:solidFill>
-          </a:ln>
-        </p:spPr>
-        <p:style>
-          <a:lnRef idx="1">
-            <a:schemeClr val="accent1"/>
-          </a:lnRef>
-          <a:fillRef idx="0">
-            <a:schemeClr val="accent1"/>
-          </a:fillRef>
-          <a:effectRef idx="0">
-            <a:schemeClr val="accent1"/>
-          </a:effectRef>
-          <a:fontRef idx="minor">
-            <a:schemeClr val="tx1"/>
-          </a:fontRef>
-        </p:style>
-      </p:cxnSp>
-      <p:cxnSp>
-        <p:nvCxnSpPr>
-          <p:cNvPr id="45" name="Straight Connector 44"/>
-          <p:cNvCxnSpPr>
-            <a:stCxn id="36" idx="3"/>
-            <a:endCxn id="40" idx="7"/>
-          </p:cNvCxnSpPr>
-          <p:nvPr/>
-        </p:nvCxnSpPr>
-        <p:spPr>
-          <a:xfrm flipH="1">
-            <a:off x="3535550" y="2213346"/>
-            <a:ext cx="2697701" cy="1457135"/>
-          </a:xfrm>
-          <a:prstGeom prst="line">
-            <a:avLst/>
-          </a:prstGeom>
-          <a:ln w="28575">
-            <a:solidFill>
-              <a:srgbClr val="FF0000"/>
-            </a:solidFill>
-          </a:ln>
-        </p:spPr>
-        <p:style>
-          <a:lnRef idx="1">
-            <a:schemeClr val="accent1"/>
-          </a:lnRef>
-          <a:fillRef idx="0">
-            <a:schemeClr val="accent1"/>
-          </a:fillRef>
-          <a:effectRef idx="0">
-            <a:schemeClr val="accent1"/>
-          </a:effectRef>
-          <a:fontRef idx="minor">
-            <a:schemeClr val="tx1"/>
-          </a:fontRef>
-        </p:style>
-      </p:cxnSp>
-      <p:cxnSp>
-        <p:nvCxnSpPr>
-          <p:cNvPr id="46" name="Straight Connector 45"/>
-          <p:cNvCxnSpPr>
-            <a:stCxn id="36" idx="3"/>
-            <a:endCxn id="41" idx="7"/>
-          </p:cNvCxnSpPr>
-          <p:nvPr/>
-        </p:nvCxnSpPr>
-        <p:spPr>
-          <a:xfrm flipH="1">
-            <a:off x="4575162" y="2213346"/>
-            <a:ext cx="1658089" cy="603035"/>
-          </a:xfrm>
-          <a:prstGeom prst="line">
-            <a:avLst/>
-          </a:prstGeom>
-          <a:ln w="28575">
-            <a:solidFill>
-              <a:srgbClr val="FF0000"/>
-            </a:solidFill>
-          </a:ln>
-        </p:spPr>
-        <p:style>
-          <a:lnRef idx="1">
-            <a:schemeClr val="accent1"/>
-          </a:lnRef>
-          <a:fillRef idx="0">
-            <a:schemeClr val="accent1"/>
-          </a:fillRef>
-          <a:effectRef idx="0">
-            <a:schemeClr val="accent1"/>
-          </a:effectRef>
-          <a:fontRef idx="minor">
-            <a:schemeClr val="tx1"/>
-          </a:fontRef>
-        </p:style>
-      </p:cxnSp>
-      <p:cxnSp>
-        <p:nvCxnSpPr>
-          <p:cNvPr id="47" name="Straight Connector 46"/>
-          <p:cNvCxnSpPr>
-            <a:stCxn id="36" idx="2"/>
-          </p:cNvCxnSpPr>
-          <p:nvPr/>
-        </p:nvCxnSpPr>
-        <p:spPr>
-          <a:xfrm flipH="1">
-            <a:off x="2344667" y="2152184"/>
-            <a:ext cx="3863249" cy="669422"/>
-          </a:xfrm>
-          <a:prstGeom prst="line">
-            <a:avLst/>
-          </a:prstGeom>
-          <a:ln w="28575">
-            <a:solidFill>
-              <a:srgbClr val="FF0000"/>
-            </a:solidFill>
-          </a:ln>
-        </p:spPr>
-        <p:style>
-          <a:lnRef idx="1">
-            <a:schemeClr val="accent1"/>
-          </a:lnRef>
-          <a:fillRef idx="0">
-            <a:schemeClr val="accent1"/>
-          </a:fillRef>
-          <a:effectRef idx="0">
-            <a:schemeClr val="accent1"/>
-          </a:effectRef>
-          <a:fontRef idx="minor">
-            <a:schemeClr val="tx1"/>
-          </a:fontRef>
-        </p:style>
-      </p:cxnSp>
-      <p:cxnSp>
-        <p:nvCxnSpPr>
-          <p:cNvPr id="48" name="Straight Connector 47"/>
-          <p:cNvCxnSpPr/>
-          <p:nvPr/>
-        </p:nvCxnSpPr>
-        <p:spPr>
-          <a:xfrm flipH="1">
-            <a:off x="5963276" y="2175218"/>
-            <a:ext cx="342356" cy="1019551"/>
-          </a:xfrm>
-          <a:prstGeom prst="line">
-            <a:avLst/>
-          </a:prstGeom>
-          <a:ln w="28575">
-            <a:solidFill>
-              <a:srgbClr val="FF0000"/>
             </a:solidFill>
           </a:ln>
         </p:spPr>
@@ -9928,9 +10750,136 @@
           <a:chExt cx="0" cy="0"/>
         </a:xfrm>
       </p:grpSpPr>
-      <p:sp>
-        <p:nvSpPr>
-          <p:cNvPr id="7" name="Oval 6"/>
+      <p:cxnSp>
+        <p:nvCxnSpPr>
+          <p:cNvPr id="49" name="Straight Connector 48"/>
+          <p:cNvCxnSpPr/>
+          <p:nvPr/>
+        </p:nvCxnSpPr>
+        <p:spPr>
+          <a:xfrm>
+            <a:off x="6330274" y="2185246"/>
+            <a:ext cx="171825" cy="60555"/>
+          </a:xfrm>
+          <a:prstGeom prst="line">
+            <a:avLst/>
+          </a:prstGeom>
+          <a:ln w="28575">
+            <a:solidFill>
+              <a:srgbClr val="FF0000"/>
+            </a:solidFill>
+          </a:ln>
+        </p:spPr>
+        <p:style>
+          <a:lnRef idx="1">
+            <a:schemeClr val="accent1"/>
+          </a:lnRef>
+          <a:fillRef idx="0">
+            <a:schemeClr val="accent1"/>
+          </a:fillRef>
+          <a:effectRef idx="0">
+            <a:schemeClr val="accent1"/>
+          </a:effectRef>
+          <a:fontRef idx="minor">
+            <a:schemeClr val="tx1"/>
+          </a:fontRef>
+        </p:style>
+      </p:cxnSp>
+      <p:sp>
+        <p:nvSpPr>
+          <p:cNvPr id="34" name="Rectangle 33"/>
+          <p:cNvSpPr/>
+          <p:nvPr/>
+        </p:nvSpPr>
+        <p:spPr>
+          <a:xfrm rot="1161059">
+            <a:off x="6438291" y="2157389"/>
+            <a:ext cx="87784" cy="82550"/>
+          </a:xfrm>
+          <a:prstGeom prst="rect">
+            <a:avLst/>
+          </a:prstGeom>
+          <a:noFill/>
+          <a:ln>
+            <a:solidFill>
+              <a:srgbClr val="FF0000"/>
+            </a:solidFill>
+          </a:ln>
+        </p:spPr>
+        <p:style>
+          <a:lnRef idx="2">
+            <a:schemeClr val="accent1">
+              <a:shade val="50000"/>
+            </a:schemeClr>
+          </a:lnRef>
+          <a:fillRef idx="1">
+            <a:schemeClr val="accent1"/>
+          </a:fillRef>
+          <a:effectRef idx="0">
+            <a:schemeClr val="accent1"/>
+          </a:effectRef>
+          <a:fontRef idx="minor">
+            <a:schemeClr val="lt1"/>
+          </a:fontRef>
+        </p:style>
+        <p:txBody>
+          <a:bodyPr rtlCol="0" anchor="ctr"/>
+          <a:lstStyle/>
+          <a:p>
+            <a:pPr algn="ctr"/>
+            <a:endParaRPr lang="en-US"/>
+          </a:p>
+        </p:txBody>
+      </p:sp>
+      <p:sp>
+        <p:nvSpPr>
+          <p:cNvPr id="35" name="Rectangle 34"/>
+          <p:cNvSpPr/>
+          <p:nvPr/>
+        </p:nvSpPr>
+        <p:spPr>
+          <a:xfrm rot="763971">
+            <a:off x="5893089" y="3117429"/>
+            <a:ext cx="87784" cy="82550"/>
+          </a:xfrm>
+          <a:prstGeom prst="rect">
+            <a:avLst/>
+          </a:prstGeom>
+          <a:noFill/>
+          <a:ln>
+            <a:solidFill>
+              <a:srgbClr val="FF0000"/>
+            </a:solidFill>
+          </a:ln>
+        </p:spPr>
+        <p:style>
+          <a:lnRef idx="2">
+            <a:schemeClr val="accent1">
+              <a:shade val="50000"/>
+            </a:schemeClr>
+          </a:lnRef>
+          <a:fillRef idx="1">
+            <a:schemeClr val="accent1"/>
+          </a:fillRef>
+          <a:effectRef idx="0">
+            <a:schemeClr val="accent1"/>
+          </a:effectRef>
+          <a:fontRef idx="minor">
+            <a:schemeClr val="lt1"/>
+          </a:fontRef>
+        </p:style>
+        <p:txBody>
+          <a:bodyPr rtlCol="0" anchor="ctr"/>
+          <a:lstStyle/>
+          <a:p>
+            <a:pPr algn="ctr"/>
+            <a:endParaRPr lang="en-US"/>
+          </a:p>
+        </p:txBody>
+      </p:sp>
+      <p:sp>
+        <p:nvSpPr>
+          <p:cNvPr id="36" name="Oval 35"/>
           <p:cNvSpPr/>
           <p:nvPr/>
         </p:nvSpPr>
@@ -9978,7 +10927,7 @@
       </p:sp>
       <p:cxnSp>
         <p:nvCxnSpPr>
-          <p:cNvPr id="8" name="Straight Connector 7"/>
+          <p:cNvPr id="37" name="Straight Connector 36"/>
           <p:cNvCxnSpPr/>
           <p:nvPr/>
         </p:nvCxnSpPr>
@@ -10013,7 +10962,7 @@
       </p:cxnSp>
       <p:cxnSp>
         <p:nvCxnSpPr>
-          <p:cNvPr id="9" name="Straight Connector 8"/>
+          <p:cNvPr id="38" name="Straight Connector 37"/>
           <p:cNvCxnSpPr/>
           <p:nvPr/>
         </p:nvCxnSpPr>
@@ -10048,7 +10997,7 @@
       </p:cxnSp>
       <p:sp>
         <p:nvSpPr>
-          <p:cNvPr id="10" name="Oval 9"/>
+          <p:cNvPr id="39" name="Oval 38"/>
           <p:cNvSpPr/>
           <p:nvPr/>
         </p:nvSpPr>
@@ -10101,7 +11050,7 @@
       </p:sp>
       <p:sp>
         <p:nvSpPr>
-          <p:cNvPr id="11" name="Oval 10"/>
+          <p:cNvPr id="40" name="Oval 39"/>
           <p:cNvSpPr/>
           <p:nvPr/>
         </p:nvSpPr>
@@ -10154,7 +11103,7 @@
       </p:sp>
       <p:sp>
         <p:nvSpPr>
-          <p:cNvPr id="12" name="Oval 11"/>
+          <p:cNvPr id="41" name="Oval 40"/>
           <p:cNvSpPr/>
           <p:nvPr/>
         </p:nvSpPr>
@@ -10207,9 +11156,9 @@
       </p:sp>
       <p:cxnSp>
         <p:nvCxnSpPr>
-          <p:cNvPr id="13" name="Straight Connector 12"/>
+          <p:cNvPr id="42" name="Straight Connector 41"/>
           <p:cNvCxnSpPr>
-            <a:endCxn id="14" idx="2"/>
+            <a:endCxn id="43" idx="2"/>
           </p:cNvCxnSpPr>
           <p:nvPr/>
         </p:nvCxnSpPr>
@@ -10244,193 +11193,13 @@
       </p:cxnSp>
       <p:sp>
         <p:nvSpPr>
-          <p:cNvPr id="14" name="Oval 13"/>
+          <p:cNvPr id="43" name="Oval 42"/>
           <p:cNvSpPr/>
           <p:nvPr/>
         </p:nvSpPr>
         <p:spPr>
           <a:xfrm>
             <a:off x="6046094" y="3139460"/>
-            <a:ext cx="166093" cy="166093"/>
-          </a:xfrm>
-          <a:prstGeom prst="ellipse">
-            <a:avLst/>
-          </a:prstGeom>
-          <a:solidFill>
-            <a:schemeClr val="accent1"/>
-          </a:solidFill>
-          <a:ln w="38100">
-            <a:solidFill>
-              <a:schemeClr val="accent1"/>
-            </a:solidFill>
-          </a:ln>
-        </p:spPr>
-        <p:style>
-          <a:lnRef idx="2">
-            <a:schemeClr val="accent1">
-              <a:shade val="50000"/>
-            </a:schemeClr>
-          </a:lnRef>
-          <a:fillRef idx="1">
-            <a:schemeClr val="accent1"/>
-          </a:fillRef>
-          <a:effectRef idx="0">
-            <a:schemeClr val="accent1"/>
-          </a:effectRef>
-          <a:fontRef idx="minor">
-            <a:schemeClr val="lt1"/>
-          </a:fontRef>
-        </p:style>
-        <p:txBody>
-          <a:bodyPr rot="0" spcFirstLastPara="0" vertOverflow="overflow" horzOverflow="overflow" vert="horz" wrap="square" lIns="91440" tIns="45720" rIns="91440" bIns="45720" numCol="1" spcCol="0" rtlCol="0" fromWordArt="0" anchor="ctr" anchorCtr="0" forceAA="0" compatLnSpc="1">
-            <a:prstTxWarp prst="textNoShape">
-              <a:avLst/>
-            </a:prstTxWarp>
-            <a:noAutofit/>
-          </a:bodyPr>
-          <a:lstStyle/>
-          <a:p>
-            <a:pPr algn="ctr"/>
-            <a:endParaRPr lang="en-US"/>
-          </a:p>
-        </p:txBody>
-      </p:sp>
-      <p:cxnSp>
-        <p:nvCxnSpPr>
-          <p:cNvPr id="15" name="Straight Connector 14"/>
-          <p:cNvCxnSpPr>
-            <a:stCxn id="14" idx="7"/>
-          </p:cNvCxnSpPr>
-          <p:nvPr/>
-        </p:nvCxnSpPr>
-        <p:spPr>
-          <a:xfrm flipV="1">
-            <a:off x="6187863" y="1669492"/>
-            <a:ext cx="521856" cy="1494292"/>
-          </a:xfrm>
-          <a:prstGeom prst="line">
-            <a:avLst/>
-          </a:prstGeom>
-          <a:ln w="38100">
-            <a:solidFill>
-              <a:schemeClr val="accent1"/>
-            </a:solidFill>
-          </a:ln>
-        </p:spPr>
-        <p:style>
-          <a:lnRef idx="1">
-            <a:schemeClr val="accent1"/>
-          </a:lnRef>
-          <a:fillRef idx="0">
-            <a:schemeClr val="accent1"/>
-          </a:fillRef>
-          <a:effectRef idx="0">
-            <a:schemeClr val="accent1"/>
-          </a:effectRef>
-          <a:fontRef idx="minor">
-            <a:schemeClr val="tx1"/>
-          </a:fontRef>
-        </p:style>
-      </p:cxnSp>
-      <p:sp>
-        <p:nvSpPr>
-          <p:cNvPr id="20" name="TextBox 19"/>
-          <p:cNvSpPr txBox="1"/>
-          <p:nvPr/>
-        </p:nvSpPr>
-        <p:spPr>
-          <a:xfrm>
-            <a:off x="2115047" y="2496709"/>
-            <a:ext cx="317716" cy="369332"/>
-          </a:xfrm>
-          <a:prstGeom prst="rect">
-            <a:avLst/>
-          </a:prstGeom>
-          <a:noFill/>
-        </p:spPr>
-        <p:txBody>
-          <a:bodyPr wrap="none" rtlCol="0">
-            <a:spAutoFit/>
-          </a:bodyPr>
-          <a:lstStyle/>
-          <a:p>
-            <a:r>
-              <a:rPr lang="en-US" dirty="0" smtClean="0"/>
-              <a:t>A</a:t>
-            </a:r>
-            <a:endParaRPr lang="en-US" dirty="0"/>
-          </a:p>
-        </p:txBody>
-      </p:sp>
-      <p:sp>
-        <p:nvSpPr>
-          <p:cNvPr id="21" name="TextBox 20"/>
-          <p:cNvSpPr txBox="1"/>
-          <p:nvPr/>
-        </p:nvSpPr>
-        <p:spPr>
-          <a:xfrm>
-            <a:off x="4357315" y="2496709"/>
-            <a:ext cx="308098" cy="369332"/>
-          </a:xfrm>
-          <a:prstGeom prst="rect">
-            <a:avLst/>
-          </a:prstGeom>
-          <a:noFill/>
-        </p:spPr>
-        <p:txBody>
-          <a:bodyPr wrap="none" rtlCol="0">
-            <a:spAutoFit/>
-          </a:bodyPr>
-          <a:lstStyle/>
-          <a:p>
-            <a:r>
-              <a:rPr lang="en-US" dirty="0" smtClean="0"/>
-              <a:t>C</a:t>
-            </a:r>
-            <a:endParaRPr lang="en-US" dirty="0"/>
-          </a:p>
-        </p:txBody>
-      </p:sp>
-      <p:sp>
-        <p:nvSpPr>
-          <p:cNvPr id="22" name="TextBox 21"/>
-          <p:cNvSpPr txBox="1"/>
-          <p:nvPr/>
-        </p:nvSpPr>
-        <p:spPr>
-          <a:xfrm>
-            <a:off x="5978298" y="3269353"/>
-            <a:ext cx="327334" cy="369332"/>
-          </a:xfrm>
-          <a:prstGeom prst="rect">
-            <a:avLst/>
-          </a:prstGeom>
-          <a:noFill/>
-        </p:spPr>
-        <p:txBody>
-          <a:bodyPr wrap="none" rtlCol="0">
-            <a:spAutoFit/>
-          </a:bodyPr>
-          <a:lstStyle/>
-          <a:p>
-            <a:r>
-              <a:rPr lang="en-US" dirty="0" smtClean="0"/>
-              <a:t>D</a:t>
-            </a:r>
-            <a:endParaRPr lang="en-US" dirty="0"/>
-          </a:p>
-        </p:txBody>
-      </p:sp>
-      <p:sp>
-        <p:nvSpPr>
-          <p:cNvPr id="23" name="Oval 22"/>
-          <p:cNvSpPr/>
-          <p:nvPr/>
-        </p:nvSpPr>
-        <p:spPr>
-          <a:xfrm>
-            <a:off x="6626672" y="1563365"/>
             <a:ext cx="166093" cy="166093"/>
           </a:xfrm>
           <a:prstGeom prst="ellipse">
@@ -10471,20 +11240,205 @@
           <a:lstStyle/>
           <a:p>
             <a:pPr algn="ctr"/>
-            <a:endParaRPr lang="en-US" dirty="0"/>
-          </a:p>
-        </p:txBody>
-      </p:sp>
-      <p:sp>
-        <p:nvSpPr>
-          <p:cNvPr id="24" name="TextBox 23"/>
+            <a:endParaRPr lang="en-US"/>
+          </a:p>
+        </p:txBody>
+      </p:sp>
+      <p:cxnSp>
+        <p:nvCxnSpPr>
+          <p:cNvPr id="44" name="Straight Connector 43"/>
+          <p:cNvCxnSpPr>
+            <a:stCxn id="43" idx="7"/>
+          </p:cNvCxnSpPr>
+          <p:nvPr/>
+        </p:nvCxnSpPr>
+        <p:spPr>
+          <a:xfrm flipV="1">
+            <a:off x="6187863" y="1669492"/>
+            <a:ext cx="521856" cy="1494292"/>
+          </a:xfrm>
+          <a:prstGeom prst="line">
+            <a:avLst/>
+          </a:prstGeom>
+          <a:ln w="28575">
+            <a:solidFill>
+              <a:schemeClr val="tx1"/>
+            </a:solidFill>
+          </a:ln>
+        </p:spPr>
+        <p:style>
+          <a:lnRef idx="1">
+            <a:schemeClr val="accent1"/>
+          </a:lnRef>
+          <a:fillRef idx="0">
+            <a:schemeClr val="accent1"/>
+          </a:fillRef>
+          <a:effectRef idx="0">
+            <a:schemeClr val="accent1"/>
+          </a:effectRef>
+          <a:fontRef idx="minor">
+            <a:schemeClr val="tx1"/>
+          </a:fontRef>
+        </p:style>
+      </p:cxnSp>
+      <p:cxnSp>
+        <p:nvCxnSpPr>
+          <p:cNvPr id="45" name="Straight Connector 44"/>
+          <p:cNvCxnSpPr>
+            <a:stCxn id="36" idx="3"/>
+            <a:endCxn id="40" idx="7"/>
+          </p:cNvCxnSpPr>
+          <p:nvPr/>
+        </p:nvCxnSpPr>
+        <p:spPr>
+          <a:xfrm flipH="1">
+            <a:off x="3535550" y="2213346"/>
+            <a:ext cx="2697701" cy="1457135"/>
+          </a:xfrm>
+          <a:prstGeom prst="line">
+            <a:avLst/>
+          </a:prstGeom>
+          <a:ln w="28575">
+            <a:solidFill>
+              <a:srgbClr val="FF0000"/>
+            </a:solidFill>
+          </a:ln>
+        </p:spPr>
+        <p:style>
+          <a:lnRef idx="1">
+            <a:schemeClr val="accent1"/>
+          </a:lnRef>
+          <a:fillRef idx="0">
+            <a:schemeClr val="accent1"/>
+          </a:fillRef>
+          <a:effectRef idx="0">
+            <a:schemeClr val="accent1"/>
+          </a:effectRef>
+          <a:fontRef idx="minor">
+            <a:schemeClr val="tx1"/>
+          </a:fontRef>
+        </p:style>
+      </p:cxnSp>
+      <p:cxnSp>
+        <p:nvCxnSpPr>
+          <p:cNvPr id="46" name="Straight Connector 45"/>
+          <p:cNvCxnSpPr>
+            <a:stCxn id="36" idx="3"/>
+            <a:endCxn id="41" idx="7"/>
+          </p:cNvCxnSpPr>
+          <p:nvPr/>
+        </p:nvCxnSpPr>
+        <p:spPr>
+          <a:xfrm flipH="1">
+            <a:off x="4575162" y="2213346"/>
+            <a:ext cx="1658089" cy="603035"/>
+          </a:xfrm>
+          <a:prstGeom prst="line">
+            <a:avLst/>
+          </a:prstGeom>
+          <a:ln w="28575">
+            <a:solidFill>
+              <a:srgbClr val="FF0000"/>
+            </a:solidFill>
+          </a:ln>
+        </p:spPr>
+        <p:style>
+          <a:lnRef idx="1">
+            <a:schemeClr val="accent1"/>
+          </a:lnRef>
+          <a:fillRef idx="0">
+            <a:schemeClr val="accent1"/>
+          </a:fillRef>
+          <a:effectRef idx="0">
+            <a:schemeClr val="accent1"/>
+          </a:effectRef>
+          <a:fontRef idx="minor">
+            <a:schemeClr val="tx1"/>
+          </a:fontRef>
+        </p:style>
+      </p:cxnSp>
+      <p:cxnSp>
+        <p:nvCxnSpPr>
+          <p:cNvPr id="47" name="Straight Connector 46"/>
+          <p:cNvCxnSpPr>
+            <a:stCxn id="36" idx="2"/>
+          </p:cNvCxnSpPr>
+          <p:nvPr/>
+        </p:nvCxnSpPr>
+        <p:spPr>
+          <a:xfrm flipH="1">
+            <a:off x="2344667" y="2152184"/>
+            <a:ext cx="3863249" cy="669422"/>
+          </a:xfrm>
+          <a:prstGeom prst="line">
+            <a:avLst/>
+          </a:prstGeom>
+          <a:ln w="28575">
+            <a:solidFill>
+              <a:srgbClr val="FF0000"/>
+            </a:solidFill>
+          </a:ln>
+        </p:spPr>
+        <p:style>
+          <a:lnRef idx="1">
+            <a:schemeClr val="accent1"/>
+          </a:lnRef>
+          <a:fillRef idx="0">
+            <a:schemeClr val="accent1"/>
+          </a:fillRef>
+          <a:effectRef idx="0">
+            <a:schemeClr val="accent1"/>
+          </a:effectRef>
+          <a:fontRef idx="minor">
+            <a:schemeClr val="tx1"/>
+          </a:fontRef>
+        </p:style>
+      </p:cxnSp>
+      <p:cxnSp>
+        <p:nvCxnSpPr>
+          <p:cNvPr id="48" name="Straight Connector 47"/>
+          <p:cNvCxnSpPr/>
+          <p:nvPr/>
+        </p:nvCxnSpPr>
+        <p:spPr>
+          <a:xfrm flipH="1">
+            <a:off x="5963276" y="2175218"/>
+            <a:ext cx="342356" cy="1019551"/>
+          </a:xfrm>
+          <a:prstGeom prst="line">
+            <a:avLst/>
+          </a:prstGeom>
+          <a:ln w="28575">
+            <a:solidFill>
+              <a:srgbClr val="FF0000"/>
+            </a:solidFill>
+          </a:ln>
+        </p:spPr>
+        <p:style>
+          <a:lnRef idx="1">
+            <a:schemeClr val="accent1"/>
+          </a:lnRef>
+          <a:fillRef idx="0">
+            <a:schemeClr val="accent1"/>
+          </a:fillRef>
+          <a:effectRef idx="0">
+            <a:schemeClr val="accent1"/>
+          </a:effectRef>
+          <a:fontRef idx="minor">
+            <a:schemeClr val="tx1"/>
+          </a:fontRef>
+        </p:style>
+      </p:cxnSp>
+      <p:sp>
+        <p:nvSpPr>
+          <p:cNvPr id="50" name="TextBox 49"/>
           <p:cNvSpPr txBox="1"/>
           <p:nvPr/>
         </p:nvSpPr>
         <p:spPr>
           <a:xfrm>
-            <a:off x="6709718" y="1561188"/>
-            <a:ext cx="296876" cy="369332"/>
+            <a:off x="2115047" y="2496709"/>
+            <a:ext cx="317716" cy="369332"/>
           </a:xfrm>
           <a:prstGeom prst="rect">
             <a:avLst/>
@@ -10499,6 +11453,149 @@
           <a:p>
             <a:r>
               <a:rPr lang="en-US" dirty="0" smtClean="0"/>
+              <a:t>A</a:t>
+            </a:r>
+            <a:endParaRPr lang="en-US" dirty="0"/>
+          </a:p>
+        </p:txBody>
+      </p:sp>
+      <p:sp>
+        <p:nvSpPr>
+          <p:cNvPr id="51" name="TextBox 50"/>
+          <p:cNvSpPr txBox="1"/>
+          <p:nvPr/>
+        </p:nvSpPr>
+        <p:spPr>
+          <a:xfrm>
+            <a:off x="4357315" y="2496709"/>
+            <a:ext cx="308098" cy="369332"/>
+          </a:xfrm>
+          <a:prstGeom prst="rect">
+            <a:avLst/>
+          </a:prstGeom>
+          <a:noFill/>
+        </p:spPr>
+        <p:txBody>
+          <a:bodyPr wrap="none" rtlCol="0">
+            <a:spAutoFit/>
+          </a:bodyPr>
+          <a:lstStyle/>
+          <a:p>
+            <a:r>
+              <a:rPr lang="en-US" dirty="0" smtClean="0"/>
+              <a:t>C</a:t>
+            </a:r>
+            <a:endParaRPr lang="en-US" dirty="0"/>
+          </a:p>
+        </p:txBody>
+      </p:sp>
+      <p:sp>
+        <p:nvSpPr>
+          <p:cNvPr id="52" name="TextBox 51"/>
+          <p:cNvSpPr txBox="1"/>
+          <p:nvPr/>
+        </p:nvSpPr>
+        <p:spPr>
+          <a:xfrm>
+            <a:off x="5978298" y="3269353"/>
+            <a:ext cx="327334" cy="369332"/>
+          </a:xfrm>
+          <a:prstGeom prst="rect">
+            <a:avLst/>
+          </a:prstGeom>
+          <a:noFill/>
+        </p:spPr>
+        <p:txBody>
+          <a:bodyPr wrap="none" rtlCol="0">
+            <a:spAutoFit/>
+          </a:bodyPr>
+          <a:lstStyle/>
+          <a:p>
+            <a:r>
+              <a:rPr lang="en-US" dirty="0" smtClean="0"/>
+              <a:t>D</a:t>
+            </a:r>
+            <a:endParaRPr lang="en-US" dirty="0"/>
+          </a:p>
+        </p:txBody>
+      </p:sp>
+      <p:sp>
+        <p:nvSpPr>
+          <p:cNvPr id="58" name="Oval 57"/>
+          <p:cNvSpPr/>
+          <p:nvPr/>
+        </p:nvSpPr>
+        <p:spPr>
+          <a:xfrm>
+            <a:off x="6626672" y="1563365"/>
+            <a:ext cx="166093" cy="166093"/>
+          </a:xfrm>
+          <a:prstGeom prst="ellipse">
+            <a:avLst/>
+          </a:prstGeom>
+          <a:solidFill>
+            <a:schemeClr val="tx1"/>
+          </a:solidFill>
+          <a:ln>
+            <a:solidFill>
+              <a:schemeClr val="tx1"/>
+            </a:solidFill>
+          </a:ln>
+        </p:spPr>
+        <p:style>
+          <a:lnRef idx="2">
+            <a:schemeClr val="accent1">
+              <a:shade val="50000"/>
+            </a:schemeClr>
+          </a:lnRef>
+          <a:fillRef idx="1">
+            <a:schemeClr val="accent1"/>
+          </a:fillRef>
+          <a:effectRef idx="0">
+            <a:schemeClr val="accent1"/>
+          </a:effectRef>
+          <a:fontRef idx="minor">
+            <a:schemeClr val="lt1"/>
+          </a:fontRef>
+        </p:style>
+        <p:txBody>
+          <a:bodyPr rot="0" spcFirstLastPara="0" vertOverflow="overflow" horzOverflow="overflow" vert="horz" wrap="square" lIns="91440" tIns="45720" rIns="91440" bIns="45720" numCol="1" spcCol="0" rtlCol="0" fromWordArt="0" anchor="ctr" anchorCtr="0" forceAA="0" compatLnSpc="1">
+            <a:prstTxWarp prst="textNoShape">
+              <a:avLst/>
+            </a:prstTxWarp>
+            <a:noAutofit/>
+          </a:bodyPr>
+          <a:lstStyle/>
+          <a:p>
+            <a:pPr algn="ctr"/>
+            <a:endParaRPr lang="en-US" dirty="0"/>
+          </a:p>
+        </p:txBody>
+      </p:sp>
+      <p:sp>
+        <p:nvSpPr>
+          <p:cNvPr id="59" name="TextBox 58"/>
+          <p:cNvSpPr txBox="1"/>
+          <p:nvPr/>
+        </p:nvSpPr>
+        <p:spPr>
+          <a:xfrm>
+            <a:off x="6709718" y="1561188"/>
+            <a:ext cx="296876" cy="369332"/>
+          </a:xfrm>
+          <a:prstGeom prst="rect">
+            <a:avLst/>
+          </a:prstGeom>
+          <a:noFill/>
+        </p:spPr>
+        <p:txBody>
+          <a:bodyPr wrap="none" rtlCol="0">
+            <a:spAutoFit/>
+          </a:bodyPr>
+          <a:lstStyle/>
+          <a:p>
+            <a:r>
+              <a:rPr lang="en-US" dirty="0" smtClean="0"/>
               <a:t>E</a:t>
             </a:r>
             <a:endParaRPr lang="en-US" dirty="0"/>
@@ -10508,7 +11605,7 @@
     </p:spTree>
     <p:extLst>
       <p:ext uri="{BB962C8B-B14F-4D97-AF65-F5344CB8AC3E}">
-        <p14:creationId xmlns:p14="http://schemas.microsoft.com/office/powerpoint/2010/main" val="945696783"/>
+        <p14:creationId xmlns:p14="http://schemas.microsoft.com/office/powerpoint/2010/main" val="1957141283"/>
       </p:ext>
     </p:extLst>
   </p:cSld>
@@ -10537,7 +11634,7 @@
       </p:grpSpPr>
       <p:sp>
         <p:nvSpPr>
-          <p:cNvPr id="4" name="Oval 3"/>
+          <p:cNvPr id="7" name="Oval 6"/>
           <p:cNvSpPr/>
           <p:nvPr/>
         </p:nvSpPr>
@@ -10585,7 +11682,7 @@
       </p:sp>
       <p:cxnSp>
         <p:nvCxnSpPr>
-          <p:cNvPr id="5" name="Straight Connector 4"/>
+          <p:cNvPr id="8" name="Straight Connector 7"/>
           <p:cNvCxnSpPr/>
           <p:nvPr/>
         </p:nvCxnSpPr>
@@ -10620,7 +11717,7 @@
       </p:cxnSp>
       <p:cxnSp>
         <p:nvCxnSpPr>
-          <p:cNvPr id="6" name="Straight Connector 5"/>
+          <p:cNvPr id="9" name="Straight Connector 8"/>
           <p:cNvCxnSpPr/>
           <p:nvPr/>
         </p:nvCxnSpPr>
@@ -10655,7 +11752,7 @@
       </p:cxnSp>
       <p:sp>
         <p:nvSpPr>
-          <p:cNvPr id="7" name="Oval 6"/>
+          <p:cNvPr id="10" name="Oval 9"/>
           <p:cNvSpPr/>
           <p:nvPr/>
         </p:nvSpPr>
@@ -10708,7 +11805,7 @@
       </p:sp>
       <p:sp>
         <p:nvSpPr>
-          <p:cNvPr id="8" name="Oval 7"/>
+          <p:cNvPr id="11" name="Oval 10"/>
           <p:cNvSpPr/>
           <p:nvPr/>
         </p:nvSpPr>
@@ -10761,7 +11858,7 @@
       </p:sp>
       <p:sp>
         <p:nvSpPr>
-          <p:cNvPr id="9" name="Oval 8"/>
+          <p:cNvPr id="12" name="Oval 11"/>
           <p:cNvSpPr/>
           <p:nvPr/>
         </p:nvSpPr>
@@ -10814,9 +11911,9 @@
       </p:sp>
       <p:cxnSp>
         <p:nvCxnSpPr>
-          <p:cNvPr id="10" name="Straight Connector 9"/>
+          <p:cNvPr id="13" name="Straight Connector 12"/>
           <p:cNvCxnSpPr>
-            <a:endCxn id="11" idx="2"/>
+            <a:endCxn id="14" idx="2"/>
           </p:cNvCxnSpPr>
           <p:nvPr/>
         </p:nvCxnSpPr>
@@ -10851,7 +11948,7 @@
       </p:cxnSp>
       <p:sp>
         <p:nvSpPr>
-          <p:cNvPr id="11" name="Oval 10"/>
+          <p:cNvPr id="14" name="Oval 13"/>
           <p:cNvSpPr/>
           <p:nvPr/>
         </p:nvSpPr>
@@ -10904,9 +12001,9 @@
       </p:sp>
       <p:cxnSp>
         <p:nvCxnSpPr>
-          <p:cNvPr id="12" name="Straight Connector 11"/>
+          <p:cNvPr id="15" name="Straight Connector 14"/>
           <p:cNvCxnSpPr>
-            <a:stCxn id="11" idx="7"/>
+            <a:stCxn id="14" idx="7"/>
           </p:cNvCxnSpPr>
           <p:nvPr/>
         </p:nvCxnSpPr>
@@ -10941,7 +12038,7 @@
       </p:cxnSp>
       <p:sp>
         <p:nvSpPr>
-          <p:cNvPr id="13" name="TextBox 12"/>
+          <p:cNvPr id="20" name="TextBox 19"/>
           <p:cNvSpPr txBox="1"/>
           <p:nvPr/>
         </p:nvSpPr>
@@ -10971,7 +12068,7 @@
       </p:sp>
       <p:sp>
         <p:nvSpPr>
-          <p:cNvPr id="14" name="TextBox 13"/>
+          <p:cNvPr id="21" name="TextBox 20"/>
           <p:cNvSpPr txBox="1"/>
           <p:nvPr/>
         </p:nvSpPr>
@@ -11001,7 +12098,7 @@
       </p:sp>
       <p:sp>
         <p:nvSpPr>
-          <p:cNvPr id="15" name="TextBox 14"/>
+          <p:cNvPr id="22" name="TextBox 21"/>
           <p:cNvSpPr txBox="1"/>
           <p:nvPr/>
         </p:nvSpPr>
@@ -11031,7 +12128,7 @@
       </p:sp>
       <p:sp>
         <p:nvSpPr>
-          <p:cNvPr id="16" name="Oval 15"/>
+          <p:cNvPr id="23" name="Oval 22"/>
           <p:cNvSpPr/>
           <p:nvPr/>
         </p:nvSpPr>
@@ -11084,7 +12181,7 @@
       </p:sp>
       <p:sp>
         <p:nvSpPr>
-          <p:cNvPr id="17" name="TextBox 16"/>
+          <p:cNvPr id="24" name="TextBox 23"/>
           <p:cNvSpPr txBox="1"/>
           <p:nvPr/>
         </p:nvSpPr>
@@ -11112,62 +12209,10 @@
           </a:p>
         </p:txBody>
       </p:sp>
-      <p:sp>
-        <p:nvSpPr>
-          <p:cNvPr id="18" name="Oval Callout 17"/>
-          <p:cNvSpPr/>
-          <p:nvPr/>
-        </p:nvSpPr>
-        <p:spPr>
-          <a:xfrm>
-            <a:off x="3636768" y="995519"/>
-            <a:ext cx="1925436" cy="902344"/>
-          </a:xfrm>
-          <a:prstGeom prst="wedgeEllipseCallout">
-            <a:avLst>
-              <a:gd name="adj1" fmla="val 81633"/>
-              <a:gd name="adj2" fmla="val 76180"/>
-            </a:avLst>
-          </a:prstGeom>
-        </p:spPr>
-        <p:style>
-          <a:lnRef idx="2">
-            <a:schemeClr val="accent1">
-              <a:shade val="50000"/>
-            </a:schemeClr>
-          </a:lnRef>
-          <a:fillRef idx="1">
-            <a:schemeClr val="accent1"/>
-          </a:fillRef>
-          <a:effectRef idx="0">
-            <a:schemeClr val="accent1"/>
-          </a:effectRef>
-          <a:fontRef idx="minor">
-            <a:schemeClr val="lt1"/>
-          </a:fontRef>
-        </p:style>
-        <p:txBody>
-          <a:bodyPr rot="0" spcFirstLastPara="0" vertOverflow="overflow" horzOverflow="overflow" vert="horz" wrap="square" lIns="91440" tIns="45720" rIns="91440" bIns="45720" numCol="1" spcCol="0" rtlCol="0" fromWordArt="0" anchor="ctr" anchorCtr="0" forceAA="0" compatLnSpc="1">
-            <a:prstTxWarp prst="textNoShape">
-              <a:avLst/>
-            </a:prstTxWarp>
-            <a:noAutofit/>
-          </a:bodyPr>
-          <a:lstStyle/>
-          <a:p>
-            <a:pPr algn="ctr"/>
-            <a:r>
-              <a:rPr lang="en-US" dirty="0" smtClean="0"/>
-              <a:t>Notify:</a:t>
-            </a:r>
-            <a:endParaRPr lang="en-US" dirty="0"/>
-          </a:p>
-        </p:txBody>
-      </p:sp>
     </p:spTree>
     <p:extLst>
       <p:ext uri="{BB962C8B-B14F-4D97-AF65-F5344CB8AC3E}">
-        <p14:creationId xmlns:p14="http://schemas.microsoft.com/office/powerpoint/2010/main" val="1963302267"/>
+        <p14:creationId xmlns:p14="http://schemas.microsoft.com/office/powerpoint/2010/main" val="945696783"/>
       </p:ext>
     </p:extLst>
   </p:cSld>
@@ -11194,24 +12239,89 @@
           <a:chExt cx="0" cy="0"/>
         </a:xfrm>
       </p:grpSpPr>
+      <p:sp>
+        <p:nvSpPr>
+          <p:cNvPr id="6" name="Title 5"/>
+          <p:cNvSpPr>
+            <a:spLocks noGrp="1"/>
+          </p:cNvSpPr>
+          <p:nvPr>
+            <p:ph type="title"/>
+          </p:nvPr>
+        </p:nvSpPr>
+        <p:spPr/>
+        <p:txBody>
+          <a:bodyPr>
+            <a:normAutofit/>
+          </a:bodyPr>
+          <a:lstStyle/>
+          <a:p>
+            <a:r>
+              <a:rPr lang="en-US" sz="5400" dirty="0" smtClean="0">
+                <a:solidFill>
+                  <a:schemeClr val="bg1"/>
+                </a:solidFill>
+                <a:latin typeface="Cambria"/>
+                <a:ea typeface="Cambria"/>
+                <a:cs typeface="Cambria"/>
+                <a:sym typeface="Cambria"/>
+              </a:rPr>
+              <a:t>Scenario</a:t>
+            </a:r>
+            <a:endParaRPr lang="en-US" sz="5400" dirty="0">
+              <a:solidFill>
+                <a:schemeClr val="bg1"/>
+              </a:solidFill>
+              <a:latin typeface="Cambria"/>
+              <a:ea typeface="Cambria"/>
+              <a:cs typeface="Cambria"/>
+              <a:sym typeface="Cambria"/>
+            </a:endParaRPr>
+          </a:p>
+        </p:txBody>
+      </p:sp>
+      <p:sp>
+        <p:nvSpPr>
+          <p:cNvPr id="5" name="Slide Number Placeholder 4"/>
+          <p:cNvSpPr>
+            <a:spLocks noGrp="1"/>
+          </p:cNvSpPr>
+          <p:nvPr>
+            <p:ph type="sldNum" idx="12"/>
+          </p:nvPr>
+        </p:nvSpPr>
+        <p:spPr/>
+        <p:txBody>
+          <a:bodyPr/>
+          <a:lstStyle/>
+          <a:p>
+            <a:fld id="{00000000-1234-1234-1234-123412341234}" type="slidenum">
+              <a:rPr lang="en" smtClean="0"/>
+              <a:pPr/>
+              <a:t>2</a:t>
+            </a:fld>
+            <a:endParaRPr lang="en"/>
+          </a:p>
+        </p:txBody>
+      </p:sp>
       <p:pic>
         <p:nvPicPr>
-          <p:cNvPr id="4" name="Picture 3"/>
+          <p:cNvPr id="13" name="Picture 12"/>
           <p:cNvPicPr>
             <a:picLocks noChangeAspect="1"/>
           </p:cNvPicPr>
           <p:nvPr/>
         </p:nvPicPr>
         <p:blipFill>
-          <a:blip r:embed="rId2"/>
+          <a:blip r:embed="rId3"/>
           <a:stretch>
             <a:fillRect/>
           </a:stretch>
         </p:blipFill>
         <p:spPr>
           <a:xfrm>
-            <a:off x="1228734" y="2656704"/>
-            <a:ext cx="5045905" cy="3951613"/>
+            <a:off x="1618080" y="2895777"/>
+            <a:ext cx="4831923" cy="3784037"/>
           </a:xfrm>
           <a:prstGeom prst="rect">
             <a:avLst/>
@@ -11220,13 +12330,13 @@
       </p:pic>
       <p:cxnSp>
         <p:nvCxnSpPr>
-          <p:cNvPr id="7" name="Straight Connector 6"/>
+          <p:cNvPr id="14" name="Straight Connector 13"/>
           <p:cNvCxnSpPr/>
           <p:nvPr/>
         </p:nvCxnSpPr>
         <p:spPr>
           <a:xfrm flipV="1">
-            <a:off x="2397211" y="4880919"/>
+            <a:off x="2188664" y="5298013"/>
             <a:ext cx="1618735" cy="1727398"/>
           </a:xfrm>
           <a:prstGeom prst="line">
@@ -11251,13 +12361,13 @@
       </p:cxnSp>
       <p:cxnSp>
         <p:nvCxnSpPr>
-          <p:cNvPr id="8" name="Straight Connector 7"/>
+          <p:cNvPr id="15" name="Straight Connector 14"/>
           <p:cNvCxnSpPr/>
           <p:nvPr/>
         </p:nvCxnSpPr>
         <p:spPr>
           <a:xfrm>
-            <a:off x="1470454" y="2656704"/>
+            <a:off x="1261907" y="3073798"/>
             <a:ext cx="2545492" cy="2224215"/>
           </a:xfrm>
           <a:prstGeom prst="line">
@@ -11282,13 +12392,13 @@
       </p:cxnSp>
       <p:cxnSp>
         <p:nvCxnSpPr>
-          <p:cNvPr id="11" name="Straight Connector 10"/>
+          <p:cNvPr id="16" name="Straight Connector 15"/>
           <p:cNvCxnSpPr/>
           <p:nvPr/>
         </p:nvCxnSpPr>
         <p:spPr>
           <a:xfrm flipH="1">
-            <a:off x="4015946" y="3584078"/>
+            <a:off x="3807400" y="4001172"/>
             <a:ext cx="1359243" cy="1296841"/>
           </a:xfrm>
           <a:prstGeom prst="line">
@@ -11317,14 +12427,14 @@
       </p:cxnSp>
       <p:sp>
         <p:nvSpPr>
-          <p:cNvPr id="14" name="Oval 13"/>
+          <p:cNvPr id="20" name="Oval 19"/>
           <p:cNvSpPr/>
           <p:nvPr/>
         </p:nvSpPr>
         <p:spPr>
           <a:xfrm>
-            <a:off x="3280719" y="5485125"/>
-            <a:ext cx="172995" cy="172995"/>
+            <a:off x="3081195" y="5902219"/>
+            <a:ext cx="163972" cy="165659"/>
           </a:xfrm>
           <a:prstGeom prst="ellipse">
             <a:avLst/>
@@ -11365,42 +12475,538 @@
       </p:sp>
       <p:sp>
         <p:nvSpPr>
-          <p:cNvPr id="10" name="Title 1"/>
-          <p:cNvSpPr>
-            <a:spLocks noGrp="1"/>
-          </p:cNvSpPr>
-          <p:nvPr>
-            <p:ph type="title"/>
-          </p:nvPr>
-        </p:nvSpPr>
-        <p:spPr>
-          <a:xfrm>
-            <a:off x="554510" y="-75960"/>
-            <a:ext cx="7886700" cy="1325563"/>
-          </a:xfrm>
-        </p:spPr>
-        <p:txBody>
-          <a:bodyPr/>
-          <a:lstStyle/>
-          <a:p>
-            <a:r>
-              <a:rPr lang="en-US" dirty="0" smtClean="0"/>
-              <a:t>Scenario	</a:t>
-            </a:r>
-            <a:endParaRPr lang="en-US" dirty="0"/>
-          </a:p>
-        </p:txBody>
-      </p:sp>
-      <p:sp>
-        <p:nvSpPr>
-          <p:cNvPr id="12" name="TextBox 11"/>
+          <p:cNvPr id="24" name="TextBox 23"/>
           <p:cNvSpPr txBox="1"/>
           <p:nvPr/>
         </p:nvSpPr>
         <p:spPr>
           <a:xfrm>
-            <a:off x="1474609" y="1118016"/>
-            <a:ext cx="6749155" cy="830997"/>
+            <a:off x="898358" y="1692035"/>
+            <a:ext cx="7347284" cy="830997"/>
+          </a:xfrm>
+          <a:prstGeom prst="rect">
+            <a:avLst/>
+          </a:prstGeom>
+          <a:noFill/>
+        </p:spPr>
+        <p:txBody>
+          <a:bodyPr wrap="square" rtlCol="0">
+            <a:spAutoFit/>
+          </a:bodyPr>
+          <a:lstStyle/>
+          <a:p>
+            <a:r>
+              <a:rPr lang="en-US" sz="2400" dirty="0" smtClean="0"/>
+              <a:t>Nickname of  Mr. </a:t>
+            </a:r>
+            <a:r>
+              <a:rPr lang="en-US" sz="2400" dirty="0" err="1" smtClean="0"/>
+              <a:t>Khuong</a:t>
+            </a:r>
+            <a:r>
+              <a:rPr lang="en-US" sz="2400" dirty="0" smtClean="0"/>
+              <a:t> is “</a:t>
+            </a:r>
+            <a:r>
+              <a:rPr lang="en-US" sz="2400" dirty="0" err="1" smtClean="0"/>
+              <a:t>Khuong</a:t>
+            </a:r>
+            <a:r>
+              <a:rPr lang="en-US" sz="2400" dirty="0" smtClean="0"/>
+              <a:t> </a:t>
+            </a:r>
+            <a:r>
+              <a:rPr lang="en-US" sz="2400" dirty="0" err="1" smtClean="0"/>
+              <a:t>không</a:t>
+            </a:r>
+            <a:r>
+              <a:rPr lang="en-US" sz="2400" dirty="0" smtClean="0"/>
+              <a:t> </a:t>
+            </a:r>
+            <a:r>
+              <a:rPr lang="en-US" sz="2400" dirty="0" err="1" smtClean="0"/>
+              <a:t>sợ</a:t>
+            </a:r>
+            <a:r>
+              <a:rPr lang="en-US" sz="2400" dirty="0" smtClean="0"/>
+              <a:t> </a:t>
+            </a:r>
+            <a:r>
+              <a:rPr lang="en-US" sz="2400" dirty="0" err="1" smtClean="0"/>
+              <a:t>chết</a:t>
+            </a:r>
+            <a:r>
+              <a:rPr lang="en-US" sz="2400" dirty="0" smtClean="0"/>
+              <a:t>”.</a:t>
+            </a:r>
+          </a:p>
+          <a:p>
+            <a:r>
+              <a:rPr lang="en-US" sz="2400" dirty="0" smtClean="0"/>
+              <a:t>Mr. </a:t>
+            </a:r>
+            <a:r>
+              <a:rPr lang="en-US" sz="2400" dirty="0" err="1" smtClean="0"/>
+              <a:t>Khuong</a:t>
+            </a:r>
+            <a:r>
+              <a:rPr lang="en-US" sz="2400" dirty="0" smtClean="0"/>
+              <a:t> always drives with high speed.</a:t>
+            </a:r>
+          </a:p>
+        </p:txBody>
+      </p:sp>
+    </p:spTree>
+    <p:extLst>
+      <p:ext uri="{BB962C8B-B14F-4D97-AF65-F5344CB8AC3E}">
+        <p14:creationId xmlns:p14="http://schemas.microsoft.com/office/powerpoint/2010/main" val="70629253"/>
+      </p:ext>
+    </p:extLst>
+  </p:cSld>
+  <p:clrMapOvr>
+    <a:masterClrMapping/>
+  </p:clrMapOvr>
+  <p:timing>
+    <p:tnLst>
+      <p:par>
+        <p:cTn id="1" dur="indefinite" restart="never" nodeType="tmRoot"/>
+      </p:par>
+    </p:tnLst>
+  </p:timing>
+</p:sld>
+</file>
+
+<file path=ppt/slides/slide20.xml><?xml version="1.0" encoding="utf-8"?>
+<p:sld xmlns:a="http://schemas.openxmlformats.org/drawingml/2006/main" xmlns:r="http://schemas.openxmlformats.org/officeDocument/2006/relationships" xmlns:p="http://schemas.openxmlformats.org/presentationml/2006/main">
+  <p:cSld>
+    <p:spTree>
+      <p:nvGrpSpPr>
+        <p:cNvPr id="1" name=""/>
+        <p:cNvGrpSpPr/>
+        <p:nvPr/>
+      </p:nvGrpSpPr>
+      <p:grpSpPr>
+        <a:xfrm>
+          <a:off x="0" y="0"/>
+          <a:ext cx="0" cy="0"/>
+          <a:chOff x="0" y="0"/>
+          <a:chExt cx="0" cy="0"/>
+        </a:xfrm>
+      </p:grpSpPr>
+      <p:sp>
+        <p:nvSpPr>
+          <p:cNvPr id="4" name="Oval 3"/>
+          <p:cNvSpPr/>
+          <p:nvPr/>
+        </p:nvSpPr>
+        <p:spPr>
+          <a:xfrm>
+            <a:off x="6207916" y="2065686"/>
+            <a:ext cx="172995" cy="172995"/>
+          </a:xfrm>
+          <a:prstGeom prst="ellipse">
+            <a:avLst/>
+          </a:prstGeom>
+          <a:solidFill>
+            <a:srgbClr val="FF0000"/>
+          </a:solidFill>
+          <a:ln>
+            <a:solidFill>
+              <a:srgbClr val="FF0000"/>
+            </a:solidFill>
+          </a:ln>
+        </p:spPr>
+        <p:style>
+          <a:lnRef idx="2">
+            <a:schemeClr val="accent1">
+              <a:shade val="50000"/>
+            </a:schemeClr>
+          </a:lnRef>
+          <a:fillRef idx="1">
+            <a:schemeClr val="accent1"/>
+          </a:fillRef>
+          <a:effectRef idx="0">
+            <a:schemeClr val="accent1"/>
+          </a:effectRef>
+          <a:fontRef idx="minor">
+            <a:schemeClr val="lt1"/>
+          </a:fontRef>
+        </p:style>
+        <p:txBody>
+          <a:bodyPr rtlCol="0" anchor="ctr"/>
+          <a:lstStyle/>
+          <a:p>
+            <a:pPr algn="ctr"/>
+            <a:endParaRPr lang="en-US"/>
+          </a:p>
+        </p:txBody>
+      </p:sp>
+      <p:cxnSp>
+        <p:nvCxnSpPr>
+          <p:cNvPr id="5" name="Straight Connector 4"/>
+          <p:cNvCxnSpPr/>
+          <p:nvPr/>
+        </p:nvCxnSpPr>
+        <p:spPr>
+          <a:xfrm>
+            <a:off x="2265890" y="2866041"/>
+            <a:ext cx="1200646" cy="879024"/>
+          </a:xfrm>
+          <a:prstGeom prst="line">
+            <a:avLst/>
+          </a:prstGeom>
+          <a:ln w="28575">
+            <a:solidFill>
+              <a:schemeClr val="tx1"/>
+            </a:solidFill>
+          </a:ln>
+        </p:spPr>
+        <p:style>
+          <a:lnRef idx="1">
+            <a:schemeClr val="accent1"/>
+          </a:lnRef>
+          <a:fillRef idx="0">
+            <a:schemeClr val="accent1"/>
+          </a:fillRef>
+          <a:effectRef idx="0">
+            <a:schemeClr val="accent1"/>
+          </a:effectRef>
+          <a:fontRef idx="minor">
+            <a:schemeClr val="tx1"/>
+          </a:fontRef>
+        </p:style>
+      </p:cxnSp>
+      <p:cxnSp>
+        <p:nvCxnSpPr>
+          <p:cNvPr id="6" name="Straight Connector 5"/>
+          <p:cNvCxnSpPr/>
+          <p:nvPr/>
+        </p:nvCxnSpPr>
+        <p:spPr>
+          <a:xfrm flipV="1">
+            <a:off x="3466536" y="2866041"/>
+            <a:ext cx="1041622" cy="879024"/>
+          </a:xfrm>
+          <a:prstGeom prst="line">
+            <a:avLst/>
+          </a:prstGeom>
+          <a:ln w="28575">
+            <a:solidFill>
+              <a:schemeClr val="tx1"/>
+            </a:solidFill>
+          </a:ln>
+        </p:spPr>
+        <p:style>
+          <a:lnRef idx="1">
+            <a:schemeClr val="accent1"/>
+          </a:lnRef>
+          <a:fillRef idx="0">
+            <a:schemeClr val="accent1"/>
+          </a:fillRef>
+          <a:effectRef idx="0">
+            <a:schemeClr val="accent1"/>
+          </a:effectRef>
+          <a:fontRef idx="minor">
+            <a:schemeClr val="tx1"/>
+          </a:fontRef>
+        </p:style>
+      </p:cxnSp>
+      <p:sp>
+        <p:nvSpPr>
+          <p:cNvPr id="7" name="Oval 6"/>
+          <p:cNvSpPr/>
+          <p:nvPr/>
+        </p:nvSpPr>
+        <p:spPr>
+          <a:xfrm>
+            <a:off x="2182845" y="2788871"/>
+            <a:ext cx="166093" cy="166093"/>
+          </a:xfrm>
+          <a:prstGeom prst="ellipse">
+            <a:avLst/>
+          </a:prstGeom>
+          <a:solidFill>
+            <a:schemeClr val="tx1"/>
+          </a:solidFill>
+          <a:ln>
+            <a:solidFill>
+              <a:schemeClr val="tx1"/>
+            </a:solidFill>
+          </a:ln>
+        </p:spPr>
+        <p:style>
+          <a:lnRef idx="2">
+            <a:schemeClr val="accent1">
+              <a:shade val="50000"/>
+            </a:schemeClr>
+          </a:lnRef>
+          <a:fillRef idx="1">
+            <a:schemeClr val="accent1"/>
+          </a:fillRef>
+          <a:effectRef idx="0">
+            <a:schemeClr val="accent1"/>
+          </a:effectRef>
+          <a:fontRef idx="minor">
+            <a:schemeClr val="lt1"/>
+          </a:fontRef>
+        </p:style>
+        <p:txBody>
+          <a:bodyPr rot="0" spcFirstLastPara="0" vertOverflow="overflow" horzOverflow="overflow" vert="horz" wrap="square" lIns="91440" tIns="45720" rIns="91440" bIns="45720" numCol="1" spcCol="0" rtlCol="0" fromWordArt="0" anchor="ctr" anchorCtr="0" forceAA="0" compatLnSpc="1">
+            <a:prstTxWarp prst="textNoShape">
+              <a:avLst/>
+            </a:prstTxWarp>
+            <a:noAutofit/>
+          </a:bodyPr>
+          <a:lstStyle/>
+          <a:p>
+            <a:pPr algn="ctr"/>
+            <a:endParaRPr lang="en-US"/>
+          </a:p>
+        </p:txBody>
+      </p:sp>
+      <p:sp>
+        <p:nvSpPr>
+          <p:cNvPr id="8" name="Oval 7"/>
+          <p:cNvSpPr/>
+          <p:nvPr/>
+        </p:nvSpPr>
+        <p:spPr>
+          <a:xfrm>
+            <a:off x="3393781" y="3646157"/>
+            <a:ext cx="166093" cy="166093"/>
+          </a:xfrm>
+          <a:prstGeom prst="ellipse">
+            <a:avLst/>
+          </a:prstGeom>
+          <a:solidFill>
+            <a:schemeClr val="tx1"/>
+          </a:solidFill>
+          <a:ln>
+            <a:solidFill>
+              <a:schemeClr val="tx1"/>
+            </a:solidFill>
+          </a:ln>
+        </p:spPr>
+        <p:style>
+          <a:lnRef idx="2">
+            <a:schemeClr val="accent1">
+              <a:shade val="50000"/>
+            </a:schemeClr>
+          </a:lnRef>
+          <a:fillRef idx="1">
+            <a:schemeClr val="accent1"/>
+          </a:fillRef>
+          <a:effectRef idx="0">
+            <a:schemeClr val="accent1"/>
+          </a:effectRef>
+          <a:fontRef idx="minor">
+            <a:schemeClr val="lt1"/>
+          </a:fontRef>
+        </p:style>
+        <p:txBody>
+          <a:bodyPr rot="0" spcFirstLastPara="0" vertOverflow="overflow" horzOverflow="overflow" vert="horz" wrap="square" lIns="91440" tIns="45720" rIns="91440" bIns="45720" numCol="1" spcCol="0" rtlCol="0" fromWordArt="0" anchor="ctr" anchorCtr="0" forceAA="0" compatLnSpc="1">
+            <a:prstTxWarp prst="textNoShape">
+              <a:avLst/>
+            </a:prstTxWarp>
+            <a:noAutofit/>
+          </a:bodyPr>
+          <a:lstStyle/>
+          <a:p>
+            <a:pPr algn="ctr"/>
+            <a:endParaRPr lang="en-US"/>
+          </a:p>
+        </p:txBody>
+      </p:sp>
+      <p:sp>
+        <p:nvSpPr>
+          <p:cNvPr id="9" name="Oval 8"/>
+          <p:cNvSpPr/>
+          <p:nvPr/>
+        </p:nvSpPr>
+        <p:spPr>
+          <a:xfrm>
+            <a:off x="4433393" y="2792057"/>
+            <a:ext cx="166093" cy="166093"/>
+          </a:xfrm>
+          <a:prstGeom prst="ellipse">
+            <a:avLst/>
+          </a:prstGeom>
+          <a:solidFill>
+            <a:schemeClr val="tx1"/>
+          </a:solidFill>
+          <a:ln>
+            <a:solidFill>
+              <a:schemeClr val="tx1"/>
+            </a:solidFill>
+          </a:ln>
+        </p:spPr>
+        <p:style>
+          <a:lnRef idx="2">
+            <a:schemeClr val="accent1">
+              <a:shade val="50000"/>
+            </a:schemeClr>
+          </a:lnRef>
+          <a:fillRef idx="1">
+            <a:schemeClr val="accent1"/>
+          </a:fillRef>
+          <a:effectRef idx="0">
+            <a:schemeClr val="accent1"/>
+          </a:effectRef>
+          <a:fontRef idx="minor">
+            <a:schemeClr val="lt1"/>
+          </a:fontRef>
+        </p:style>
+        <p:txBody>
+          <a:bodyPr rot="0" spcFirstLastPara="0" vertOverflow="overflow" horzOverflow="overflow" vert="horz" wrap="square" lIns="91440" tIns="45720" rIns="91440" bIns="45720" numCol="1" spcCol="0" rtlCol="0" fromWordArt="0" anchor="ctr" anchorCtr="0" forceAA="0" compatLnSpc="1">
+            <a:prstTxWarp prst="textNoShape">
+              <a:avLst/>
+            </a:prstTxWarp>
+            <a:noAutofit/>
+          </a:bodyPr>
+          <a:lstStyle/>
+          <a:p>
+            <a:pPr algn="ctr"/>
+            <a:endParaRPr lang="en-US"/>
+          </a:p>
+        </p:txBody>
+      </p:sp>
+      <p:cxnSp>
+        <p:nvCxnSpPr>
+          <p:cNvPr id="10" name="Straight Connector 9"/>
+          <p:cNvCxnSpPr>
+            <a:endCxn id="11" idx="2"/>
+          </p:cNvCxnSpPr>
+          <p:nvPr/>
+        </p:nvCxnSpPr>
+        <p:spPr>
+          <a:xfrm>
+            <a:off x="4508158" y="2866041"/>
+            <a:ext cx="1537936" cy="356466"/>
+          </a:xfrm>
+          <a:prstGeom prst="line">
+            <a:avLst/>
+          </a:prstGeom>
+          <a:ln w="28575">
+            <a:solidFill>
+              <a:schemeClr val="tx1"/>
+            </a:solidFill>
+          </a:ln>
+        </p:spPr>
+        <p:style>
+          <a:lnRef idx="1">
+            <a:schemeClr val="accent1"/>
+          </a:lnRef>
+          <a:fillRef idx="0">
+            <a:schemeClr val="accent1"/>
+          </a:fillRef>
+          <a:effectRef idx="0">
+            <a:schemeClr val="accent1"/>
+          </a:effectRef>
+          <a:fontRef idx="minor">
+            <a:schemeClr val="tx1"/>
+          </a:fontRef>
+        </p:style>
+      </p:cxnSp>
+      <p:sp>
+        <p:nvSpPr>
+          <p:cNvPr id="11" name="Oval 10"/>
+          <p:cNvSpPr/>
+          <p:nvPr/>
+        </p:nvSpPr>
+        <p:spPr>
+          <a:xfrm>
+            <a:off x="6046094" y="3139460"/>
+            <a:ext cx="166093" cy="166093"/>
+          </a:xfrm>
+          <a:prstGeom prst="ellipse">
+            <a:avLst/>
+          </a:prstGeom>
+          <a:solidFill>
+            <a:schemeClr val="accent1"/>
+          </a:solidFill>
+          <a:ln w="38100">
+            <a:solidFill>
+              <a:schemeClr val="accent1"/>
+            </a:solidFill>
+          </a:ln>
+        </p:spPr>
+        <p:style>
+          <a:lnRef idx="2">
+            <a:schemeClr val="accent1">
+              <a:shade val="50000"/>
+            </a:schemeClr>
+          </a:lnRef>
+          <a:fillRef idx="1">
+            <a:schemeClr val="accent1"/>
+          </a:fillRef>
+          <a:effectRef idx="0">
+            <a:schemeClr val="accent1"/>
+          </a:effectRef>
+          <a:fontRef idx="minor">
+            <a:schemeClr val="lt1"/>
+          </a:fontRef>
+        </p:style>
+        <p:txBody>
+          <a:bodyPr rot="0" spcFirstLastPara="0" vertOverflow="overflow" horzOverflow="overflow" vert="horz" wrap="square" lIns="91440" tIns="45720" rIns="91440" bIns="45720" numCol="1" spcCol="0" rtlCol="0" fromWordArt="0" anchor="ctr" anchorCtr="0" forceAA="0" compatLnSpc="1">
+            <a:prstTxWarp prst="textNoShape">
+              <a:avLst/>
+            </a:prstTxWarp>
+            <a:noAutofit/>
+          </a:bodyPr>
+          <a:lstStyle/>
+          <a:p>
+            <a:pPr algn="ctr"/>
+            <a:endParaRPr lang="en-US"/>
+          </a:p>
+        </p:txBody>
+      </p:sp>
+      <p:cxnSp>
+        <p:nvCxnSpPr>
+          <p:cNvPr id="12" name="Straight Connector 11"/>
+          <p:cNvCxnSpPr>
+            <a:stCxn id="11" idx="7"/>
+          </p:cNvCxnSpPr>
+          <p:nvPr/>
+        </p:nvCxnSpPr>
+        <p:spPr>
+          <a:xfrm flipV="1">
+            <a:off x="6187863" y="1669492"/>
+            <a:ext cx="521856" cy="1494292"/>
+          </a:xfrm>
+          <a:prstGeom prst="line">
+            <a:avLst/>
+          </a:prstGeom>
+          <a:ln w="38100">
+            <a:solidFill>
+              <a:schemeClr val="accent1"/>
+            </a:solidFill>
+          </a:ln>
+        </p:spPr>
+        <p:style>
+          <a:lnRef idx="1">
+            <a:schemeClr val="accent1"/>
+          </a:lnRef>
+          <a:fillRef idx="0">
+            <a:schemeClr val="accent1"/>
+          </a:fillRef>
+          <a:effectRef idx="0">
+            <a:schemeClr val="accent1"/>
+          </a:effectRef>
+          <a:fontRef idx="minor">
+            <a:schemeClr val="tx1"/>
+          </a:fontRef>
+        </p:style>
+      </p:cxnSp>
+      <p:sp>
+        <p:nvSpPr>
+          <p:cNvPr id="13" name="TextBox 12"/>
+          <p:cNvSpPr txBox="1"/>
+          <p:nvPr/>
+        </p:nvSpPr>
+        <p:spPr>
+          <a:xfrm>
+            <a:off x="2115047" y="2496709"/>
+            <a:ext cx="317716" cy="369332"/>
           </a:xfrm>
           <a:prstGeom prst="rect">
             <a:avLst/>
@@ -11414,70 +13020,212 @@
           <a:lstStyle/>
           <a:p>
             <a:r>
-              <a:rPr lang="en-US" sz="2400" dirty="0" smtClean="0"/>
-              <a:t>Nickname of  Mr. </a:t>
-            </a:r>
-            <a:r>
-              <a:rPr lang="en-US" sz="2400" dirty="0" err="1" smtClean="0"/>
-              <a:t>Khuong</a:t>
-            </a:r>
-            <a:r>
-              <a:rPr lang="en-US" sz="2400" dirty="0" smtClean="0"/>
-              <a:t> is “</a:t>
-            </a:r>
-            <a:r>
-              <a:rPr lang="en-US" sz="2400" dirty="0" err="1" smtClean="0"/>
-              <a:t>Khuong</a:t>
-            </a:r>
-            <a:r>
-              <a:rPr lang="en-US" sz="2400" dirty="0" smtClean="0"/>
-              <a:t> </a:t>
-            </a:r>
-            <a:r>
-              <a:rPr lang="en-US" sz="2400" dirty="0" err="1" smtClean="0"/>
-              <a:t>không</a:t>
-            </a:r>
-            <a:r>
-              <a:rPr lang="en-US" sz="2400" dirty="0" smtClean="0"/>
-              <a:t> </a:t>
-            </a:r>
-            <a:r>
-              <a:rPr lang="en-US" sz="2400" dirty="0" err="1" smtClean="0"/>
-              <a:t>sợ</a:t>
-            </a:r>
-            <a:r>
-              <a:rPr lang="en-US" sz="2400" dirty="0" smtClean="0"/>
-              <a:t> </a:t>
-            </a:r>
-            <a:r>
-              <a:rPr lang="en-US" sz="2400" dirty="0" err="1" smtClean="0"/>
-              <a:t>chết</a:t>
-            </a:r>
-            <a:r>
-              <a:rPr lang="en-US" sz="2400" dirty="0" smtClean="0"/>
-              <a:t>”.</a:t>
-            </a:r>
-          </a:p>
-          <a:p>
-            <a:r>
-              <a:rPr lang="en-US" sz="2400" dirty="0" smtClean="0"/>
-              <a:t>Mr. </a:t>
-            </a:r>
-            <a:r>
-              <a:rPr lang="en-US" sz="2400" dirty="0" err="1" smtClean="0"/>
-              <a:t>Khuong</a:t>
-            </a:r>
-            <a:r>
-              <a:rPr lang="en-US" sz="2400" dirty="0" smtClean="0"/>
-              <a:t> always drives with high speed.</a:t>
-            </a:r>
+              <a:rPr lang="en-US" dirty="0" smtClean="0"/>
+              <a:t>A</a:t>
+            </a:r>
+            <a:endParaRPr lang="en-US" dirty="0"/>
+          </a:p>
+        </p:txBody>
+      </p:sp>
+      <p:sp>
+        <p:nvSpPr>
+          <p:cNvPr id="14" name="TextBox 13"/>
+          <p:cNvSpPr txBox="1"/>
+          <p:nvPr/>
+        </p:nvSpPr>
+        <p:spPr>
+          <a:xfrm>
+            <a:off x="4357315" y="2496709"/>
+            <a:ext cx="308098" cy="369332"/>
+          </a:xfrm>
+          <a:prstGeom prst="rect">
+            <a:avLst/>
+          </a:prstGeom>
+          <a:noFill/>
+        </p:spPr>
+        <p:txBody>
+          <a:bodyPr wrap="none" rtlCol="0">
+            <a:spAutoFit/>
+          </a:bodyPr>
+          <a:lstStyle/>
+          <a:p>
+            <a:r>
+              <a:rPr lang="en-US" dirty="0" smtClean="0"/>
+              <a:t>C</a:t>
+            </a:r>
+            <a:endParaRPr lang="en-US" dirty="0"/>
+          </a:p>
+        </p:txBody>
+      </p:sp>
+      <p:sp>
+        <p:nvSpPr>
+          <p:cNvPr id="15" name="TextBox 14"/>
+          <p:cNvSpPr txBox="1"/>
+          <p:nvPr/>
+        </p:nvSpPr>
+        <p:spPr>
+          <a:xfrm>
+            <a:off x="5978298" y="3269353"/>
+            <a:ext cx="327334" cy="369332"/>
+          </a:xfrm>
+          <a:prstGeom prst="rect">
+            <a:avLst/>
+          </a:prstGeom>
+          <a:noFill/>
+        </p:spPr>
+        <p:txBody>
+          <a:bodyPr wrap="none" rtlCol="0">
+            <a:spAutoFit/>
+          </a:bodyPr>
+          <a:lstStyle/>
+          <a:p>
+            <a:r>
+              <a:rPr lang="en-US" dirty="0" smtClean="0"/>
+              <a:t>D</a:t>
+            </a:r>
+            <a:endParaRPr lang="en-US" dirty="0"/>
+          </a:p>
+        </p:txBody>
+      </p:sp>
+      <p:sp>
+        <p:nvSpPr>
+          <p:cNvPr id="16" name="Oval 15"/>
+          <p:cNvSpPr/>
+          <p:nvPr/>
+        </p:nvSpPr>
+        <p:spPr>
+          <a:xfrm>
+            <a:off x="6626672" y="1563365"/>
+            <a:ext cx="166093" cy="166093"/>
+          </a:xfrm>
+          <a:prstGeom prst="ellipse">
+            <a:avLst/>
+          </a:prstGeom>
+          <a:solidFill>
+            <a:schemeClr val="tx1"/>
+          </a:solidFill>
+          <a:ln>
+            <a:solidFill>
+              <a:schemeClr val="tx1"/>
+            </a:solidFill>
+          </a:ln>
+        </p:spPr>
+        <p:style>
+          <a:lnRef idx="2">
+            <a:schemeClr val="accent1">
+              <a:shade val="50000"/>
+            </a:schemeClr>
+          </a:lnRef>
+          <a:fillRef idx="1">
+            <a:schemeClr val="accent1"/>
+          </a:fillRef>
+          <a:effectRef idx="0">
+            <a:schemeClr val="accent1"/>
+          </a:effectRef>
+          <a:fontRef idx="minor">
+            <a:schemeClr val="lt1"/>
+          </a:fontRef>
+        </p:style>
+        <p:txBody>
+          <a:bodyPr rot="0" spcFirstLastPara="0" vertOverflow="overflow" horzOverflow="overflow" vert="horz" wrap="square" lIns="91440" tIns="45720" rIns="91440" bIns="45720" numCol="1" spcCol="0" rtlCol="0" fromWordArt="0" anchor="ctr" anchorCtr="0" forceAA="0" compatLnSpc="1">
+            <a:prstTxWarp prst="textNoShape">
+              <a:avLst/>
+            </a:prstTxWarp>
+            <a:noAutofit/>
+          </a:bodyPr>
+          <a:lstStyle/>
+          <a:p>
+            <a:pPr algn="ctr"/>
+            <a:endParaRPr lang="en-US" dirty="0"/>
+          </a:p>
+        </p:txBody>
+      </p:sp>
+      <p:sp>
+        <p:nvSpPr>
+          <p:cNvPr id="17" name="TextBox 16"/>
+          <p:cNvSpPr txBox="1"/>
+          <p:nvPr/>
+        </p:nvSpPr>
+        <p:spPr>
+          <a:xfrm>
+            <a:off x="6709718" y="1561188"/>
+            <a:ext cx="296876" cy="369332"/>
+          </a:xfrm>
+          <a:prstGeom prst="rect">
+            <a:avLst/>
+          </a:prstGeom>
+          <a:noFill/>
+        </p:spPr>
+        <p:txBody>
+          <a:bodyPr wrap="none" rtlCol="0">
+            <a:spAutoFit/>
+          </a:bodyPr>
+          <a:lstStyle/>
+          <a:p>
+            <a:r>
+              <a:rPr lang="en-US" dirty="0" smtClean="0"/>
+              <a:t>E</a:t>
+            </a:r>
+            <a:endParaRPr lang="en-US" dirty="0"/>
+          </a:p>
+        </p:txBody>
+      </p:sp>
+      <p:sp>
+        <p:nvSpPr>
+          <p:cNvPr id="18" name="Oval Callout 17"/>
+          <p:cNvSpPr/>
+          <p:nvPr/>
+        </p:nvSpPr>
+        <p:spPr>
+          <a:xfrm>
+            <a:off x="3636768" y="995519"/>
+            <a:ext cx="1925436" cy="902344"/>
+          </a:xfrm>
+          <a:prstGeom prst="wedgeEllipseCallout">
+            <a:avLst>
+              <a:gd name="adj1" fmla="val 81633"/>
+              <a:gd name="adj2" fmla="val 76180"/>
+            </a:avLst>
+          </a:prstGeom>
+        </p:spPr>
+        <p:style>
+          <a:lnRef idx="2">
+            <a:schemeClr val="accent1">
+              <a:shade val="50000"/>
+            </a:schemeClr>
+          </a:lnRef>
+          <a:fillRef idx="1">
+            <a:schemeClr val="accent1"/>
+          </a:fillRef>
+          <a:effectRef idx="0">
+            <a:schemeClr val="accent1"/>
+          </a:effectRef>
+          <a:fontRef idx="minor">
+            <a:schemeClr val="lt1"/>
+          </a:fontRef>
+        </p:style>
+        <p:txBody>
+          <a:bodyPr rot="0" spcFirstLastPara="0" vertOverflow="overflow" horzOverflow="overflow" vert="horz" wrap="square" lIns="91440" tIns="45720" rIns="91440" bIns="45720" numCol="1" spcCol="0" rtlCol="0" fromWordArt="0" anchor="ctr" anchorCtr="0" forceAA="0" compatLnSpc="1">
+            <a:prstTxWarp prst="textNoShape">
+              <a:avLst/>
+            </a:prstTxWarp>
+            <a:noAutofit/>
+          </a:bodyPr>
+          <a:lstStyle/>
+          <a:p>
+            <a:pPr algn="ctr"/>
+            <a:r>
+              <a:rPr lang="en-US" dirty="0" smtClean="0"/>
+              <a:t>Notify:</a:t>
+            </a:r>
+            <a:endParaRPr lang="en-US" dirty="0"/>
           </a:p>
         </p:txBody>
       </p:sp>
     </p:spTree>
     <p:extLst>
       <p:ext uri="{BB962C8B-B14F-4D97-AF65-F5344CB8AC3E}">
-        <p14:creationId xmlns:p14="http://schemas.microsoft.com/office/powerpoint/2010/main" val="1664185938"/>
+        <p14:creationId xmlns:p14="http://schemas.microsoft.com/office/powerpoint/2010/main" val="1963302267"/>
       </p:ext>
     </p:extLst>
   </p:cSld>
@@ -11727,55 +13475,6 @@
       </p:sp>
       <p:sp>
         <p:nvSpPr>
-          <p:cNvPr id="12" name="Title 1"/>
-          <p:cNvSpPr txBox="1">
-            <a:spLocks/>
-          </p:cNvSpPr>
-          <p:nvPr/>
-        </p:nvSpPr>
-        <p:spPr>
-          <a:xfrm>
-            <a:off x="554510" y="-75960"/>
-            <a:ext cx="7886700" cy="1325563"/>
-          </a:xfrm>
-          <a:prstGeom prst="rect">
-            <a:avLst/>
-          </a:prstGeom>
-        </p:spPr>
-        <p:txBody>
-          <a:bodyPr vert="horz" lIns="91440" tIns="45720" rIns="91440" bIns="45720" rtlCol="0" anchor="ctr">
-            <a:normAutofit/>
-          </a:bodyPr>
-          <a:lstStyle>
-            <a:lvl1pPr algn="l" defTabSz="914377" rtl="0" eaLnBrk="1" latinLnBrk="0" hangingPunct="1">
-              <a:lnSpc>
-                <a:spcPct val="90000"/>
-              </a:lnSpc>
-              <a:spcBef>
-                <a:spcPct val="0"/>
-              </a:spcBef>
-              <a:buNone/>
-              <a:defRPr sz="4400" kern="1200">
-                <a:solidFill>
-                  <a:schemeClr val="tx1"/>
-                </a:solidFill>
-                <a:latin typeface="+mj-lt"/>
-                <a:ea typeface="+mj-ea"/>
-                <a:cs typeface="+mj-cs"/>
-              </a:defRPr>
-            </a:lvl1pPr>
-          </a:lstStyle>
-          <a:p>
-            <a:r>
-              <a:rPr lang="en-US" smtClean="0"/>
-              <a:t>Scenario	</a:t>
-            </a:r>
-            <a:endParaRPr lang="en-US" dirty="0"/>
-          </a:p>
-        </p:txBody>
-      </p:sp>
-      <p:sp>
-        <p:nvSpPr>
           <p:cNvPr id="13" name="TextBox 12"/>
           <p:cNvSpPr txBox="1"/>
           <p:nvPr/>
@@ -11842,34 +13541,6 @@
           <a:chExt cx="0" cy="0"/>
         </a:xfrm>
       </p:grpSpPr>
-      <p:sp>
-        <p:nvSpPr>
-          <p:cNvPr id="2" name="Title 1"/>
-          <p:cNvSpPr>
-            <a:spLocks noGrp="1"/>
-          </p:cNvSpPr>
-          <p:nvPr>
-            <p:ph type="title"/>
-          </p:nvPr>
-        </p:nvSpPr>
-        <p:spPr>
-          <a:xfrm>
-            <a:off x="554510" y="-75960"/>
-            <a:ext cx="7886700" cy="1325563"/>
-          </a:xfrm>
-        </p:spPr>
-        <p:txBody>
-          <a:bodyPr/>
-          <a:lstStyle/>
-          <a:p>
-            <a:r>
-              <a:rPr lang="en-US" dirty="0" smtClean="0"/>
-              <a:t>Scenario	</a:t>
-            </a:r>
-            <a:endParaRPr lang="en-US" dirty="0"/>
-          </a:p>
-        </p:txBody>
-      </p:sp>
       <p:pic>
         <p:nvPicPr>
           <p:cNvPr id="4" name="Picture 3"/>
@@ -11918,11 +13589,7 @@
           <a:p>
             <a:r>
               <a:rPr lang="en-US" sz="2800" dirty="0" smtClean="0"/>
-              <a:t>But </a:t>
-            </a:r>
-            <a:r>
-              <a:rPr lang="en-US" sz="2800" dirty="0" smtClean="0"/>
-              <a:t>he passes it and </a:t>
+              <a:t>But he passes it and </a:t>
             </a:r>
             <a:r>
               <a:rPr lang="en-US" sz="2800" dirty="0"/>
@@ -12261,34 +13928,6 @@
       </p:sp>
       <p:sp>
         <p:nvSpPr>
-          <p:cNvPr id="11" name="Title 1"/>
-          <p:cNvSpPr>
-            <a:spLocks noGrp="1"/>
-          </p:cNvSpPr>
-          <p:nvPr>
-            <p:ph type="title"/>
-          </p:nvPr>
-        </p:nvSpPr>
-        <p:spPr>
-          <a:xfrm>
-            <a:off x="628650" y="365129"/>
-            <a:ext cx="7886700" cy="1325563"/>
-          </a:xfrm>
-        </p:spPr>
-        <p:txBody>
-          <a:bodyPr/>
-          <a:lstStyle/>
-          <a:p>
-            <a:r>
-              <a:rPr lang="en-US" dirty="0" smtClean="0"/>
-              <a:t>Scenario	</a:t>
-            </a:r>
-            <a:endParaRPr lang="en-US" dirty="0"/>
-          </a:p>
-        </p:txBody>
-      </p:sp>
-      <p:sp>
-        <p:nvSpPr>
           <p:cNvPr id="12" name="TextBox 11"/>
           <p:cNvSpPr txBox="1"/>
           <p:nvPr/>
@@ -12390,7 +14029,7 @@
       </p:grpSpPr>
       <p:sp>
         <p:nvSpPr>
-          <p:cNvPr id="2" name="Title 1"/>
+          <p:cNvPr id="6" name="Title 5"/>
           <p:cNvSpPr>
             <a:spLocks noGrp="1"/>
           </p:cNvSpPr>
@@ -12400,25 +14039,43 @@
         </p:nvSpPr>
         <p:spPr/>
         <p:txBody>
-          <a:bodyPr/>
-          <a:lstStyle/>
-          <a:p>
-            <a:r>
-              <a:rPr lang="en-US" dirty="0" smtClean="0"/>
+          <a:bodyPr>
+            <a:normAutofit/>
+          </a:bodyPr>
+          <a:lstStyle/>
+          <a:p>
+            <a:r>
+              <a:rPr lang="vi-VN" sz="5400" dirty="0" smtClean="0">
+                <a:solidFill>
+                  <a:schemeClr val="bg1"/>
+                </a:solidFill>
+                <a:latin typeface="Cambria"/>
+                <a:ea typeface="Cambria"/>
+                <a:cs typeface="Cambria"/>
+                <a:sym typeface="Cambria"/>
+              </a:rPr>
               <a:t>Problem</a:t>
             </a:r>
-            <a:endParaRPr lang="en-US" dirty="0"/>
-          </a:p>
-        </p:txBody>
-      </p:sp>
-      <p:sp>
-        <p:nvSpPr>
-          <p:cNvPr id="3" name="Content Placeholder 2"/>
+            <a:endParaRPr lang="en-US" sz="5400" dirty="0">
+              <a:solidFill>
+                <a:schemeClr val="bg1"/>
+              </a:solidFill>
+              <a:latin typeface="Cambria"/>
+              <a:ea typeface="Cambria"/>
+              <a:cs typeface="Cambria"/>
+              <a:sym typeface="Cambria"/>
+            </a:endParaRPr>
+          </a:p>
+        </p:txBody>
+      </p:sp>
+      <p:sp>
+        <p:nvSpPr>
+          <p:cNvPr id="5" name="Slide Number Placeholder 4"/>
           <p:cNvSpPr>
             <a:spLocks noGrp="1"/>
           </p:cNvSpPr>
           <p:nvPr>
-            <p:ph idx="1"/>
+            <p:ph type="sldNum" idx="12"/>
           </p:nvPr>
         </p:nvSpPr>
         <p:spPr/>
@@ -12426,8 +14083,39 @@
           <a:bodyPr/>
           <a:lstStyle/>
           <a:p>
-            <a:r>
-              <a:rPr lang="en-US" dirty="0" smtClean="0"/>
+            <a:fld id="{00000000-1234-1234-1234-123412341234}" type="slidenum">
+              <a:rPr lang="en" smtClean="0"/>
+              <a:pPr/>
+              <a:t>6</a:t>
+            </a:fld>
+            <a:endParaRPr lang="en"/>
+          </a:p>
+        </p:txBody>
+      </p:sp>
+      <p:sp>
+        <p:nvSpPr>
+          <p:cNvPr id="23" name="TextBox 22"/>
+          <p:cNvSpPr txBox="1"/>
+          <p:nvPr/>
+        </p:nvSpPr>
+        <p:spPr>
+          <a:xfrm>
+            <a:off x="457200" y="2847707"/>
+            <a:ext cx="7980947" cy="830997"/>
+          </a:xfrm>
+          <a:prstGeom prst="rect">
+            <a:avLst/>
+          </a:prstGeom>
+          <a:noFill/>
+        </p:spPr>
+        <p:txBody>
+          <a:bodyPr wrap="square" rtlCol="0">
+            <a:spAutoFit/>
+          </a:bodyPr>
+          <a:lstStyle/>
+          <a:p>
+            <a:r>
+              <a:rPr lang="en-US" sz="2400" dirty="0"/>
               <a:t>Don’t has any application that allow users know if they are going to the wrong route.</a:t>
             </a:r>
           </a:p>
@@ -12436,13 +14124,20 @@
     </p:spTree>
     <p:extLst>
       <p:ext uri="{BB962C8B-B14F-4D97-AF65-F5344CB8AC3E}">
-        <p14:creationId xmlns:p14="http://schemas.microsoft.com/office/powerpoint/2010/main" val="1740420703"/>
+        <p14:creationId xmlns:p14="http://schemas.microsoft.com/office/powerpoint/2010/main" val="98825311"/>
       </p:ext>
     </p:extLst>
   </p:cSld>
   <p:clrMapOvr>
     <a:masterClrMapping/>
   </p:clrMapOvr>
+  <p:timing>
+    <p:tnLst>
+      <p:par>
+        <p:cTn id="1" dur="indefinite" restart="never" nodeType="tmRoot"/>
+      </p:par>
+    </p:tnLst>
+  </p:timing>
 </p:sld>
 </file>
 
@@ -12465,7 +14160,7 @@
       </p:grpSpPr>
       <p:sp>
         <p:nvSpPr>
-          <p:cNvPr id="2" name="Title 1"/>
+          <p:cNvPr id="6" name="Title 5"/>
           <p:cNvSpPr>
             <a:spLocks noGrp="1"/>
           </p:cNvSpPr>
@@ -12475,25 +14170,43 @@
         </p:nvSpPr>
         <p:spPr/>
         <p:txBody>
-          <a:bodyPr/>
-          <a:lstStyle/>
-          <a:p>
-            <a:r>
-              <a:rPr lang="en-US" dirty="0" smtClean="0"/>
+          <a:bodyPr>
+            <a:normAutofit/>
+          </a:bodyPr>
+          <a:lstStyle/>
+          <a:p>
+            <a:r>
+              <a:rPr lang="vi-VN" sz="5400" dirty="0" smtClean="0">
+                <a:solidFill>
+                  <a:schemeClr val="bg1"/>
+                </a:solidFill>
+                <a:latin typeface="Cambria"/>
+                <a:ea typeface="Cambria"/>
+                <a:cs typeface="Cambria"/>
+                <a:sym typeface="Cambria"/>
+              </a:rPr>
               <a:t>Solution</a:t>
             </a:r>
-            <a:endParaRPr lang="en-US" dirty="0"/>
-          </a:p>
-        </p:txBody>
-      </p:sp>
-      <p:sp>
-        <p:nvSpPr>
-          <p:cNvPr id="3" name="Content Placeholder 2"/>
+            <a:endParaRPr lang="en-US" sz="5400" dirty="0">
+              <a:solidFill>
+                <a:schemeClr val="bg1"/>
+              </a:solidFill>
+              <a:latin typeface="Cambria"/>
+              <a:ea typeface="Cambria"/>
+              <a:cs typeface="Cambria"/>
+              <a:sym typeface="Cambria"/>
+            </a:endParaRPr>
+          </a:p>
+        </p:txBody>
+      </p:sp>
+      <p:sp>
+        <p:nvSpPr>
+          <p:cNvPr id="5" name="Slide Number Placeholder 4"/>
           <p:cNvSpPr>
             <a:spLocks noGrp="1"/>
           </p:cNvSpPr>
           <p:nvPr>
-            <p:ph idx="1"/>
+            <p:ph type="sldNum" idx="12"/>
           </p:nvPr>
         </p:nvSpPr>
         <p:spPr/>
@@ -12501,38 +14214,228 @@
           <a:bodyPr/>
           <a:lstStyle/>
           <a:p>
+            <a:fld id="{00000000-1234-1234-1234-123412341234}" type="slidenum">
+              <a:rPr lang="en" smtClean="0"/>
+              <a:pPr/>
+              <a:t>7</a:t>
+            </a:fld>
+            <a:endParaRPr lang="en"/>
+          </a:p>
+        </p:txBody>
+      </p:sp>
+      <p:sp>
+        <p:nvSpPr>
+          <p:cNvPr id="7" name="Content Placeholder 2"/>
+          <p:cNvSpPr txBox="1">
+            <a:spLocks/>
+          </p:cNvSpPr>
+          <p:nvPr/>
+        </p:nvSpPr>
+        <p:spPr>
+          <a:xfrm>
+            <a:off x="628650" y="1825625"/>
+            <a:ext cx="7886700" cy="2168859"/>
+          </a:xfrm>
+          <a:prstGeom prst="rect">
+            <a:avLst/>
+          </a:prstGeom>
+        </p:spPr>
+        <p:txBody>
+          <a:bodyPr vert="horz" lIns="91425" tIns="91425" rIns="91425" bIns="91425" rtlCol="0" anchor="t" anchorCtr="0">
+            <a:normAutofit/>
+          </a:bodyPr>
+          <a:lstStyle>
+            <a:lvl1pPr marL="228594" indent="-228594" algn="l" defTabSz="914377" rtl="0" eaLnBrk="1" latinLnBrk="0" hangingPunct="1">
+              <a:lnSpc>
+                <a:spcPct val="90000"/>
+              </a:lnSpc>
+              <a:spcBef>
+                <a:spcPts val="0"/>
+              </a:spcBef>
+              <a:buFont typeface="Arial" panose="020B0604020202020204" pitchFamily="34" charset="0"/>
+              <a:buChar char="•"/>
+              <a:defRPr sz="2800" kern="1200">
+                <a:solidFill>
+                  <a:schemeClr val="tx1"/>
+                </a:solidFill>
+                <a:latin typeface="+mn-lt"/>
+                <a:ea typeface="+mn-ea"/>
+                <a:cs typeface="+mn-cs"/>
+              </a:defRPr>
+            </a:lvl1pPr>
+            <a:lvl2pPr marL="685783" indent="-228594" algn="l" defTabSz="914377" rtl="0" eaLnBrk="1" latinLnBrk="0" hangingPunct="1">
+              <a:lnSpc>
+                <a:spcPct val="90000"/>
+              </a:lnSpc>
+              <a:spcBef>
+                <a:spcPts val="0"/>
+              </a:spcBef>
+              <a:buFont typeface="Arial" panose="020B0604020202020204" pitchFamily="34" charset="0"/>
+              <a:buChar char="•"/>
+              <a:defRPr sz="2400" kern="1200">
+                <a:solidFill>
+                  <a:schemeClr val="tx1"/>
+                </a:solidFill>
+                <a:latin typeface="+mn-lt"/>
+                <a:ea typeface="+mn-ea"/>
+                <a:cs typeface="+mn-cs"/>
+              </a:defRPr>
+            </a:lvl2pPr>
+            <a:lvl3pPr marL="1142971" indent="-228594" algn="l" defTabSz="914377" rtl="0" eaLnBrk="1" latinLnBrk="0" hangingPunct="1">
+              <a:lnSpc>
+                <a:spcPct val="90000"/>
+              </a:lnSpc>
+              <a:spcBef>
+                <a:spcPts val="0"/>
+              </a:spcBef>
+              <a:buFont typeface="Arial" panose="020B0604020202020204" pitchFamily="34" charset="0"/>
+              <a:buChar char="•"/>
+              <a:defRPr sz="2000" kern="1200">
+                <a:solidFill>
+                  <a:schemeClr val="tx1"/>
+                </a:solidFill>
+                <a:latin typeface="+mn-lt"/>
+                <a:ea typeface="+mn-ea"/>
+                <a:cs typeface="+mn-cs"/>
+              </a:defRPr>
+            </a:lvl3pPr>
+            <a:lvl4pPr marL="1600160" indent="-228594" algn="l" defTabSz="914377" rtl="0" eaLnBrk="1" latinLnBrk="0" hangingPunct="1">
+              <a:lnSpc>
+                <a:spcPct val="90000"/>
+              </a:lnSpc>
+              <a:spcBef>
+                <a:spcPts val="0"/>
+              </a:spcBef>
+              <a:buFont typeface="Arial" panose="020B0604020202020204" pitchFamily="34" charset="0"/>
+              <a:buChar char="•"/>
+              <a:defRPr sz="1800" kern="1200">
+                <a:solidFill>
+                  <a:schemeClr val="tx1"/>
+                </a:solidFill>
+                <a:latin typeface="+mn-lt"/>
+                <a:ea typeface="+mn-ea"/>
+                <a:cs typeface="+mn-cs"/>
+              </a:defRPr>
+            </a:lvl4pPr>
+            <a:lvl5pPr marL="2057349" indent="-228594" algn="l" defTabSz="914377" rtl="0" eaLnBrk="1" latinLnBrk="0" hangingPunct="1">
+              <a:lnSpc>
+                <a:spcPct val="90000"/>
+              </a:lnSpc>
+              <a:spcBef>
+                <a:spcPts val="0"/>
+              </a:spcBef>
+              <a:buFont typeface="Arial" panose="020B0604020202020204" pitchFamily="34" charset="0"/>
+              <a:buChar char="•"/>
+              <a:defRPr sz="1800" kern="1200">
+                <a:solidFill>
+                  <a:schemeClr val="tx1"/>
+                </a:solidFill>
+                <a:latin typeface="+mn-lt"/>
+                <a:ea typeface="+mn-ea"/>
+                <a:cs typeface="+mn-cs"/>
+              </a:defRPr>
+            </a:lvl5pPr>
+            <a:lvl6pPr marL="2514537" indent="-228594" algn="l" defTabSz="914377" rtl="0" eaLnBrk="1" latinLnBrk="0" hangingPunct="1">
+              <a:lnSpc>
+                <a:spcPct val="90000"/>
+              </a:lnSpc>
+              <a:spcBef>
+                <a:spcPts val="0"/>
+              </a:spcBef>
+              <a:buFont typeface="Arial" panose="020B0604020202020204" pitchFamily="34" charset="0"/>
+              <a:buChar char="•"/>
+              <a:defRPr sz="1800" kern="1200">
+                <a:solidFill>
+                  <a:schemeClr val="tx1"/>
+                </a:solidFill>
+                <a:latin typeface="+mn-lt"/>
+                <a:ea typeface="+mn-ea"/>
+                <a:cs typeface="+mn-cs"/>
+              </a:defRPr>
+            </a:lvl6pPr>
+            <a:lvl7pPr marL="2971726" indent="-228594" algn="l" defTabSz="914377" rtl="0" eaLnBrk="1" latinLnBrk="0" hangingPunct="1">
+              <a:lnSpc>
+                <a:spcPct val="90000"/>
+              </a:lnSpc>
+              <a:spcBef>
+                <a:spcPts val="0"/>
+              </a:spcBef>
+              <a:buFont typeface="Arial" panose="020B0604020202020204" pitchFamily="34" charset="0"/>
+              <a:buChar char="•"/>
+              <a:defRPr sz="1800" kern="1200">
+                <a:solidFill>
+                  <a:schemeClr val="tx1"/>
+                </a:solidFill>
+                <a:latin typeface="+mn-lt"/>
+                <a:ea typeface="+mn-ea"/>
+                <a:cs typeface="+mn-cs"/>
+              </a:defRPr>
+            </a:lvl7pPr>
+            <a:lvl8pPr marL="3428914" indent="-228594" algn="l" defTabSz="914377" rtl="0" eaLnBrk="1" latinLnBrk="0" hangingPunct="1">
+              <a:lnSpc>
+                <a:spcPct val="90000"/>
+              </a:lnSpc>
+              <a:spcBef>
+                <a:spcPts val="0"/>
+              </a:spcBef>
+              <a:buFont typeface="Arial" panose="020B0604020202020204" pitchFamily="34" charset="0"/>
+              <a:buChar char="•"/>
+              <a:defRPr sz="1800" kern="1200">
+                <a:solidFill>
+                  <a:schemeClr val="tx1"/>
+                </a:solidFill>
+                <a:latin typeface="+mn-lt"/>
+                <a:ea typeface="+mn-ea"/>
+                <a:cs typeface="+mn-cs"/>
+              </a:defRPr>
+            </a:lvl8pPr>
+            <a:lvl9pPr marL="3886103" indent="-228594" algn="l" defTabSz="914377" rtl="0" eaLnBrk="1" latinLnBrk="0" hangingPunct="1">
+              <a:lnSpc>
+                <a:spcPct val="90000"/>
+              </a:lnSpc>
+              <a:spcBef>
+                <a:spcPts val="0"/>
+              </a:spcBef>
+              <a:buFont typeface="Arial" panose="020B0604020202020204" pitchFamily="34" charset="0"/>
+              <a:buChar char="•"/>
+              <a:defRPr sz="1800" kern="1200">
+                <a:solidFill>
+                  <a:schemeClr val="tx1"/>
+                </a:solidFill>
+                <a:latin typeface="+mn-lt"/>
+                <a:ea typeface="+mn-ea"/>
+                <a:cs typeface="+mn-cs"/>
+              </a:defRPr>
+            </a:lvl9pPr>
+          </a:lstStyle>
+          <a:p>
             <a:pPr marL="0" indent="0">
+              <a:buFont typeface="Arial" panose="020B0604020202020204" pitchFamily="34" charset="0"/>
               <a:buNone/>
             </a:pPr>
             <a:r>
-              <a:rPr lang="en-US" dirty="0" smtClean="0"/>
+              <a:rPr lang="en-US" smtClean="0"/>
               <a:t>Provide detect wrong route function.</a:t>
             </a:r>
           </a:p>
           <a:p>
             <a:pPr marL="0" indent="0">
+              <a:buFont typeface="Arial" panose="020B0604020202020204" pitchFamily="34" charset="0"/>
               <a:buNone/>
             </a:pPr>
             <a:r>
-              <a:rPr lang="en-US" dirty="0" smtClean="0"/>
+              <a:rPr lang="en-US" smtClean="0"/>
               <a:t>Help users know if they are going to wrong route.</a:t>
             </a:r>
           </a:p>
           <a:p>
             <a:pPr marL="0" indent="0">
+              <a:buFont typeface="Arial" panose="020B0604020202020204" pitchFamily="34" charset="0"/>
               <a:buNone/>
             </a:pPr>
             <a:r>
-              <a:rPr lang="en-US" dirty="0" smtClean="0"/>
-              <a:t>User can </a:t>
-            </a:r>
-            <a:r>
-              <a:rPr lang="en-US" dirty="0" smtClean="0"/>
-              <a:t>search again to </a:t>
-            </a:r>
-            <a:r>
-              <a:rPr lang="en-US" dirty="0" smtClean="0"/>
-              <a:t>get right route.</a:t>
+              <a:rPr lang="en-US" smtClean="0"/>
+              <a:t>User can search again to get right route.</a:t>
             </a:r>
             <a:endParaRPr lang="en-US" dirty="0"/>
           </a:p>
@@ -12541,13 +14444,20 @@
     </p:spTree>
     <p:extLst>
       <p:ext uri="{BB962C8B-B14F-4D97-AF65-F5344CB8AC3E}">
-        <p14:creationId xmlns:p14="http://schemas.microsoft.com/office/powerpoint/2010/main" val="4043618192"/>
+        <p14:creationId xmlns:p14="http://schemas.microsoft.com/office/powerpoint/2010/main" val="1937163546"/>
       </p:ext>
     </p:extLst>
   </p:cSld>
   <p:clrMapOvr>
     <a:masterClrMapping/>
   </p:clrMapOvr>
+  <p:timing>
+    <p:tnLst>
+      <p:par>
+        <p:cTn id="1" dur="indefinite" restart="never" nodeType="tmRoot"/>
+      </p:par>
+    </p:tnLst>
+  </p:timing>
 </p:sld>
 </file>
 
@@ -12570,6 +14480,46 @@
       </p:grpSpPr>
       <p:sp>
         <p:nvSpPr>
+          <p:cNvPr id="3" name="Rectangle 2"/>
+          <p:cNvSpPr/>
+          <p:nvPr/>
+        </p:nvSpPr>
+        <p:spPr>
+          <a:xfrm>
+            <a:off x="0" y="0"/>
+            <a:ext cx="9144000" cy="6858000"/>
+          </a:xfrm>
+          <a:prstGeom prst="rect">
+            <a:avLst/>
+          </a:prstGeom>
+        </p:spPr>
+        <p:style>
+          <a:lnRef idx="2">
+            <a:schemeClr val="accent1">
+              <a:shade val="50000"/>
+            </a:schemeClr>
+          </a:lnRef>
+          <a:fillRef idx="1">
+            <a:schemeClr val="accent1"/>
+          </a:fillRef>
+          <a:effectRef idx="0">
+            <a:schemeClr val="accent1"/>
+          </a:effectRef>
+          <a:fontRef idx="minor">
+            <a:schemeClr val="lt1"/>
+          </a:fontRef>
+        </p:style>
+        <p:txBody>
+          <a:bodyPr rtlCol="0" anchor="ctr"/>
+          <a:lstStyle/>
+          <a:p>
+            <a:pPr algn="ctr"/>
+            <a:endParaRPr lang="en-US"/>
+          </a:p>
+        </p:txBody>
+      </p:sp>
+      <p:sp>
+        <p:nvSpPr>
           <p:cNvPr id="2" name="Title 1"/>
           <p:cNvSpPr>
             <a:spLocks noGrp="1"/>
@@ -12578,16 +14528,31 @@
             <p:ph type="title"/>
           </p:nvPr>
         </p:nvSpPr>
-        <p:spPr/>
-        <p:txBody>
-          <a:bodyPr/>
-          <a:lstStyle/>
-          <a:p>
-            <a:r>
-              <a:rPr lang="en-US" dirty="0" smtClean="0"/>
+        <p:spPr>
+          <a:xfrm>
+            <a:off x="449179" y="2766218"/>
+            <a:ext cx="8534400" cy="1325563"/>
+          </a:xfrm>
+        </p:spPr>
+        <p:txBody>
+          <a:bodyPr>
+            <a:noAutofit/>
+          </a:bodyPr>
+          <a:lstStyle/>
+          <a:p>
+            <a:r>
+              <a:rPr lang="en-US" sz="5400" dirty="0" smtClean="0">
+                <a:solidFill>
+                  <a:schemeClr val="bg1"/>
+                </a:solidFill>
+              </a:rPr>
               <a:t>Detect wrong way algorithm</a:t>
             </a:r>
-            <a:endParaRPr lang="en-US" dirty="0"/>
+            <a:endParaRPr lang="en-US" sz="5400" dirty="0">
+              <a:solidFill>
+                <a:schemeClr val="bg1"/>
+              </a:solidFill>
+            </a:endParaRPr>
           </a:p>
         </p:txBody>
       </p:sp>
@@ -13500,4 +15465,265 @@
     </a:ext>
   </a:extLst>
 </a:theme>
+</file>
+
+<file path=ppt/theme/theme2.xml><?xml version="1.0" encoding="utf-8"?>
+<a:theme xmlns:a="http://schemas.openxmlformats.org/drawingml/2006/main" name="Office Theme">
+  <a:themeElements>
+    <a:clrScheme name="Office">
+      <a:dk1>
+        <a:sysClr val="windowText" lastClr="000000"/>
+      </a:dk1>
+      <a:lt1>
+        <a:sysClr val="window" lastClr="FFFFFF"/>
+      </a:lt1>
+      <a:dk2>
+        <a:srgbClr val="44546A"/>
+      </a:dk2>
+      <a:lt2>
+        <a:srgbClr val="E7E6E6"/>
+      </a:lt2>
+      <a:accent1>
+        <a:srgbClr val="5B9BD5"/>
+      </a:accent1>
+      <a:accent2>
+        <a:srgbClr val="ED7D31"/>
+      </a:accent2>
+      <a:accent3>
+        <a:srgbClr val="A5A5A5"/>
+      </a:accent3>
+      <a:accent4>
+        <a:srgbClr val="FFC000"/>
+      </a:accent4>
+      <a:accent5>
+        <a:srgbClr val="4472C4"/>
+      </a:accent5>
+      <a:accent6>
+        <a:srgbClr val="70AD47"/>
+      </a:accent6>
+      <a:hlink>
+        <a:srgbClr val="0563C1"/>
+      </a:hlink>
+      <a:folHlink>
+        <a:srgbClr val="954F72"/>
+      </a:folHlink>
+    </a:clrScheme>
+    <a:fontScheme name="Office">
+      <a:majorFont>
+        <a:latin typeface="Calibri Light" panose="020F0302020204030204"/>
+        <a:ea typeface=""/>
+        <a:cs typeface=""/>
+        <a:font script="Jpan" typeface="ＭＳ Ｐゴシック"/>
+        <a:font script="Hang" typeface="맑은 고딕"/>
+        <a:font script="Hans" typeface="宋体"/>
+        <a:font script="Hant" typeface="新細明體"/>
+        <a:font script="Arab" typeface="Times New Roman"/>
+        <a:font script="Hebr" typeface="Times New Roman"/>
+        <a:font script="Thai" typeface="Angsana New"/>
+        <a:font script="Ethi" typeface="Nyala"/>
+        <a:font script="Beng" typeface="Vrinda"/>
+        <a:font script="Gujr" typeface="Shruti"/>
+        <a:font script="Khmr" typeface="MoolBoran"/>
+        <a:font script="Knda" typeface="Tunga"/>
+        <a:font script="Guru" typeface="Raavi"/>
+        <a:font script="Cans" typeface="Euphemia"/>
+        <a:font script="Cher" typeface="Plantagenet Cherokee"/>
+        <a:font script="Yiii" typeface="Microsoft Yi Baiti"/>
+        <a:font script="Tibt" typeface="Microsoft Himalaya"/>
+        <a:font script="Thaa" typeface="MV Boli"/>
+        <a:font script="Deva" typeface="Mangal"/>
+        <a:font script="Telu" typeface="Gautami"/>
+        <a:font script="Taml" typeface="Latha"/>
+        <a:font script="Syrc" typeface="Estrangelo Edessa"/>
+        <a:font script="Orya" typeface="Kalinga"/>
+        <a:font script="Mlym" typeface="Kartika"/>
+        <a:font script="Laoo" typeface="DokChampa"/>
+        <a:font script="Sinh" typeface="Iskoola Pota"/>
+        <a:font script="Mong" typeface="Mongolian Baiti"/>
+        <a:font script="Viet" typeface="Times New Roman"/>
+        <a:font script="Uigh" typeface="Microsoft Uighur"/>
+        <a:font script="Geor" typeface="Sylfaen"/>
+      </a:majorFont>
+      <a:minorFont>
+        <a:latin typeface="Calibri" panose="020F0502020204030204"/>
+        <a:ea typeface=""/>
+        <a:cs typeface=""/>
+        <a:font script="Jpan" typeface="ＭＳ Ｐゴシック"/>
+        <a:font script="Hang" typeface="맑은 고딕"/>
+        <a:font script="Hans" typeface="宋体"/>
+        <a:font script="Hant" typeface="新細明體"/>
+        <a:font script="Arab" typeface="Arial"/>
+        <a:font script="Hebr" typeface="Arial"/>
+        <a:font script="Thai" typeface="Cordia New"/>
+        <a:font script="Ethi" typeface="Nyala"/>
+        <a:font script="Beng" typeface="Vrinda"/>
+        <a:font script="Gujr" typeface="Shruti"/>
+        <a:font script="Khmr" typeface="DaunPenh"/>
+        <a:font script="Knda" typeface="Tunga"/>
+        <a:font script="Guru" typeface="Raavi"/>
+        <a:font script="Cans" typeface="Euphemia"/>
+        <a:font script="Cher" typeface="Plantagenet Cherokee"/>
+        <a:font script="Yiii" typeface="Microsoft Yi Baiti"/>
+        <a:font script="Tibt" typeface="Microsoft Himalaya"/>
+        <a:font script="Thaa" typeface="MV Boli"/>
+        <a:font script="Deva" typeface="Mangal"/>
+        <a:font script="Telu" typeface="Gautami"/>
+        <a:font script="Taml" typeface="Latha"/>
+        <a:font script="Syrc" typeface="Estrangelo Edessa"/>
+        <a:font script="Orya" typeface="Kalinga"/>
+        <a:font script="Mlym" typeface="Kartika"/>
+        <a:font script="Laoo" typeface="DokChampa"/>
+        <a:font script="Sinh" typeface="Iskoola Pota"/>
+        <a:font script="Mong" typeface="Mongolian Baiti"/>
+        <a:font script="Viet" typeface="Arial"/>
+        <a:font script="Uigh" typeface="Microsoft Uighur"/>
+        <a:font script="Geor" typeface="Sylfaen"/>
+      </a:minorFont>
+    </a:fontScheme>
+    <a:fmtScheme name="Office">
+      <a:fillStyleLst>
+        <a:solidFill>
+          <a:schemeClr val="phClr"/>
+        </a:solidFill>
+        <a:gradFill rotWithShape="1">
+          <a:gsLst>
+            <a:gs pos="0">
+              <a:schemeClr val="phClr">
+                <a:lumMod val="110000"/>
+                <a:satMod val="105000"/>
+                <a:tint val="67000"/>
+              </a:schemeClr>
+            </a:gs>
+            <a:gs pos="50000">
+              <a:schemeClr val="phClr">
+                <a:lumMod val="105000"/>
+                <a:satMod val="103000"/>
+                <a:tint val="73000"/>
+              </a:schemeClr>
+            </a:gs>
+            <a:gs pos="100000">
+              <a:schemeClr val="phClr">
+                <a:lumMod val="105000"/>
+                <a:satMod val="109000"/>
+                <a:tint val="81000"/>
+              </a:schemeClr>
+            </a:gs>
+          </a:gsLst>
+          <a:lin ang="5400000" scaled="0"/>
+        </a:gradFill>
+        <a:gradFill rotWithShape="1">
+          <a:gsLst>
+            <a:gs pos="0">
+              <a:schemeClr val="phClr">
+                <a:satMod val="103000"/>
+                <a:lumMod val="102000"/>
+                <a:tint val="94000"/>
+              </a:schemeClr>
+            </a:gs>
+            <a:gs pos="50000">
+              <a:schemeClr val="phClr">
+                <a:satMod val="110000"/>
+                <a:lumMod val="100000"/>
+                <a:shade val="100000"/>
+              </a:schemeClr>
+            </a:gs>
+            <a:gs pos="100000">
+              <a:schemeClr val="phClr">
+                <a:lumMod val="99000"/>
+                <a:satMod val="120000"/>
+                <a:shade val="78000"/>
+              </a:schemeClr>
+            </a:gs>
+          </a:gsLst>
+          <a:lin ang="5400000" scaled="0"/>
+        </a:gradFill>
+      </a:fillStyleLst>
+      <a:lnStyleLst>
+        <a:ln w="6350" cap="flat" cmpd="sng" algn="ctr">
+          <a:solidFill>
+            <a:schemeClr val="phClr"/>
+          </a:solidFill>
+          <a:prstDash val="solid"/>
+          <a:miter lim="800000"/>
+        </a:ln>
+        <a:ln w="12700" cap="flat" cmpd="sng" algn="ctr">
+          <a:solidFill>
+            <a:schemeClr val="phClr"/>
+          </a:solidFill>
+          <a:prstDash val="solid"/>
+          <a:miter lim="800000"/>
+        </a:ln>
+        <a:ln w="19050" cap="flat" cmpd="sng" algn="ctr">
+          <a:solidFill>
+            <a:schemeClr val="phClr"/>
+          </a:solidFill>
+          <a:prstDash val="solid"/>
+          <a:miter lim="800000"/>
+        </a:ln>
+      </a:lnStyleLst>
+      <a:effectStyleLst>
+        <a:effectStyle>
+          <a:effectLst/>
+        </a:effectStyle>
+        <a:effectStyle>
+          <a:effectLst/>
+        </a:effectStyle>
+        <a:effectStyle>
+          <a:effectLst>
+            <a:outerShdw blurRad="57150" dist="19050" dir="5400000" algn="ctr" rotWithShape="0">
+              <a:srgbClr val="000000">
+                <a:alpha val="63000"/>
+              </a:srgbClr>
+            </a:outerShdw>
+          </a:effectLst>
+        </a:effectStyle>
+      </a:effectStyleLst>
+      <a:bgFillStyleLst>
+        <a:solidFill>
+          <a:schemeClr val="phClr"/>
+        </a:solidFill>
+        <a:solidFill>
+          <a:schemeClr val="phClr">
+            <a:tint val="95000"/>
+            <a:satMod val="170000"/>
+          </a:schemeClr>
+        </a:solidFill>
+        <a:gradFill rotWithShape="1">
+          <a:gsLst>
+            <a:gs pos="0">
+              <a:schemeClr val="phClr">
+                <a:tint val="93000"/>
+                <a:satMod val="150000"/>
+                <a:shade val="98000"/>
+                <a:lumMod val="102000"/>
+              </a:schemeClr>
+            </a:gs>
+            <a:gs pos="50000">
+              <a:schemeClr val="phClr">
+                <a:tint val="98000"/>
+                <a:satMod val="130000"/>
+                <a:shade val="90000"/>
+                <a:lumMod val="103000"/>
+              </a:schemeClr>
+            </a:gs>
+            <a:gs pos="100000">
+              <a:schemeClr val="phClr">
+                <a:shade val="63000"/>
+                <a:satMod val="120000"/>
+              </a:schemeClr>
+            </a:gs>
+          </a:gsLst>
+          <a:lin ang="5400000" scaled="0"/>
+        </a:gradFill>
+      </a:bgFillStyleLst>
+    </a:fmtScheme>
+  </a:themeElements>
+  <a:objectDefaults/>
+  <a:extraClrSchemeLst/>
+  <a:extLst>
+    <a:ext uri="{05A4C25C-085E-4340-85A3-A5531E510DB2}">
+      <thm15:themeFamily xmlns:thm15="http://schemas.microsoft.com/office/thememl/2012/main" name="Office Theme" id="{62F939B6-93AF-4DB8-9C6B-D6C7DFDC589F}" vid="{4A3C46E8-61CC-4603-A589-7422A47A8E4A}"/>
+    </a:ext>
+  </a:extLst>
+</a:theme>
 </file>
--- a/Document/presentation/nam/notify wrong way.pptx
+++ b/Document/presentation/nam/notify wrong way.pptx
@@ -18,7 +18,7 @@
     <p:sldId id="303" r:id="rId9"/>
     <p:sldId id="282" r:id="rId10"/>
     <p:sldId id="273" r:id="rId11"/>
-    <p:sldId id="274" r:id="rId12"/>
+    <p:sldId id="322" r:id="rId12"/>
     <p:sldId id="278" r:id="rId13"/>
     <p:sldId id="275" r:id="rId14"/>
     <p:sldId id="276" r:id="rId15"/>
@@ -216,7 +216,7 @@
           <a:p>
             <a:fld id="{4129A581-B2BA-6A4B-B6BF-BD1B5D640D0B}" type="datetimeFigureOut">
               <a:rPr lang="en-US" smtClean="0"/>
-              <a:t>12/11/15</a:t>
+              <a:t>12/11/2015</a:t>
             </a:fld>
             <a:endParaRPr lang="en-US"/>
           </a:p>
@@ -528,6 +528,284 @@
           <a:bodyPr/>
           <a:lstStyle/>
           <a:p>
+            <a:r>
+              <a:rPr lang="en-US" dirty="0" err="1" smtClean="0"/>
+              <a:t>Như</a:t>
+            </a:r>
+            <a:r>
+              <a:rPr lang="en-US" baseline="0" dirty="0" smtClean="0"/>
+              <a:t> </a:t>
+            </a:r>
+            <a:r>
+              <a:rPr lang="en-US" baseline="0" dirty="0" err="1" smtClean="0"/>
+              <a:t>trước</a:t>
+            </a:r>
+            <a:r>
+              <a:rPr lang="en-US" baseline="0" dirty="0" smtClean="0"/>
+              <a:t> </a:t>
+            </a:r>
+            <a:r>
+              <a:rPr lang="en-US" baseline="0" dirty="0" err="1" smtClean="0"/>
+              <a:t>đó</a:t>
+            </a:r>
+            <a:r>
+              <a:rPr lang="en-US" baseline="0" dirty="0" smtClean="0"/>
+              <a:t>, </a:t>
+            </a:r>
+            <a:r>
+              <a:rPr lang="en-US" baseline="0" dirty="0" err="1" smtClean="0"/>
+              <a:t>chúng</a:t>
+            </a:r>
+            <a:r>
+              <a:rPr lang="en-US" baseline="0" dirty="0" smtClean="0"/>
+              <a:t> ta </a:t>
+            </a:r>
+            <a:r>
+              <a:rPr lang="en-US" baseline="0" dirty="0" err="1" smtClean="0"/>
+              <a:t>biết</a:t>
+            </a:r>
+            <a:r>
+              <a:rPr lang="en-US" baseline="0" dirty="0" smtClean="0"/>
+              <a:t> </a:t>
+            </a:r>
+            <a:r>
+              <a:rPr lang="en-US" baseline="0" dirty="0" err="1" smtClean="0"/>
+              <a:t>đc</a:t>
+            </a:r>
+            <a:r>
+              <a:rPr lang="en-US" baseline="0" dirty="0" smtClean="0"/>
+              <a:t> </a:t>
+            </a:r>
+            <a:r>
+              <a:rPr lang="en-US" baseline="0" dirty="0" err="1" smtClean="0"/>
+              <a:t>anh</a:t>
+            </a:r>
+            <a:r>
+              <a:rPr lang="en-US" baseline="0" dirty="0" smtClean="0"/>
+              <a:t> </a:t>
+            </a:r>
+            <a:r>
+              <a:rPr lang="en-US" baseline="0" dirty="0" err="1" smtClean="0"/>
+              <a:t>khương</a:t>
+            </a:r>
+            <a:r>
+              <a:rPr lang="en-US" baseline="0" dirty="0" smtClean="0"/>
+              <a:t> </a:t>
+            </a:r>
+            <a:r>
+              <a:rPr lang="en-US" baseline="0" dirty="0" err="1" smtClean="0"/>
+              <a:t>là</a:t>
+            </a:r>
+            <a:r>
+              <a:rPr lang="en-US" baseline="0" dirty="0" smtClean="0"/>
+              <a:t> </a:t>
+            </a:r>
+            <a:r>
+              <a:rPr lang="en-US" baseline="0" dirty="0" err="1" smtClean="0"/>
+              <a:t>người</a:t>
+            </a:r>
+            <a:r>
+              <a:rPr lang="en-US" baseline="0" dirty="0" smtClean="0"/>
+              <a:t> </a:t>
+            </a:r>
+            <a:r>
+              <a:rPr lang="en-US" baseline="0" dirty="0" err="1" smtClean="0"/>
+              <a:t>hiền</a:t>
+            </a:r>
+            <a:r>
+              <a:rPr lang="en-US" baseline="0" dirty="0" smtClean="0"/>
+              <a:t> </a:t>
+            </a:r>
+            <a:r>
+              <a:rPr lang="en-US" baseline="0" dirty="0" err="1" smtClean="0"/>
+              <a:t>lành</a:t>
+            </a:r>
+            <a:r>
+              <a:rPr lang="en-US" baseline="0" dirty="0" smtClean="0"/>
+              <a:t>, </a:t>
+            </a:r>
+            <a:r>
+              <a:rPr lang="en-US" baseline="0" dirty="0" err="1" smtClean="0"/>
+              <a:t>nhưng</a:t>
+            </a:r>
+            <a:r>
+              <a:rPr lang="en-US" baseline="0" dirty="0" smtClean="0"/>
+              <a:t> </a:t>
+            </a:r>
+            <a:r>
+              <a:rPr lang="en-US" baseline="0" dirty="0" err="1" smtClean="0"/>
+              <a:t>khi</a:t>
+            </a:r>
+            <a:r>
+              <a:rPr lang="en-US" baseline="0" dirty="0" smtClean="0"/>
+              <a:t> </a:t>
+            </a:r>
+            <a:r>
+              <a:rPr lang="en-US" baseline="0" dirty="0" err="1" smtClean="0"/>
+              <a:t>trên</a:t>
+            </a:r>
+            <a:r>
+              <a:rPr lang="en-US" baseline="0" dirty="0" smtClean="0"/>
+              <a:t> </a:t>
+            </a:r>
+            <a:r>
+              <a:rPr lang="en-US" baseline="0" dirty="0" err="1" smtClean="0"/>
+              <a:t>đường</a:t>
+            </a:r>
+            <a:r>
+              <a:rPr lang="en-US" baseline="0" dirty="0" smtClean="0"/>
+              <a:t> </a:t>
+            </a:r>
+            <a:r>
+              <a:rPr lang="en-US" baseline="0" dirty="0" err="1" smtClean="0"/>
+              <a:t>thì</a:t>
+            </a:r>
+            <a:r>
+              <a:rPr lang="en-US" baseline="0" dirty="0" smtClean="0"/>
+              <a:t> </a:t>
+            </a:r>
+            <a:r>
+              <a:rPr lang="en-US" baseline="0" dirty="0" err="1" smtClean="0"/>
+              <a:t>anh</a:t>
+            </a:r>
+            <a:r>
+              <a:rPr lang="en-US" baseline="0" dirty="0" smtClean="0"/>
+              <a:t> ta </a:t>
+            </a:r>
+            <a:r>
+              <a:rPr lang="en-US" baseline="0" dirty="0" err="1" smtClean="0"/>
+              <a:t>có</a:t>
+            </a:r>
+            <a:r>
+              <a:rPr lang="en-US" baseline="0" dirty="0" smtClean="0"/>
+              <a:t> 1 nickname ”</a:t>
+            </a:r>
+            <a:r>
+              <a:rPr lang="en-US" baseline="0" dirty="0" err="1" smtClean="0"/>
+              <a:t>khương</a:t>
+            </a:r>
+            <a:r>
+              <a:rPr lang="en-US" baseline="0" dirty="0" smtClean="0"/>
+              <a:t> </a:t>
+            </a:r>
+            <a:r>
+              <a:rPr lang="en-US" baseline="0" dirty="0" err="1" smtClean="0"/>
+              <a:t>ko</a:t>
+            </a:r>
+            <a:r>
+              <a:rPr lang="en-US" baseline="0" dirty="0" smtClean="0"/>
+              <a:t> </a:t>
+            </a:r>
+            <a:r>
+              <a:rPr lang="en-US" baseline="0" dirty="0" err="1" smtClean="0"/>
+              <a:t>sợ</a:t>
+            </a:r>
+            <a:r>
+              <a:rPr lang="en-US" baseline="0" dirty="0" smtClean="0"/>
+              <a:t> </a:t>
+            </a:r>
+            <a:r>
+              <a:rPr lang="en-US" baseline="0" dirty="0" err="1" smtClean="0"/>
+              <a:t>chết</a:t>
+            </a:r>
+            <a:r>
+              <a:rPr lang="en-US" baseline="0" dirty="0" smtClean="0"/>
+              <a:t>”</a:t>
+            </a:r>
+          </a:p>
+          <a:p>
+            <a:r>
+              <a:rPr lang="en-US" baseline="0" dirty="0" smtClean="0"/>
+              <a:t>Anh </a:t>
+            </a:r>
+            <a:r>
+              <a:rPr lang="en-US" baseline="0" dirty="0" err="1" smtClean="0"/>
+              <a:t>khương</a:t>
+            </a:r>
+            <a:r>
+              <a:rPr lang="en-US" baseline="0" dirty="0" smtClean="0"/>
+              <a:t> </a:t>
+            </a:r>
+            <a:r>
+              <a:rPr lang="en-US" baseline="0" dirty="0" err="1" smtClean="0"/>
+              <a:t>thường</a:t>
+            </a:r>
+            <a:r>
+              <a:rPr lang="en-US" baseline="0" dirty="0" smtClean="0"/>
+              <a:t> </a:t>
+            </a:r>
+            <a:r>
+              <a:rPr lang="en-US" baseline="0" dirty="0" err="1" smtClean="0"/>
+              <a:t>tham</a:t>
+            </a:r>
+            <a:r>
+              <a:rPr lang="en-US" baseline="0" dirty="0" smtClean="0"/>
+              <a:t> </a:t>
+            </a:r>
+            <a:r>
+              <a:rPr lang="en-US" baseline="0" dirty="0" err="1" smtClean="0"/>
+              <a:t>gia</a:t>
+            </a:r>
+            <a:r>
+              <a:rPr lang="en-US" baseline="0" dirty="0" smtClean="0"/>
+              <a:t> </a:t>
+            </a:r>
+            <a:r>
+              <a:rPr lang="en-US" baseline="0" dirty="0" err="1" smtClean="0"/>
+              <a:t>giao</a:t>
+            </a:r>
+            <a:r>
+              <a:rPr lang="en-US" baseline="0" dirty="0" smtClean="0"/>
+              <a:t> </a:t>
+            </a:r>
+            <a:r>
+              <a:rPr lang="en-US" baseline="0" dirty="0" err="1" smtClean="0"/>
+              <a:t>thông</a:t>
+            </a:r>
+            <a:r>
+              <a:rPr lang="en-US" baseline="0" dirty="0" smtClean="0"/>
+              <a:t> </a:t>
+            </a:r>
+            <a:r>
+              <a:rPr lang="en-US" baseline="0" dirty="0" err="1" smtClean="0"/>
+              <a:t>với</a:t>
+            </a:r>
+            <a:r>
+              <a:rPr lang="en-US" baseline="0" dirty="0" smtClean="0"/>
+              <a:t> </a:t>
+            </a:r>
+            <a:r>
+              <a:rPr lang="en-US" baseline="0" dirty="0" err="1" smtClean="0"/>
+              <a:t>tốc</a:t>
+            </a:r>
+            <a:r>
+              <a:rPr lang="en-US" baseline="0" dirty="0" smtClean="0"/>
+              <a:t> </a:t>
+            </a:r>
+            <a:r>
+              <a:rPr lang="en-US" baseline="0" dirty="0" err="1" smtClean="0"/>
+              <a:t>độ</a:t>
+            </a:r>
+            <a:r>
+              <a:rPr lang="en-US" baseline="0" dirty="0" smtClean="0"/>
+              <a:t> </a:t>
+            </a:r>
+            <a:r>
+              <a:rPr lang="en-US" baseline="0" dirty="0" err="1" smtClean="0"/>
+              <a:t>kinh</a:t>
+            </a:r>
+            <a:r>
+              <a:rPr lang="en-US" baseline="0" dirty="0" smtClean="0"/>
+              <a:t> </a:t>
+            </a:r>
+            <a:r>
+              <a:rPr lang="en-US" baseline="0" dirty="0" err="1" smtClean="0"/>
+              <a:t>hoàng</a:t>
+            </a:r>
+            <a:r>
+              <a:rPr lang="en-US" baseline="0" dirty="0" smtClean="0"/>
+              <a:t>.</a:t>
+            </a:r>
             <a:endParaRPr lang="en-US" dirty="0"/>
           </a:p>
         </p:txBody>
@@ -559,6 +837,1719 @@
     <p:extLst>
       <p:ext uri="{BB962C8B-B14F-4D97-AF65-F5344CB8AC3E}">
         <p14:creationId xmlns:p14="http://schemas.microsoft.com/office/powerpoint/2010/main" val="670767142"/>
+      </p:ext>
+    </p:extLst>
+  </p:cSld>
+  <p:clrMapOvr>
+    <a:masterClrMapping/>
+  </p:clrMapOvr>
+</p:notes>
+</file>
+
+<file path=ppt/notesSlides/notesSlide10.xml><?xml version="1.0" encoding="utf-8"?>
+<p:notes xmlns:a="http://schemas.openxmlformats.org/drawingml/2006/main" xmlns:r="http://schemas.openxmlformats.org/officeDocument/2006/relationships" xmlns:p="http://schemas.openxmlformats.org/presentationml/2006/main">
+  <p:cSld>
+    <p:spTree>
+      <p:nvGrpSpPr>
+        <p:cNvPr id="1" name=""/>
+        <p:cNvGrpSpPr/>
+        <p:nvPr/>
+      </p:nvGrpSpPr>
+      <p:grpSpPr>
+        <a:xfrm>
+          <a:off x="0" y="0"/>
+          <a:ext cx="0" cy="0"/>
+          <a:chOff x="0" y="0"/>
+          <a:chExt cx="0" cy="0"/>
+        </a:xfrm>
+      </p:grpSpPr>
+      <p:sp>
+        <p:nvSpPr>
+          <p:cNvPr id="2" name="Slide Image Placeholder 1"/>
+          <p:cNvSpPr>
+            <a:spLocks noGrp="1" noRot="1" noChangeAspect="1"/>
+          </p:cNvSpPr>
+          <p:nvPr>
+            <p:ph type="sldImg"/>
+          </p:nvPr>
+        </p:nvSpPr>
+        <p:spPr/>
+      </p:sp>
+      <p:sp>
+        <p:nvSpPr>
+          <p:cNvPr id="3" name="Notes Placeholder 2"/>
+          <p:cNvSpPr>
+            <a:spLocks noGrp="1"/>
+          </p:cNvSpPr>
+          <p:nvPr>
+            <p:ph type="body" idx="1"/>
+          </p:nvPr>
+        </p:nvSpPr>
+        <p:spPr/>
+        <p:txBody>
+          <a:bodyPr/>
+          <a:lstStyle/>
+          <a:p>
+            <a:r>
+              <a:rPr lang="en-US" dirty="0" err="1" smtClean="0"/>
+              <a:t>Người</a:t>
+            </a:r>
+            <a:r>
+              <a:rPr lang="en-US" dirty="0" smtClean="0"/>
+              <a:t> dung</a:t>
+            </a:r>
+            <a:r>
+              <a:rPr lang="en-US" baseline="0" dirty="0" smtClean="0"/>
+              <a:t> </a:t>
+            </a:r>
+            <a:r>
+              <a:rPr lang="en-US" baseline="0" dirty="0" err="1" smtClean="0"/>
+              <a:t>tiếp</a:t>
+            </a:r>
+            <a:r>
+              <a:rPr lang="en-US" baseline="0" dirty="0" smtClean="0"/>
+              <a:t> </a:t>
+            </a:r>
+            <a:r>
+              <a:rPr lang="en-US" baseline="0" dirty="0" err="1" smtClean="0"/>
+              <a:t>tục</a:t>
+            </a:r>
+            <a:r>
+              <a:rPr lang="en-US" baseline="0" dirty="0" smtClean="0"/>
+              <a:t> di </a:t>
+            </a:r>
+            <a:r>
+              <a:rPr lang="en-US" baseline="0" dirty="0" err="1" smtClean="0"/>
+              <a:t>chuyển</a:t>
+            </a:r>
+            <a:r>
+              <a:rPr lang="en-US" baseline="0" dirty="0" smtClean="0"/>
+              <a:t> </a:t>
+            </a:r>
+            <a:r>
+              <a:rPr lang="en-US" baseline="0" dirty="0" err="1" smtClean="0"/>
+              <a:t>và</a:t>
+            </a:r>
+            <a:r>
+              <a:rPr lang="en-US" baseline="0" dirty="0" smtClean="0"/>
+              <a:t> </a:t>
+            </a:r>
+            <a:r>
+              <a:rPr lang="en-US" baseline="0" dirty="0" err="1" smtClean="0"/>
+              <a:t>hệ</a:t>
+            </a:r>
+            <a:r>
+              <a:rPr lang="en-US" baseline="0" dirty="0" smtClean="0"/>
+              <a:t> </a:t>
+            </a:r>
+            <a:r>
+              <a:rPr lang="en-US" baseline="0" dirty="0" err="1" smtClean="0"/>
+              <a:t>thống</a:t>
+            </a:r>
+            <a:r>
+              <a:rPr lang="en-US" baseline="0" dirty="0" smtClean="0"/>
+              <a:t> </a:t>
+            </a:r>
+            <a:r>
+              <a:rPr lang="en-US" baseline="0" dirty="0" err="1" smtClean="0"/>
+              <a:t>nhận</a:t>
+            </a:r>
+            <a:r>
+              <a:rPr lang="en-US" baseline="0" dirty="0" smtClean="0"/>
+              <a:t> </a:t>
+            </a:r>
+            <a:r>
+              <a:rPr lang="en-US" baseline="0" dirty="0" err="1" smtClean="0"/>
+              <a:t>thấy</a:t>
+            </a:r>
+            <a:r>
+              <a:rPr lang="en-US" baseline="0" dirty="0" smtClean="0"/>
+              <a:t> </a:t>
+            </a:r>
+            <a:r>
+              <a:rPr lang="en-US" baseline="0" dirty="0" err="1" smtClean="0"/>
+              <a:t>khoảng</a:t>
+            </a:r>
+            <a:r>
+              <a:rPr lang="en-US" baseline="0" dirty="0" smtClean="0"/>
+              <a:t> </a:t>
+            </a:r>
+            <a:r>
+              <a:rPr lang="en-US" baseline="0" dirty="0" err="1" smtClean="0"/>
+              <a:t>cách</a:t>
+            </a:r>
+            <a:r>
+              <a:rPr lang="en-US" baseline="0" dirty="0" smtClean="0"/>
+              <a:t> </a:t>
+            </a:r>
+            <a:r>
+              <a:rPr lang="en-US" baseline="0" dirty="0" err="1" smtClean="0"/>
+              <a:t>của</a:t>
+            </a:r>
+            <a:r>
+              <a:rPr lang="en-US" baseline="0" dirty="0" smtClean="0"/>
+              <a:t> </a:t>
+            </a:r>
+            <a:r>
+              <a:rPr lang="en-US" baseline="0" dirty="0" err="1" smtClean="0"/>
+              <a:t>người</a:t>
+            </a:r>
+            <a:r>
+              <a:rPr lang="en-US" baseline="0" dirty="0" smtClean="0"/>
+              <a:t> dung </a:t>
+            </a:r>
+            <a:r>
+              <a:rPr lang="en-US" baseline="0" dirty="0" err="1" smtClean="0"/>
+              <a:t>tới</a:t>
+            </a:r>
+            <a:r>
+              <a:rPr lang="en-US" baseline="0" dirty="0" smtClean="0"/>
+              <a:t> </a:t>
+            </a:r>
+            <a:r>
+              <a:rPr lang="en-US" baseline="0" dirty="0" err="1" smtClean="0"/>
+              <a:t>đoạn</a:t>
+            </a:r>
+            <a:r>
+              <a:rPr lang="en-US" baseline="0" dirty="0" smtClean="0"/>
+              <a:t> </a:t>
+            </a:r>
+            <a:r>
+              <a:rPr lang="en-US" baseline="0" dirty="0" err="1" smtClean="0"/>
+              <a:t>đường</a:t>
+            </a:r>
+            <a:r>
+              <a:rPr lang="en-US" baseline="0" dirty="0" smtClean="0"/>
+              <a:t> </a:t>
+            </a:r>
+            <a:r>
+              <a:rPr lang="en-US" baseline="0" dirty="0" err="1" smtClean="0"/>
+              <a:t>hiện</a:t>
+            </a:r>
+            <a:r>
+              <a:rPr lang="en-US" baseline="0" dirty="0" smtClean="0"/>
+              <a:t> </a:t>
+            </a:r>
+            <a:r>
+              <a:rPr lang="en-US" baseline="0" dirty="0" err="1" smtClean="0"/>
+              <a:t>tại</a:t>
+            </a:r>
+            <a:r>
+              <a:rPr lang="en-US" baseline="0" dirty="0" smtClean="0"/>
+              <a:t> </a:t>
+            </a:r>
+            <a:r>
+              <a:rPr lang="en-US" baseline="0" dirty="0" err="1" smtClean="0"/>
+              <a:t>vượt</a:t>
+            </a:r>
+            <a:r>
+              <a:rPr lang="en-US" baseline="0" dirty="0" smtClean="0"/>
+              <a:t> qua </a:t>
+            </a:r>
+            <a:r>
+              <a:rPr lang="en-US" baseline="0" dirty="0" err="1" smtClean="0"/>
+              <a:t>độ</a:t>
+            </a:r>
+            <a:r>
+              <a:rPr lang="en-US" baseline="0" dirty="0" smtClean="0"/>
+              <a:t> </a:t>
+            </a:r>
+            <a:r>
+              <a:rPr lang="en-US" baseline="0" dirty="0" err="1" smtClean="0"/>
+              <a:t>dài</a:t>
+            </a:r>
+            <a:r>
+              <a:rPr lang="en-US" baseline="0" dirty="0" smtClean="0"/>
+              <a:t> </a:t>
+            </a:r>
+            <a:r>
+              <a:rPr lang="en-US" baseline="0" dirty="0" err="1" smtClean="0"/>
+              <a:t>cho</a:t>
+            </a:r>
+            <a:r>
+              <a:rPr lang="en-US" baseline="0" dirty="0" smtClean="0"/>
+              <a:t> </a:t>
+            </a:r>
+            <a:r>
+              <a:rPr lang="en-US" baseline="0" dirty="0" err="1" smtClean="0"/>
+              <a:t>phép</a:t>
+            </a:r>
+            <a:r>
+              <a:rPr lang="en-US" baseline="0" dirty="0" smtClean="0"/>
+              <a:t>.</a:t>
+            </a:r>
+          </a:p>
+          <a:p>
+            <a:endParaRPr lang="en-US" dirty="0"/>
+          </a:p>
+        </p:txBody>
+      </p:sp>
+      <p:sp>
+        <p:nvSpPr>
+          <p:cNvPr id="4" name="Slide Number Placeholder 3"/>
+          <p:cNvSpPr>
+            <a:spLocks noGrp="1"/>
+          </p:cNvSpPr>
+          <p:nvPr>
+            <p:ph type="sldNum" sz="quarter" idx="10"/>
+          </p:nvPr>
+        </p:nvSpPr>
+        <p:spPr/>
+        <p:txBody>
+          <a:bodyPr/>
+          <a:lstStyle/>
+          <a:p>
+            <a:fld id="{09B67DCC-AD2A-8049-A5FE-090E7CFEAD6D}" type="slidenum">
+              <a:rPr lang="en-US" smtClean="0"/>
+              <a:t>10</a:t>
+            </a:fld>
+            <a:endParaRPr lang="en-US"/>
+          </a:p>
+        </p:txBody>
+      </p:sp>
+    </p:spTree>
+    <p:extLst>
+      <p:ext uri="{BB962C8B-B14F-4D97-AF65-F5344CB8AC3E}">
+        <p14:creationId xmlns:p14="http://schemas.microsoft.com/office/powerpoint/2010/main" val="1023207675"/>
+      </p:ext>
+    </p:extLst>
+  </p:cSld>
+  <p:clrMapOvr>
+    <a:masterClrMapping/>
+  </p:clrMapOvr>
+</p:notes>
+</file>
+
+<file path=ppt/notesSlides/notesSlide11.xml><?xml version="1.0" encoding="utf-8"?>
+<p:notes xmlns:a="http://schemas.openxmlformats.org/drawingml/2006/main" xmlns:r="http://schemas.openxmlformats.org/officeDocument/2006/relationships" xmlns:p="http://schemas.openxmlformats.org/presentationml/2006/main">
+  <p:cSld>
+    <p:spTree>
+      <p:nvGrpSpPr>
+        <p:cNvPr id="1" name=""/>
+        <p:cNvGrpSpPr/>
+        <p:nvPr/>
+      </p:nvGrpSpPr>
+      <p:grpSpPr>
+        <a:xfrm>
+          <a:off x="0" y="0"/>
+          <a:ext cx="0" cy="0"/>
+          <a:chOff x="0" y="0"/>
+          <a:chExt cx="0" cy="0"/>
+        </a:xfrm>
+      </p:grpSpPr>
+      <p:sp>
+        <p:nvSpPr>
+          <p:cNvPr id="2" name="Slide Image Placeholder 1"/>
+          <p:cNvSpPr>
+            <a:spLocks noGrp="1" noRot="1" noChangeAspect="1"/>
+          </p:cNvSpPr>
+          <p:nvPr>
+            <p:ph type="sldImg"/>
+          </p:nvPr>
+        </p:nvSpPr>
+        <p:spPr/>
+      </p:sp>
+      <p:sp>
+        <p:nvSpPr>
+          <p:cNvPr id="3" name="Notes Placeholder 2"/>
+          <p:cNvSpPr>
+            <a:spLocks noGrp="1"/>
+          </p:cNvSpPr>
+          <p:nvPr>
+            <p:ph type="body" idx="1"/>
+          </p:nvPr>
+        </p:nvSpPr>
+        <p:spPr/>
+        <p:txBody>
+          <a:bodyPr/>
+          <a:lstStyle/>
+          <a:p>
+            <a:r>
+              <a:rPr lang="en-US" dirty="0" err="1" smtClean="0"/>
+              <a:t>Hệ</a:t>
+            </a:r>
+            <a:r>
+              <a:rPr lang="en-US" dirty="0" smtClean="0"/>
+              <a:t> </a:t>
+            </a:r>
+            <a:r>
+              <a:rPr lang="en-US" dirty="0" err="1" smtClean="0"/>
+              <a:t>thống</a:t>
+            </a:r>
+            <a:r>
+              <a:rPr lang="en-US" baseline="0" dirty="0" smtClean="0"/>
+              <a:t> </a:t>
+            </a:r>
+            <a:r>
+              <a:rPr lang="en-US" baseline="0" dirty="0" err="1" smtClean="0"/>
+              <a:t>thông</a:t>
+            </a:r>
+            <a:r>
+              <a:rPr lang="en-US" baseline="0" dirty="0" smtClean="0"/>
+              <a:t> </a:t>
+            </a:r>
+            <a:r>
+              <a:rPr lang="en-US" baseline="0" dirty="0" err="1" smtClean="0"/>
+              <a:t>báo</a:t>
+            </a:r>
+            <a:r>
+              <a:rPr lang="en-US" baseline="0" dirty="0" smtClean="0"/>
+              <a:t> </a:t>
+            </a:r>
+            <a:r>
+              <a:rPr lang="en-US" baseline="0" dirty="0" err="1" smtClean="0"/>
+              <a:t>cho</a:t>
+            </a:r>
+            <a:r>
+              <a:rPr lang="en-US" baseline="0" dirty="0" smtClean="0"/>
+              <a:t> </a:t>
+            </a:r>
+            <a:r>
+              <a:rPr lang="en-US" baseline="0" dirty="0" err="1" smtClean="0"/>
+              <a:t>người</a:t>
+            </a:r>
+            <a:r>
+              <a:rPr lang="en-US" baseline="0" dirty="0" smtClean="0"/>
+              <a:t> dung </a:t>
+            </a:r>
+            <a:r>
+              <a:rPr lang="en-US" baseline="0" dirty="0" err="1" smtClean="0"/>
+              <a:t>biết</a:t>
+            </a:r>
+            <a:r>
+              <a:rPr lang="en-US" baseline="0" dirty="0" smtClean="0"/>
+              <a:t> </a:t>
+            </a:r>
+            <a:r>
+              <a:rPr lang="en-US" baseline="0" dirty="0" err="1" smtClean="0"/>
+              <a:t>họ</a:t>
+            </a:r>
+            <a:r>
+              <a:rPr lang="en-US" baseline="0" dirty="0" smtClean="0"/>
+              <a:t> </a:t>
+            </a:r>
+            <a:r>
+              <a:rPr lang="en-US" baseline="0" dirty="0" err="1" smtClean="0"/>
+              <a:t>đang</a:t>
+            </a:r>
+            <a:r>
+              <a:rPr lang="en-US" baseline="0" dirty="0" smtClean="0"/>
+              <a:t> </a:t>
+            </a:r>
+            <a:r>
+              <a:rPr lang="en-US" baseline="0" dirty="0" err="1" smtClean="0"/>
+              <a:t>đi</a:t>
+            </a:r>
+            <a:r>
+              <a:rPr lang="en-US" baseline="0" dirty="0" smtClean="0"/>
+              <a:t> </a:t>
+            </a:r>
+            <a:r>
+              <a:rPr lang="en-US" baseline="0" dirty="0" err="1" smtClean="0"/>
+              <a:t>sai</a:t>
+            </a:r>
+            <a:r>
+              <a:rPr lang="en-US" baseline="0" dirty="0" smtClean="0"/>
+              <a:t> </a:t>
+            </a:r>
+            <a:r>
+              <a:rPr lang="en-US" baseline="0" dirty="0" err="1" smtClean="0"/>
+              <a:t>đường</a:t>
+            </a:r>
+            <a:r>
+              <a:rPr lang="en-US" baseline="0" dirty="0" smtClean="0"/>
+              <a:t> </a:t>
+            </a:r>
+            <a:r>
+              <a:rPr lang="en-US" baseline="0" dirty="0" err="1" smtClean="0"/>
+              <a:t>và</a:t>
+            </a:r>
+            <a:r>
+              <a:rPr lang="en-US" baseline="0" dirty="0" smtClean="0"/>
+              <a:t> </a:t>
+            </a:r>
+            <a:r>
+              <a:rPr lang="en-US" baseline="0" dirty="0" err="1" smtClean="0"/>
+              <a:t>chuyển</a:t>
+            </a:r>
+            <a:r>
+              <a:rPr lang="en-US" baseline="0" dirty="0" smtClean="0"/>
+              <a:t> </a:t>
+            </a:r>
+            <a:r>
+              <a:rPr lang="en-US" baseline="0" dirty="0" err="1" smtClean="0"/>
+              <a:t>người</a:t>
+            </a:r>
+            <a:r>
+              <a:rPr lang="en-US" baseline="0" dirty="0" smtClean="0"/>
+              <a:t> dung sang </a:t>
+            </a:r>
+            <a:r>
+              <a:rPr lang="en-US" baseline="0" dirty="0" err="1" smtClean="0"/>
+              <a:t>trạng</a:t>
+            </a:r>
+            <a:r>
+              <a:rPr lang="en-US" baseline="0" dirty="0" smtClean="0"/>
+              <a:t> </a:t>
+            </a:r>
+            <a:r>
+              <a:rPr lang="en-US" baseline="0" dirty="0" err="1" smtClean="0"/>
+              <a:t>thái</a:t>
+            </a:r>
+            <a:r>
+              <a:rPr lang="en-US" baseline="0" dirty="0" smtClean="0"/>
+              <a:t> </a:t>
+            </a:r>
+            <a:r>
+              <a:rPr lang="en-US" baseline="0" dirty="0" err="1" smtClean="0"/>
+              <a:t>sai</a:t>
+            </a:r>
+            <a:r>
+              <a:rPr lang="en-US" baseline="0" dirty="0" smtClean="0"/>
+              <a:t> </a:t>
+            </a:r>
+            <a:r>
+              <a:rPr lang="en-US" baseline="0" dirty="0" err="1" smtClean="0"/>
+              <a:t>đường</a:t>
+            </a:r>
+            <a:r>
+              <a:rPr lang="en-US" baseline="0" dirty="0" smtClean="0"/>
+              <a:t>.</a:t>
+            </a:r>
+            <a:endParaRPr lang="en-US" dirty="0"/>
+          </a:p>
+        </p:txBody>
+      </p:sp>
+      <p:sp>
+        <p:nvSpPr>
+          <p:cNvPr id="4" name="Slide Number Placeholder 3"/>
+          <p:cNvSpPr>
+            <a:spLocks noGrp="1"/>
+          </p:cNvSpPr>
+          <p:nvPr>
+            <p:ph type="sldNum" sz="quarter" idx="10"/>
+          </p:nvPr>
+        </p:nvSpPr>
+        <p:spPr/>
+        <p:txBody>
+          <a:bodyPr/>
+          <a:lstStyle/>
+          <a:p>
+            <a:fld id="{09B67DCC-AD2A-8049-A5FE-090E7CFEAD6D}" type="slidenum">
+              <a:rPr lang="en-US" smtClean="0"/>
+              <a:t>11</a:t>
+            </a:fld>
+            <a:endParaRPr lang="en-US"/>
+          </a:p>
+        </p:txBody>
+      </p:sp>
+    </p:spTree>
+    <p:extLst>
+      <p:ext uri="{BB962C8B-B14F-4D97-AF65-F5344CB8AC3E}">
+        <p14:creationId xmlns:p14="http://schemas.microsoft.com/office/powerpoint/2010/main" val="828384160"/>
+      </p:ext>
+    </p:extLst>
+  </p:cSld>
+  <p:clrMapOvr>
+    <a:masterClrMapping/>
+  </p:clrMapOvr>
+</p:notes>
+</file>
+
+<file path=ppt/notesSlides/notesSlide12.xml><?xml version="1.0" encoding="utf-8"?>
+<p:notes xmlns:a="http://schemas.openxmlformats.org/drawingml/2006/main" xmlns:r="http://schemas.openxmlformats.org/officeDocument/2006/relationships" xmlns:p="http://schemas.openxmlformats.org/presentationml/2006/main">
+  <p:cSld>
+    <p:spTree>
+      <p:nvGrpSpPr>
+        <p:cNvPr id="1" name=""/>
+        <p:cNvGrpSpPr/>
+        <p:nvPr/>
+      </p:nvGrpSpPr>
+      <p:grpSpPr>
+        <a:xfrm>
+          <a:off x="0" y="0"/>
+          <a:ext cx="0" cy="0"/>
+          <a:chOff x="0" y="0"/>
+          <a:chExt cx="0" cy="0"/>
+        </a:xfrm>
+      </p:grpSpPr>
+      <p:sp>
+        <p:nvSpPr>
+          <p:cNvPr id="2" name="Slide Image Placeholder 1"/>
+          <p:cNvSpPr>
+            <a:spLocks noGrp="1" noRot="1" noChangeAspect="1"/>
+          </p:cNvSpPr>
+          <p:nvPr>
+            <p:ph type="sldImg"/>
+          </p:nvPr>
+        </p:nvSpPr>
+        <p:spPr/>
+      </p:sp>
+      <p:sp>
+        <p:nvSpPr>
+          <p:cNvPr id="3" name="Notes Placeholder 2"/>
+          <p:cNvSpPr>
+            <a:spLocks noGrp="1"/>
+          </p:cNvSpPr>
+          <p:nvPr>
+            <p:ph type="body" idx="1"/>
+          </p:nvPr>
+        </p:nvSpPr>
+        <p:spPr/>
+        <p:txBody>
+          <a:bodyPr/>
+          <a:lstStyle/>
+          <a:p>
+            <a:r>
+              <a:rPr lang="en-US" dirty="0" err="1" smtClean="0"/>
+              <a:t>Người</a:t>
+            </a:r>
+            <a:r>
+              <a:rPr lang="en-US" dirty="0" smtClean="0"/>
+              <a:t> dung</a:t>
+            </a:r>
+            <a:r>
+              <a:rPr lang="en-US" baseline="0" dirty="0" smtClean="0"/>
+              <a:t> </a:t>
+            </a:r>
+            <a:r>
+              <a:rPr lang="en-US" baseline="0" dirty="0" err="1" smtClean="0"/>
+              <a:t>tiếp</a:t>
+            </a:r>
+            <a:r>
+              <a:rPr lang="en-US" baseline="0" dirty="0" smtClean="0"/>
+              <a:t> </a:t>
+            </a:r>
+            <a:r>
+              <a:rPr lang="en-US" baseline="0" dirty="0" err="1" smtClean="0"/>
+              <a:t>tục</a:t>
+            </a:r>
+            <a:r>
+              <a:rPr lang="en-US" baseline="0" dirty="0" smtClean="0"/>
+              <a:t> di </a:t>
+            </a:r>
+            <a:r>
+              <a:rPr lang="en-US" baseline="0" dirty="0" err="1" smtClean="0"/>
+              <a:t>chuyển</a:t>
+            </a:r>
+            <a:endParaRPr lang="en-US" baseline="0" dirty="0" smtClean="0"/>
+          </a:p>
+          <a:p>
+            <a:r>
+              <a:rPr lang="en-US" baseline="0" dirty="0" err="1" smtClean="0"/>
+              <a:t>Và</a:t>
+            </a:r>
+            <a:r>
+              <a:rPr lang="en-US" baseline="0" dirty="0" smtClean="0"/>
+              <a:t> </a:t>
+            </a:r>
+            <a:r>
+              <a:rPr lang="en-US" baseline="0" dirty="0" err="1" smtClean="0"/>
+              <a:t>khi</a:t>
+            </a:r>
+            <a:r>
+              <a:rPr lang="en-US" baseline="0" dirty="0" smtClean="0"/>
+              <a:t> ở </a:t>
+            </a:r>
+            <a:r>
+              <a:rPr lang="en-US" baseline="0" dirty="0" err="1" smtClean="0"/>
+              <a:t>trạng</a:t>
+            </a:r>
+            <a:r>
+              <a:rPr lang="en-US" baseline="0" dirty="0" smtClean="0"/>
+              <a:t> </a:t>
+            </a:r>
+            <a:r>
+              <a:rPr lang="en-US" baseline="0" dirty="0" err="1" smtClean="0"/>
+              <a:t>thái</a:t>
+            </a:r>
+            <a:r>
+              <a:rPr lang="en-US" baseline="0" dirty="0" smtClean="0"/>
+              <a:t> </a:t>
+            </a:r>
+            <a:r>
+              <a:rPr lang="en-US" baseline="0" dirty="0" err="1" smtClean="0"/>
+              <a:t>sai</a:t>
+            </a:r>
+            <a:r>
+              <a:rPr lang="en-US" baseline="0" dirty="0" smtClean="0"/>
+              <a:t> </a:t>
+            </a:r>
+            <a:r>
+              <a:rPr lang="en-US" baseline="0" dirty="0" err="1" smtClean="0"/>
+              <a:t>đường</a:t>
+            </a:r>
+            <a:r>
+              <a:rPr lang="en-US" baseline="0" dirty="0" smtClean="0"/>
+              <a:t>, </a:t>
+            </a:r>
+            <a:r>
+              <a:rPr lang="en-US" baseline="0" dirty="0" err="1" smtClean="0"/>
+              <a:t>hệ</a:t>
+            </a:r>
+            <a:r>
+              <a:rPr lang="en-US" baseline="0" dirty="0" smtClean="0"/>
+              <a:t> </a:t>
+            </a:r>
+            <a:r>
+              <a:rPr lang="en-US" baseline="0" dirty="0" err="1" smtClean="0"/>
+              <a:t>thống</a:t>
+            </a:r>
+            <a:r>
+              <a:rPr lang="en-US" baseline="0" dirty="0" smtClean="0"/>
+              <a:t> </a:t>
+            </a:r>
+            <a:r>
+              <a:rPr lang="en-US" baseline="0" dirty="0" err="1" smtClean="0"/>
+              <a:t>sẽ</a:t>
+            </a:r>
+            <a:r>
+              <a:rPr lang="en-US" baseline="0" dirty="0" smtClean="0"/>
+              <a:t> </a:t>
+            </a:r>
+            <a:r>
+              <a:rPr lang="en-US" baseline="0" dirty="0" err="1" smtClean="0"/>
+              <a:t>đo</a:t>
+            </a:r>
+            <a:r>
+              <a:rPr lang="en-US" baseline="0" dirty="0" smtClean="0"/>
+              <a:t> </a:t>
+            </a:r>
+            <a:r>
+              <a:rPr lang="en-US" baseline="0" dirty="0" err="1" smtClean="0"/>
+              <a:t>khoảng</a:t>
+            </a:r>
+            <a:r>
+              <a:rPr lang="en-US" baseline="0" dirty="0" smtClean="0"/>
+              <a:t> </a:t>
+            </a:r>
+            <a:r>
+              <a:rPr lang="en-US" baseline="0" dirty="0" err="1" smtClean="0"/>
+              <a:t>cách</a:t>
+            </a:r>
+            <a:r>
+              <a:rPr lang="en-US" baseline="0" dirty="0" smtClean="0"/>
+              <a:t> </a:t>
+            </a:r>
+            <a:r>
+              <a:rPr lang="en-US" baseline="0" dirty="0" err="1" smtClean="0"/>
+              <a:t>từ</a:t>
+            </a:r>
+            <a:r>
+              <a:rPr lang="en-US" baseline="0" dirty="0" smtClean="0"/>
+              <a:t> </a:t>
+            </a:r>
+            <a:r>
+              <a:rPr lang="en-US" baseline="0" dirty="0" err="1" smtClean="0"/>
+              <a:t>vị</a:t>
+            </a:r>
+            <a:r>
+              <a:rPr lang="en-US" baseline="0" dirty="0" smtClean="0"/>
+              <a:t> </a:t>
+            </a:r>
+            <a:r>
+              <a:rPr lang="en-US" baseline="0" dirty="0" err="1" smtClean="0"/>
+              <a:t>trí</a:t>
+            </a:r>
+            <a:r>
+              <a:rPr lang="en-US" baseline="0" dirty="0" smtClean="0"/>
+              <a:t> </a:t>
+            </a:r>
+            <a:r>
+              <a:rPr lang="en-US" baseline="0" dirty="0" err="1" smtClean="0"/>
+              <a:t>của</a:t>
+            </a:r>
+            <a:r>
+              <a:rPr lang="en-US" baseline="0" dirty="0" smtClean="0"/>
+              <a:t> </a:t>
+            </a:r>
+            <a:r>
+              <a:rPr lang="en-US" baseline="0" dirty="0" err="1" smtClean="0"/>
+              <a:t>người</a:t>
+            </a:r>
+            <a:r>
+              <a:rPr lang="en-US" baseline="0" dirty="0" smtClean="0"/>
+              <a:t> dung </a:t>
+            </a:r>
+            <a:r>
+              <a:rPr lang="en-US" baseline="0" dirty="0" err="1" smtClean="0"/>
+              <a:t>tới</a:t>
+            </a:r>
+            <a:r>
+              <a:rPr lang="en-US" baseline="0" dirty="0" smtClean="0"/>
+              <a:t> </a:t>
+            </a:r>
+            <a:r>
+              <a:rPr lang="en-US" baseline="0" dirty="0" err="1" smtClean="0"/>
+              <a:t>tất</a:t>
+            </a:r>
+            <a:r>
+              <a:rPr lang="en-US" baseline="0" dirty="0" smtClean="0"/>
+              <a:t> </a:t>
+            </a:r>
+            <a:r>
+              <a:rPr lang="en-US" baseline="0" dirty="0" err="1" smtClean="0"/>
+              <a:t>cả</a:t>
+            </a:r>
+            <a:r>
+              <a:rPr lang="en-US" baseline="0" dirty="0" smtClean="0"/>
+              <a:t> </a:t>
+            </a:r>
+            <a:r>
+              <a:rPr lang="en-US" baseline="0" dirty="0" err="1" smtClean="0"/>
+              <a:t>đoạn</a:t>
+            </a:r>
+            <a:r>
+              <a:rPr lang="en-US" baseline="0" dirty="0" smtClean="0"/>
+              <a:t> </a:t>
+            </a:r>
+            <a:r>
+              <a:rPr lang="en-US" baseline="0" dirty="0" err="1" smtClean="0"/>
+              <a:t>thẳng</a:t>
+            </a:r>
+            <a:r>
+              <a:rPr lang="en-US" baseline="0" dirty="0" smtClean="0"/>
+              <a:t> </a:t>
+            </a:r>
+            <a:r>
+              <a:rPr lang="en-US" baseline="0" dirty="0" err="1" smtClean="0"/>
+              <a:t>có</a:t>
+            </a:r>
+            <a:r>
+              <a:rPr lang="en-US" baseline="0" dirty="0" smtClean="0"/>
+              <a:t> </a:t>
+            </a:r>
+            <a:r>
+              <a:rPr lang="en-US" baseline="0" dirty="0" err="1" smtClean="0"/>
+              <a:t>trong</a:t>
+            </a:r>
+            <a:r>
+              <a:rPr lang="en-US" baseline="0" dirty="0" smtClean="0"/>
+              <a:t> </a:t>
+            </a:r>
+            <a:r>
+              <a:rPr lang="en-US" baseline="0" dirty="0" err="1" smtClean="0"/>
+              <a:t>chuyến</a:t>
+            </a:r>
+            <a:r>
+              <a:rPr lang="en-US" baseline="0" dirty="0" smtClean="0"/>
+              <a:t> </a:t>
+            </a:r>
+            <a:r>
+              <a:rPr lang="en-US" baseline="0" dirty="0" err="1" smtClean="0"/>
+              <a:t>đi</a:t>
+            </a:r>
+            <a:endParaRPr lang="en-US" dirty="0"/>
+          </a:p>
+        </p:txBody>
+      </p:sp>
+      <p:sp>
+        <p:nvSpPr>
+          <p:cNvPr id="4" name="Slide Number Placeholder 3"/>
+          <p:cNvSpPr>
+            <a:spLocks noGrp="1"/>
+          </p:cNvSpPr>
+          <p:nvPr>
+            <p:ph type="sldNum" sz="quarter" idx="10"/>
+          </p:nvPr>
+        </p:nvSpPr>
+        <p:spPr/>
+        <p:txBody>
+          <a:bodyPr/>
+          <a:lstStyle/>
+          <a:p>
+            <a:fld id="{09B67DCC-AD2A-8049-A5FE-090E7CFEAD6D}" type="slidenum">
+              <a:rPr lang="en-US" smtClean="0"/>
+              <a:t>12</a:t>
+            </a:fld>
+            <a:endParaRPr lang="en-US"/>
+          </a:p>
+        </p:txBody>
+      </p:sp>
+    </p:spTree>
+    <p:extLst>
+      <p:ext uri="{BB962C8B-B14F-4D97-AF65-F5344CB8AC3E}">
+        <p14:creationId xmlns:p14="http://schemas.microsoft.com/office/powerpoint/2010/main" val="3242920347"/>
+      </p:ext>
+    </p:extLst>
+  </p:cSld>
+  <p:clrMapOvr>
+    <a:masterClrMapping/>
+  </p:clrMapOvr>
+</p:notes>
+</file>
+
+<file path=ppt/notesSlides/notesSlide13.xml><?xml version="1.0" encoding="utf-8"?>
+<p:notes xmlns:a="http://schemas.openxmlformats.org/drawingml/2006/main" xmlns:r="http://schemas.openxmlformats.org/officeDocument/2006/relationships" xmlns:p="http://schemas.openxmlformats.org/presentationml/2006/main">
+  <p:cSld>
+    <p:spTree>
+      <p:nvGrpSpPr>
+        <p:cNvPr id="1" name=""/>
+        <p:cNvGrpSpPr/>
+        <p:nvPr/>
+      </p:nvGrpSpPr>
+      <p:grpSpPr>
+        <a:xfrm>
+          <a:off x="0" y="0"/>
+          <a:ext cx="0" cy="0"/>
+          <a:chOff x="0" y="0"/>
+          <a:chExt cx="0" cy="0"/>
+        </a:xfrm>
+      </p:grpSpPr>
+      <p:sp>
+        <p:nvSpPr>
+          <p:cNvPr id="2" name="Slide Image Placeholder 1"/>
+          <p:cNvSpPr>
+            <a:spLocks noGrp="1" noRot="1" noChangeAspect="1"/>
+          </p:cNvSpPr>
+          <p:nvPr>
+            <p:ph type="sldImg"/>
+          </p:nvPr>
+        </p:nvSpPr>
+        <p:spPr/>
+      </p:sp>
+      <p:sp>
+        <p:nvSpPr>
+          <p:cNvPr id="3" name="Notes Placeholder 2"/>
+          <p:cNvSpPr>
+            <a:spLocks noGrp="1"/>
+          </p:cNvSpPr>
+          <p:nvPr>
+            <p:ph type="body" idx="1"/>
+          </p:nvPr>
+        </p:nvSpPr>
+        <p:spPr/>
+        <p:txBody>
+          <a:bodyPr/>
+          <a:lstStyle/>
+          <a:p>
+            <a:r>
+              <a:rPr lang="en-US" dirty="0" err="1" smtClean="0"/>
+              <a:t>Tất</a:t>
+            </a:r>
+            <a:r>
+              <a:rPr lang="en-US" dirty="0" smtClean="0"/>
+              <a:t> </a:t>
+            </a:r>
+            <a:r>
+              <a:rPr lang="en-US" dirty="0" err="1" smtClean="0"/>
+              <a:t>cả</a:t>
+            </a:r>
+            <a:r>
+              <a:rPr lang="en-US" baseline="0" dirty="0" smtClean="0"/>
+              <a:t> </a:t>
+            </a:r>
+            <a:r>
+              <a:rPr lang="en-US" baseline="0" dirty="0" err="1" smtClean="0"/>
+              <a:t>khoảng</a:t>
+            </a:r>
+            <a:r>
+              <a:rPr lang="en-US" baseline="0" dirty="0" smtClean="0"/>
+              <a:t> </a:t>
+            </a:r>
+            <a:r>
+              <a:rPr lang="en-US" baseline="0" dirty="0" err="1" smtClean="0"/>
+              <a:t>cách</a:t>
+            </a:r>
+            <a:r>
+              <a:rPr lang="en-US" baseline="0" dirty="0" smtClean="0"/>
+              <a:t> </a:t>
+            </a:r>
+            <a:r>
+              <a:rPr lang="en-US" baseline="0" dirty="0" err="1" smtClean="0"/>
+              <a:t>đều</a:t>
+            </a:r>
+            <a:r>
+              <a:rPr lang="en-US" baseline="0" dirty="0" smtClean="0"/>
+              <a:t> </a:t>
+            </a:r>
+            <a:r>
+              <a:rPr lang="en-US" baseline="0" dirty="0" err="1" smtClean="0"/>
+              <a:t>nằm</a:t>
+            </a:r>
+            <a:r>
+              <a:rPr lang="en-US" baseline="0" dirty="0" smtClean="0"/>
+              <a:t> </a:t>
+            </a:r>
+            <a:r>
+              <a:rPr lang="en-US" baseline="0" dirty="0" err="1" smtClean="0"/>
+              <a:t>ngoài</a:t>
+            </a:r>
+            <a:r>
+              <a:rPr lang="en-US" baseline="0" dirty="0" smtClean="0"/>
+              <a:t> </a:t>
+            </a:r>
+            <a:r>
+              <a:rPr lang="en-US" baseline="0" dirty="0" err="1" smtClean="0"/>
+              <a:t>độ</a:t>
+            </a:r>
+            <a:r>
+              <a:rPr lang="en-US" baseline="0" dirty="0" smtClean="0"/>
+              <a:t> </a:t>
+            </a:r>
+            <a:r>
+              <a:rPr lang="en-US" baseline="0" dirty="0" err="1" smtClean="0"/>
+              <a:t>dài</a:t>
+            </a:r>
+            <a:r>
+              <a:rPr lang="en-US" baseline="0" dirty="0" smtClean="0"/>
+              <a:t> </a:t>
+            </a:r>
+            <a:r>
+              <a:rPr lang="en-US" baseline="0" dirty="0" err="1" smtClean="0"/>
+              <a:t>cho</a:t>
+            </a:r>
+            <a:r>
+              <a:rPr lang="en-US" baseline="0" dirty="0" smtClean="0"/>
+              <a:t> </a:t>
+            </a:r>
+            <a:r>
+              <a:rPr lang="en-US" baseline="0" dirty="0" err="1" smtClean="0"/>
+              <a:t>phép</a:t>
+            </a:r>
+            <a:endParaRPr lang="en-US" dirty="0"/>
+          </a:p>
+        </p:txBody>
+      </p:sp>
+      <p:sp>
+        <p:nvSpPr>
+          <p:cNvPr id="4" name="Slide Number Placeholder 3"/>
+          <p:cNvSpPr>
+            <a:spLocks noGrp="1"/>
+          </p:cNvSpPr>
+          <p:nvPr>
+            <p:ph type="sldNum" sz="quarter" idx="10"/>
+          </p:nvPr>
+        </p:nvSpPr>
+        <p:spPr/>
+        <p:txBody>
+          <a:bodyPr/>
+          <a:lstStyle/>
+          <a:p>
+            <a:fld id="{09B67DCC-AD2A-8049-A5FE-090E7CFEAD6D}" type="slidenum">
+              <a:rPr lang="en-US" smtClean="0"/>
+              <a:t>16</a:t>
+            </a:fld>
+            <a:endParaRPr lang="en-US"/>
+          </a:p>
+        </p:txBody>
+      </p:sp>
+    </p:spTree>
+    <p:extLst>
+      <p:ext uri="{BB962C8B-B14F-4D97-AF65-F5344CB8AC3E}">
+        <p14:creationId xmlns:p14="http://schemas.microsoft.com/office/powerpoint/2010/main" val="1386376476"/>
+      </p:ext>
+    </p:extLst>
+  </p:cSld>
+  <p:clrMapOvr>
+    <a:masterClrMapping/>
+  </p:clrMapOvr>
+</p:notes>
+</file>
+
+<file path=ppt/notesSlides/notesSlide14.xml><?xml version="1.0" encoding="utf-8"?>
+<p:notes xmlns:a="http://schemas.openxmlformats.org/drawingml/2006/main" xmlns:r="http://schemas.openxmlformats.org/officeDocument/2006/relationships" xmlns:p="http://schemas.openxmlformats.org/presentationml/2006/main">
+  <p:cSld>
+    <p:spTree>
+      <p:nvGrpSpPr>
+        <p:cNvPr id="1" name=""/>
+        <p:cNvGrpSpPr/>
+        <p:nvPr/>
+      </p:nvGrpSpPr>
+      <p:grpSpPr>
+        <a:xfrm>
+          <a:off x="0" y="0"/>
+          <a:ext cx="0" cy="0"/>
+          <a:chOff x="0" y="0"/>
+          <a:chExt cx="0" cy="0"/>
+        </a:xfrm>
+      </p:grpSpPr>
+      <p:sp>
+        <p:nvSpPr>
+          <p:cNvPr id="2" name="Slide Image Placeholder 1"/>
+          <p:cNvSpPr>
+            <a:spLocks noGrp="1" noRot="1" noChangeAspect="1"/>
+          </p:cNvSpPr>
+          <p:nvPr>
+            <p:ph type="sldImg"/>
+          </p:nvPr>
+        </p:nvSpPr>
+        <p:spPr/>
+      </p:sp>
+      <p:sp>
+        <p:nvSpPr>
+          <p:cNvPr id="3" name="Notes Placeholder 2"/>
+          <p:cNvSpPr>
+            <a:spLocks noGrp="1"/>
+          </p:cNvSpPr>
+          <p:nvPr>
+            <p:ph type="body" idx="1"/>
+          </p:nvPr>
+        </p:nvSpPr>
+        <p:spPr/>
+        <p:txBody>
+          <a:bodyPr/>
+          <a:lstStyle/>
+          <a:p>
+            <a:r>
+              <a:rPr lang="en-US" dirty="0" err="1" smtClean="0"/>
+              <a:t>Người</a:t>
+            </a:r>
+            <a:r>
+              <a:rPr lang="en-US" dirty="0" smtClean="0"/>
+              <a:t> dung</a:t>
+            </a:r>
+            <a:r>
+              <a:rPr lang="en-US" baseline="0" dirty="0" smtClean="0"/>
+              <a:t> </a:t>
+            </a:r>
+            <a:r>
+              <a:rPr lang="en-US" baseline="0" dirty="0" err="1" smtClean="0"/>
+              <a:t>tiếp</a:t>
+            </a:r>
+            <a:r>
+              <a:rPr lang="en-US" baseline="0" dirty="0" smtClean="0"/>
+              <a:t> </a:t>
+            </a:r>
+            <a:r>
+              <a:rPr lang="en-US" baseline="0" dirty="0" err="1" smtClean="0"/>
+              <a:t>tục</a:t>
+            </a:r>
+            <a:r>
+              <a:rPr lang="en-US" baseline="0" dirty="0" smtClean="0"/>
+              <a:t> di </a:t>
+            </a:r>
+            <a:r>
+              <a:rPr lang="en-US" baseline="0" dirty="0" err="1" smtClean="0"/>
+              <a:t>chuyển</a:t>
+            </a:r>
+            <a:endParaRPr lang="en-US" dirty="0"/>
+          </a:p>
+        </p:txBody>
+      </p:sp>
+      <p:sp>
+        <p:nvSpPr>
+          <p:cNvPr id="4" name="Slide Number Placeholder 3"/>
+          <p:cNvSpPr>
+            <a:spLocks noGrp="1"/>
+          </p:cNvSpPr>
+          <p:nvPr>
+            <p:ph type="sldNum" sz="quarter" idx="10"/>
+          </p:nvPr>
+        </p:nvSpPr>
+        <p:spPr/>
+        <p:txBody>
+          <a:bodyPr/>
+          <a:lstStyle/>
+          <a:p>
+            <a:fld id="{09B67DCC-AD2A-8049-A5FE-090E7CFEAD6D}" type="slidenum">
+              <a:rPr lang="en-US" smtClean="0"/>
+              <a:t>17</a:t>
+            </a:fld>
+            <a:endParaRPr lang="en-US"/>
+          </a:p>
+        </p:txBody>
+      </p:sp>
+    </p:spTree>
+    <p:extLst>
+      <p:ext uri="{BB962C8B-B14F-4D97-AF65-F5344CB8AC3E}">
+        <p14:creationId xmlns:p14="http://schemas.microsoft.com/office/powerpoint/2010/main" val="3820785690"/>
+      </p:ext>
+    </p:extLst>
+  </p:cSld>
+  <p:clrMapOvr>
+    <a:masterClrMapping/>
+  </p:clrMapOvr>
+</p:notes>
+</file>
+
+<file path=ppt/notesSlides/notesSlide15.xml><?xml version="1.0" encoding="utf-8"?>
+<p:notes xmlns:a="http://schemas.openxmlformats.org/drawingml/2006/main" xmlns:r="http://schemas.openxmlformats.org/officeDocument/2006/relationships" xmlns:p="http://schemas.openxmlformats.org/presentationml/2006/main">
+  <p:cSld>
+    <p:spTree>
+      <p:nvGrpSpPr>
+        <p:cNvPr id="1" name=""/>
+        <p:cNvGrpSpPr/>
+        <p:nvPr/>
+      </p:nvGrpSpPr>
+      <p:grpSpPr>
+        <a:xfrm>
+          <a:off x="0" y="0"/>
+          <a:ext cx="0" cy="0"/>
+          <a:chOff x="0" y="0"/>
+          <a:chExt cx="0" cy="0"/>
+        </a:xfrm>
+      </p:grpSpPr>
+      <p:sp>
+        <p:nvSpPr>
+          <p:cNvPr id="2" name="Slide Image Placeholder 1"/>
+          <p:cNvSpPr>
+            <a:spLocks noGrp="1" noRot="1" noChangeAspect="1"/>
+          </p:cNvSpPr>
+          <p:nvPr>
+            <p:ph type="sldImg"/>
+          </p:nvPr>
+        </p:nvSpPr>
+        <p:spPr/>
+      </p:sp>
+      <p:sp>
+        <p:nvSpPr>
+          <p:cNvPr id="3" name="Notes Placeholder 2"/>
+          <p:cNvSpPr>
+            <a:spLocks noGrp="1"/>
+          </p:cNvSpPr>
+          <p:nvPr>
+            <p:ph type="body" idx="1"/>
+          </p:nvPr>
+        </p:nvSpPr>
+        <p:spPr/>
+        <p:txBody>
+          <a:bodyPr/>
+          <a:lstStyle/>
+          <a:p>
+            <a:r>
+              <a:rPr lang="en-US" dirty="0" err="1" smtClean="0"/>
+              <a:t>Hệ</a:t>
+            </a:r>
+            <a:r>
+              <a:rPr lang="en-US" dirty="0" smtClean="0"/>
+              <a:t> </a:t>
+            </a:r>
+            <a:r>
+              <a:rPr lang="en-US" dirty="0" err="1" smtClean="0"/>
+              <a:t>thống</a:t>
+            </a:r>
+            <a:r>
+              <a:rPr lang="en-US" baseline="0" dirty="0" smtClean="0"/>
+              <a:t> </a:t>
+            </a:r>
+            <a:r>
+              <a:rPr lang="en-US" baseline="0" dirty="0" err="1" smtClean="0"/>
+              <a:t>phát</a:t>
+            </a:r>
+            <a:r>
+              <a:rPr lang="en-US" baseline="0" dirty="0" smtClean="0"/>
+              <a:t> </a:t>
+            </a:r>
+            <a:r>
+              <a:rPr lang="en-US" baseline="0" dirty="0" err="1" smtClean="0"/>
+              <a:t>hiện</a:t>
+            </a:r>
+            <a:r>
+              <a:rPr lang="en-US" baseline="0" dirty="0" smtClean="0"/>
+              <a:t> </a:t>
+            </a:r>
+            <a:r>
+              <a:rPr lang="en-US" baseline="0" dirty="0" err="1" smtClean="0"/>
+              <a:t>được</a:t>
+            </a:r>
+            <a:r>
+              <a:rPr lang="en-US" baseline="0" dirty="0" smtClean="0"/>
+              <a:t> </a:t>
+            </a:r>
+            <a:r>
+              <a:rPr lang="en-US" baseline="0" dirty="0" err="1" smtClean="0"/>
+              <a:t>khoảng</a:t>
+            </a:r>
+            <a:r>
+              <a:rPr lang="en-US" baseline="0" dirty="0" smtClean="0"/>
+              <a:t> </a:t>
+            </a:r>
+            <a:r>
+              <a:rPr lang="en-US" baseline="0" dirty="0" err="1" smtClean="0"/>
+              <a:t>cách</a:t>
+            </a:r>
+            <a:r>
+              <a:rPr lang="en-US" baseline="0" dirty="0" smtClean="0"/>
+              <a:t> </a:t>
+            </a:r>
+            <a:r>
+              <a:rPr lang="en-US" baseline="0" dirty="0" err="1" smtClean="0"/>
+              <a:t>của</a:t>
+            </a:r>
+            <a:r>
+              <a:rPr lang="en-US" baseline="0" dirty="0" smtClean="0"/>
+              <a:t> </a:t>
+            </a:r>
+            <a:r>
+              <a:rPr lang="en-US" baseline="0" dirty="0" err="1" smtClean="0"/>
+              <a:t>người</a:t>
+            </a:r>
+            <a:r>
+              <a:rPr lang="en-US" baseline="0" dirty="0" smtClean="0"/>
+              <a:t> dung </a:t>
+            </a:r>
+            <a:r>
+              <a:rPr lang="en-US" baseline="0" dirty="0" err="1" smtClean="0"/>
+              <a:t>tới</a:t>
+            </a:r>
+            <a:r>
+              <a:rPr lang="en-US" baseline="0" dirty="0" smtClean="0"/>
+              <a:t> </a:t>
+            </a:r>
+            <a:r>
+              <a:rPr lang="en-US" baseline="0" dirty="0" err="1" smtClean="0"/>
+              <a:t>đoạn</a:t>
+            </a:r>
+            <a:r>
+              <a:rPr lang="en-US" baseline="0" dirty="0" smtClean="0"/>
+              <a:t> DE </a:t>
+            </a:r>
+            <a:r>
+              <a:rPr lang="en-US" baseline="0" dirty="0" err="1" smtClean="0"/>
+              <a:t>nằm</a:t>
+            </a:r>
+            <a:r>
+              <a:rPr lang="en-US" baseline="0" dirty="0" smtClean="0"/>
+              <a:t> </a:t>
+            </a:r>
+            <a:r>
+              <a:rPr lang="en-US" baseline="0" dirty="0" err="1" smtClean="0"/>
+              <a:t>trong</a:t>
+            </a:r>
+            <a:r>
+              <a:rPr lang="en-US" baseline="0" dirty="0" smtClean="0"/>
+              <a:t> </a:t>
+            </a:r>
+            <a:r>
+              <a:rPr lang="en-US" baseline="0" dirty="0" err="1" smtClean="0"/>
+              <a:t>khoảng</a:t>
+            </a:r>
+            <a:r>
+              <a:rPr lang="en-US" baseline="0" dirty="0" smtClean="0"/>
+              <a:t> </a:t>
+            </a:r>
+            <a:r>
+              <a:rPr lang="en-US" baseline="0" dirty="0" err="1" smtClean="0"/>
+              <a:t>cách</a:t>
+            </a:r>
+            <a:r>
+              <a:rPr lang="en-US" baseline="0" dirty="0" smtClean="0"/>
+              <a:t> </a:t>
+            </a:r>
+            <a:r>
+              <a:rPr lang="en-US" baseline="0" dirty="0" err="1" smtClean="0"/>
+              <a:t>cho</a:t>
+            </a:r>
+            <a:r>
+              <a:rPr lang="en-US" baseline="0" dirty="0" smtClean="0"/>
+              <a:t> </a:t>
+            </a:r>
+            <a:r>
+              <a:rPr lang="en-US" baseline="0" dirty="0" err="1" smtClean="0"/>
+              <a:t>phép</a:t>
+            </a:r>
+            <a:endParaRPr lang="en-US" dirty="0"/>
+          </a:p>
+        </p:txBody>
+      </p:sp>
+      <p:sp>
+        <p:nvSpPr>
+          <p:cNvPr id="4" name="Slide Number Placeholder 3"/>
+          <p:cNvSpPr>
+            <a:spLocks noGrp="1"/>
+          </p:cNvSpPr>
+          <p:nvPr>
+            <p:ph type="sldNum" sz="quarter" idx="10"/>
+          </p:nvPr>
+        </p:nvSpPr>
+        <p:spPr/>
+        <p:txBody>
+          <a:bodyPr/>
+          <a:lstStyle/>
+          <a:p>
+            <a:fld id="{09B67DCC-AD2A-8049-A5FE-090E7CFEAD6D}" type="slidenum">
+              <a:rPr lang="en-US" smtClean="0"/>
+              <a:t>18</a:t>
+            </a:fld>
+            <a:endParaRPr lang="en-US"/>
+          </a:p>
+        </p:txBody>
+      </p:sp>
+    </p:spTree>
+    <p:extLst>
+      <p:ext uri="{BB962C8B-B14F-4D97-AF65-F5344CB8AC3E}">
+        <p14:creationId xmlns:p14="http://schemas.microsoft.com/office/powerpoint/2010/main" val="1407331965"/>
+      </p:ext>
+    </p:extLst>
+  </p:cSld>
+  <p:clrMapOvr>
+    <a:masterClrMapping/>
+  </p:clrMapOvr>
+</p:notes>
+</file>
+
+<file path=ppt/notesSlides/notesSlide16.xml><?xml version="1.0" encoding="utf-8"?>
+<p:notes xmlns:a="http://schemas.openxmlformats.org/drawingml/2006/main" xmlns:r="http://schemas.openxmlformats.org/officeDocument/2006/relationships" xmlns:p="http://schemas.openxmlformats.org/presentationml/2006/main">
+  <p:cSld>
+    <p:spTree>
+      <p:nvGrpSpPr>
+        <p:cNvPr id="1" name=""/>
+        <p:cNvGrpSpPr/>
+        <p:nvPr/>
+      </p:nvGrpSpPr>
+      <p:grpSpPr>
+        <a:xfrm>
+          <a:off x="0" y="0"/>
+          <a:ext cx="0" cy="0"/>
+          <a:chOff x="0" y="0"/>
+          <a:chExt cx="0" cy="0"/>
+        </a:xfrm>
+      </p:grpSpPr>
+      <p:sp>
+        <p:nvSpPr>
+          <p:cNvPr id="2" name="Slide Image Placeholder 1"/>
+          <p:cNvSpPr>
+            <a:spLocks noGrp="1" noRot="1" noChangeAspect="1"/>
+          </p:cNvSpPr>
+          <p:nvPr>
+            <p:ph type="sldImg"/>
+          </p:nvPr>
+        </p:nvSpPr>
+        <p:spPr/>
+      </p:sp>
+      <p:sp>
+        <p:nvSpPr>
+          <p:cNvPr id="3" name="Notes Placeholder 2"/>
+          <p:cNvSpPr>
+            <a:spLocks noGrp="1"/>
+          </p:cNvSpPr>
+          <p:nvPr>
+            <p:ph type="body" idx="1"/>
+          </p:nvPr>
+        </p:nvSpPr>
+        <p:spPr/>
+        <p:txBody>
+          <a:bodyPr/>
+          <a:lstStyle/>
+          <a:p>
+            <a:r>
+              <a:rPr lang="en-US" dirty="0" err="1" smtClean="0"/>
+              <a:t>Hệ</a:t>
+            </a:r>
+            <a:r>
+              <a:rPr lang="en-US" dirty="0" smtClean="0"/>
+              <a:t> </a:t>
+            </a:r>
+            <a:r>
+              <a:rPr lang="en-US" dirty="0" err="1" smtClean="0"/>
+              <a:t>thống</a:t>
+            </a:r>
+            <a:r>
+              <a:rPr lang="en-US" baseline="0" dirty="0" smtClean="0"/>
+              <a:t> </a:t>
+            </a:r>
+            <a:r>
+              <a:rPr lang="en-US" baseline="0" dirty="0" err="1" smtClean="0"/>
+              <a:t>chuyển</a:t>
+            </a:r>
+            <a:r>
+              <a:rPr lang="en-US" baseline="0" dirty="0" smtClean="0"/>
+              <a:t> </a:t>
+            </a:r>
+            <a:r>
+              <a:rPr lang="en-US" baseline="0" dirty="0" err="1" smtClean="0"/>
+              <a:t>trạng</a:t>
+            </a:r>
+            <a:r>
+              <a:rPr lang="en-US" baseline="0" dirty="0" smtClean="0"/>
+              <a:t> </a:t>
+            </a:r>
+            <a:r>
+              <a:rPr lang="en-US" baseline="0" dirty="0" err="1" smtClean="0"/>
+              <a:t>thái</a:t>
+            </a:r>
+            <a:r>
+              <a:rPr lang="en-US" baseline="0" dirty="0" smtClean="0"/>
+              <a:t> </a:t>
+            </a:r>
+            <a:r>
+              <a:rPr lang="en-US" baseline="0" dirty="0" err="1" smtClean="0"/>
+              <a:t>của</a:t>
+            </a:r>
+            <a:r>
+              <a:rPr lang="en-US" baseline="0" dirty="0" smtClean="0"/>
+              <a:t> </a:t>
+            </a:r>
+            <a:r>
+              <a:rPr lang="en-US" baseline="0" dirty="0" err="1" smtClean="0"/>
+              <a:t>người</a:t>
+            </a:r>
+            <a:r>
+              <a:rPr lang="en-US" baseline="0" dirty="0" smtClean="0"/>
+              <a:t> dung </a:t>
+            </a:r>
+            <a:r>
+              <a:rPr lang="en-US" baseline="0" dirty="0" err="1" smtClean="0"/>
+              <a:t>thành</a:t>
+            </a:r>
+            <a:r>
+              <a:rPr lang="en-US" baseline="0" dirty="0" smtClean="0"/>
+              <a:t> </a:t>
+            </a:r>
+            <a:r>
+              <a:rPr lang="en-US" baseline="0" dirty="0" err="1" smtClean="0"/>
+              <a:t>đúng</a:t>
+            </a:r>
+            <a:r>
+              <a:rPr lang="en-US" baseline="0" dirty="0" smtClean="0"/>
+              <a:t> </a:t>
+            </a:r>
+            <a:r>
+              <a:rPr lang="en-US" baseline="0" dirty="0" err="1" smtClean="0"/>
+              <a:t>đướng</a:t>
+            </a:r>
+            <a:r>
+              <a:rPr lang="en-US" baseline="0" dirty="0" smtClean="0"/>
+              <a:t> </a:t>
+            </a:r>
+            <a:r>
+              <a:rPr lang="en-US" baseline="0" dirty="0" err="1" smtClean="0"/>
+              <a:t>và</a:t>
+            </a:r>
+            <a:r>
+              <a:rPr lang="en-US" baseline="0" dirty="0" smtClean="0"/>
+              <a:t> </a:t>
+            </a:r>
+            <a:r>
+              <a:rPr lang="en-US" baseline="0" dirty="0" err="1" smtClean="0"/>
+              <a:t>đang</a:t>
+            </a:r>
+            <a:r>
+              <a:rPr lang="en-US" baseline="0" dirty="0" smtClean="0"/>
+              <a:t> ở </a:t>
+            </a:r>
+            <a:r>
+              <a:rPr lang="en-US" baseline="0" dirty="0" err="1" smtClean="0"/>
+              <a:t>trên</a:t>
+            </a:r>
+            <a:r>
+              <a:rPr lang="en-US" baseline="0" dirty="0" smtClean="0"/>
+              <a:t> </a:t>
+            </a:r>
+            <a:r>
+              <a:rPr lang="en-US" baseline="0" dirty="0" err="1" smtClean="0"/>
+              <a:t>đoạn</a:t>
+            </a:r>
+            <a:r>
+              <a:rPr lang="en-US" baseline="0" dirty="0" smtClean="0"/>
+              <a:t> DE</a:t>
+            </a:r>
+            <a:endParaRPr lang="en-US" dirty="0"/>
+          </a:p>
+        </p:txBody>
+      </p:sp>
+      <p:sp>
+        <p:nvSpPr>
+          <p:cNvPr id="4" name="Slide Number Placeholder 3"/>
+          <p:cNvSpPr>
+            <a:spLocks noGrp="1"/>
+          </p:cNvSpPr>
+          <p:nvPr>
+            <p:ph type="sldNum" sz="quarter" idx="10"/>
+          </p:nvPr>
+        </p:nvSpPr>
+        <p:spPr/>
+        <p:txBody>
+          <a:bodyPr/>
+          <a:lstStyle/>
+          <a:p>
+            <a:fld id="{09B67DCC-AD2A-8049-A5FE-090E7CFEAD6D}" type="slidenum">
+              <a:rPr lang="en-US" smtClean="0"/>
+              <a:t>19</a:t>
+            </a:fld>
+            <a:endParaRPr lang="en-US"/>
+          </a:p>
+        </p:txBody>
+      </p:sp>
+    </p:spTree>
+    <p:extLst>
+      <p:ext uri="{BB962C8B-B14F-4D97-AF65-F5344CB8AC3E}">
+        <p14:creationId xmlns:p14="http://schemas.microsoft.com/office/powerpoint/2010/main" val="3366343524"/>
+      </p:ext>
+    </p:extLst>
+  </p:cSld>
+  <p:clrMapOvr>
+    <a:masterClrMapping/>
+  </p:clrMapOvr>
+</p:notes>
+</file>
+
+<file path=ppt/notesSlides/notesSlide17.xml><?xml version="1.0" encoding="utf-8"?>
+<p:notes xmlns:a="http://schemas.openxmlformats.org/drawingml/2006/main" xmlns:r="http://schemas.openxmlformats.org/officeDocument/2006/relationships" xmlns:p="http://schemas.openxmlformats.org/presentationml/2006/main">
+  <p:cSld>
+    <p:spTree>
+      <p:nvGrpSpPr>
+        <p:cNvPr id="1" name=""/>
+        <p:cNvGrpSpPr/>
+        <p:nvPr/>
+      </p:nvGrpSpPr>
+      <p:grpSpPr>
+        <a:xfrm>
+          <a:off x="0" y="0"/>
+          <a:ext cx="0" cy="0"/>
+          <a:chOff x="0" y="0"/>
+          <a:chExt cx="0" cy="0"/>
+        </a:xfrm>
+      </p:grpSpPr>
+      <p:sp>
+        <p:nvSpPr>
+          <p:cNvPr id="2" name="Slide Image Placeholder 1"/>
+          <p:cNvSpPr>
+            <a:spLocks noGrp="1" noRot="1" noChangeAspect="1"/>
+          </p:cNvSpPr>
+          <p:nvPr>
+            <p:ph type="sldImg"/>
+          </p:nvPr>
+        </p:nvSpPr>
+        <p:spPr/>
+      </p:sp>
+      <p:sp>
+        <p:nvSpPr>
+          <p:cNvPr id="3" name="Notes Placeholder 2"/>
+          <p:cNvSpPr>
+            <a:spLocks noGrp="1"/>
+          </p:cNvSpPr>
+          <p:nvPr>
+            <p:ph type="body" idx="1"/>
+          </p:nvPr>
+        </p:nvSpPr>
+        <p:spPr/>
+        <p:txBody>
+          <a:bodyPr/>
+          <a:lstStyle/>
+          <a:p>
+            <a:r>
+              <a:rPr lang="en-US" dirty="0" smtClean="0"/>
+              <a:t>Sau </a:t>
+            </a:r>
+            <a:r>
+              <a:rPr lang="en-US" dirty="0" err="1" smtClean="0"/>
+              <a:t>đó</a:t>
+            </a:r>
+            <a:r>
+              <a:rPr lang="en-US" baseline="0" dirty="0" smtClean="0"/>
+              <a:t> </a:t>
+            </a:r>
+            <a:r>
+              <a:rPr lang="en-US" baseline="0" dirty="0" err="1" smtClean="0"/>
+              <a:t>thông</a:t>
+            </a:r>
+            <a:r>
+              <a:rPr lang="en-US" baseline="0" dirty="0" smtClean="0"/>
+              <a:t> </a:t>
+            </a:r>
+            <a:r>
+              <a:rPr lang="en-US" baseline="0" dirty="0" err="1" smtClean="0"/>
+              <a:t>báo</a:t>
+            </a:r>
+            <a:r>
+              <a:rPr lang="en-US" baseline="0" dirty="0" smtClean="0"/>
+              <a:t> </a:t>
+            </a:r>
+            <a:r>
+              <a:rPr lang="en-US" baseline="0" dirty="0" err="1" smtClean="0"/>
+              <a:t>cho</a:t>
+            </a:r>
+            <a:r>
+              <a:rPr lang="en-US" baseline="0" dirty="0" smtClean="0"/>
+              <a:t> </a:t>
+            </a:r>
+            <a:r>
+              <a:rPr lang="en-US" baseline="0" dirty="0" err="1" smtClean="0"/>
+              <a:t>người</a:t>
+            </a:r>
+            <a:r>
+              <a:rPr lang="en-US" baseline="0" dirty="0" smtClean="0"/>
+              <a:t> dung </a:t>
+            </a:r>
+            <a:r>
+              <a:rPr lang="en-US" baseline="0" dirty="0" err="1" smtClean="0"/>
+              <a:t>biết</a:t>
+            </a:r>
+            <a:r>
+              <a:rPr lang="en-US" baseline="0" dirty="0" smtClean="0"/>
+              <a:t> </a:t>
+            </a:r>
+            <a:r>
+              <a:rPr lang="en-US" baseline="0" dirty="0" err="1" smtClean="0"/>
+              <a:t>họ</a:t>
+            </a:r>
+            <a:r>
+              <a:rPr lang="en-US" baseline="0" dirty="0" smtClean="0"/>
+              <a:t> </a:t>
+            </a:r>
+            <a:r>
+              <a:rPr lang="en-US" baseline="0" dirty="0" err="1" smtClean="0"/>
+              <a:t>đã</a:t>
+            </a:r>
+            <a:r>
+              <a:rPr lang="en-US" baseline="0" dirty="0" smtClean="0"/>
+              <a:t> </a:t>
+            </a:r>
+            <a:r>
+              <a:rPr lang="en-US" baseline="0" dirty="0" err="1" smtClean="0"/>
+              <a:t>trở</a:t>
+            </a:r>
+            <a:r>
+              <a:rPr lang="en-US" baseline="0" dirty="0" smtClean="0"/>
+              <a:t> </a:t>
+            </a:r>
+            <a:r>
+              <a:rPr lang="en-US" baseline="0" dirty="0" err="1" smtClean="0"/>
+              <a:t>về</a:t>
+            </a:r>
+            <a:r>
+              <a:rPr lang="en-US" baseline="0" dirty="0" smtClean="0"/>
+              <a:t> </a:t>
+            </a:r>
+            <a:r>
+              <a:rPr lang="en-US" baseline="0" dirty="0" err="1" smtClean="0"/>
+              <a:t>đúng</a:t>
+            </a:r>
+            <a:r>
+              <a:rPr lang="en-US" baseline="0" dirty="0" smtClean="0"/>
+              <a:t> </a:t>
+            </a:r>
+            <a:r>
+              <a:rPr lang="en-US" baseline="0" dirty="0" err="1" smtClean="0"/>
+              <a:t>đường</a:t>
+            </a:r>
+            <a:r>
+              <a:rPr lang="en-US" baseline="0" smtClean="0"/>
+              <a:t>.</a:t>
+            </a:r>
+            <a:endParaRPr lang="en-US" dirty="0"/>
+          </a:p>
+        </p:txBody>
+      </p:sp>
+      <p:sp>
+        <p:nvSpPr>
+          <p:cNvPr id="4" name="Slide Number Placeholder 3"/>
+          <p:cNvSpPr>
+            <a:spLocks noGrp="1"/>
+          </p:cNvSpPr>
+          <p:nvPr>
+            <p:ph type="sldNum" sz="quarter" idx="10"/>
+          </p:nvPr>
+        </p:nvSpPr>
+        <p:spPr/>
+        <p:txBody>
+          <a:bodyPr/>
+          <a:lstStyle/>
+          <a:p>
+            <a:fld id="{09B67DCC-AD2A-8049-A5FE-090E7CFEAD6D}" type="slidenum">
+              <a:rPr lang="en-US" smtClean="0"/>
+              <a:t>20</a:t>
+            </a:fld>
+            <a:endParaRPr lang="en-US"/>
+          </a:p>
+        </p:txBody>
+      </p:sp>
+    </p:spTree>
+    <p:extLst>
+      <p:ext uri="{BB962C8B-B14F-4D97-AF65-F5344CB8AC3E}">
+        <p14:creationId xmlns:p14="http://schemas.microsoft.com/office/powerpoint/2010/main" val="2312258539"/>
       </p:ext>
     </p:extLst>
   </p:cSld>
@@ -612,6 +2603,78 @@
           <a:bodyPr/>
           <a:lstStyle/>
           <a:p>
+            <a:r>
+              <a:rPr lang="en-US" dirty="0" err="1" smtClean="0"/>
+              <a:t>Khi</a:t>
+            </a:r>
+            <a:r>
+              <a:rPr lang="en-US" dirty="0" smtClean="0"/>
+              <a:t> di</a:t>
+            </a:r>
+            <a:r>
+              <a:rPr lang="en-US" baseline="0" dirty="0" smtClean="0"/>
+              <a:t> </a:t>
+            </a:r>
+            <a:r>
+              <a:rPr lang="en-US" baseline="0" dirty="0" err="1" smtClean="0"/>
+              <a:t>chuyển</a:t>
+            </a:r>
+            <a:r>
+              <a:rPr lang="en-US" baseline="0" dirty="0" smtClean="0"/>
+              <a:t> </a:t>
+            </a:r>
+            <a:r>
+              <a:rPr lang="en-US" baseline="0" dirty="0" err="1" smtClean="0"/>
+              <a:t>tới</a:t>
+            </a:r>
+            <a:r>
+              <a:rPr lang="en-US" baseline="0" dirty="0" smtClean="0"/>
+              <a:t> </a:t>
+            </a:r>
+            <a:r>
+              <a:rPr lang="en-US" baseline="0" dirty="0" err="1" smtClean="0"/>
+              <a:t>gần</a:t>
+            </a:r>
+            <a:r>
+              <a:rPr lang="en-US" baseline="0" dirty="0" smtClean="0"/>
+              <a:t> </a:t>
+            </a:r>
+            <a:r>
+              <a:rPr lang="en-US" baseline="0" dirty="0" err="1" smtClean="0"/>
+              <a:t>điểm</a:t>
+            </a:r>
+            <a:r>
+              <a:rPr lang="en-US" baseline="0" dirty="0" smtClean="0"/>
+              <a:t> </a:t>
+            </a:r>
+            <a:r>
+              <a:rPr lang="en-US" baseline="0" dirty="0" err="1" smtClean="0"/>
+              <a:t>thông</a:t>
+            </a:r>
+            <a:r>
+              <a:rPr lang="en-US" baseline="0" dirty="0" smtClean="0"/>
+              <a:t> </a:t>
+            </a:r>
+            <a:r>
+              <a:rPr lang="en-US" baseline="0" dirty="0" err="1" smtClean="0"/>
+              <a:t>báo</a:t>
+            </a:r>
+            <a:r>
+              <a:rPr lang="en-US" baseline="0" dirty="0" smtClean="0"/>
+              <a:t> </a:t>
+            </a:r>
+            <a:r>
+              <a:rPr lang="en-US" baseline="0" dirty="0" err="1" smtClean="0"/>
+              <a:t>tiếp</a:t>
+            </a:r>
+            <a:r>
+              <a:rPr lang="en-US" baseline="0" dirty="0" smtClean="0"/>
+              <a:t> </a:t>
+            </a:r>
+            <a:r>
+              <a:rPr lang="en-US" baseline="0" dirty="0" err="1" smtClean="0"/>
+              <a:t>theo</a:t>
+            </a:r>
             <a:endParaRPr lang="en-US" dirty="0"/>
           </a:p>
         </p:txBody>
@@ -696,6 +2759,86 @@
           <a:bodyPr/>
           <a:lstStyle/>
           <a:p>
+            <a:r>
+              <a:rPr lang="en-US" dirty="0" smtClean="0"/>
+              <a:t>Anh </a:t>
+            </a:r>
+            <a:r>
+              <a:rPr lang="en-US" dirty="0" err="1" smtClean="0"/>
+              <a:t>khương</a:t>
+            </a:r>
+            <a:r>
+              <a:rPr lang="en-US" baseline="0" dirty="0" smtClean="0"/>
+              <a:t> </a:t>
+            </a:r>
+            <a:r>
+              <a:rPr lang="en-US" baseline="0" dirty="0" err="1" smtClean="0"/>
+              <a:t>đã</a:t>
+            </a:r>
+            <a:r>
+              <a:rPr lang="en-US" baseline="0" dirty="0" smtClean="0"/>
+              <a:t> </a:t>
+            </a:r>
+            <a:r>
+              <a:rPr lang="en-US" baseline="0" dirty="0" err="1" smtClean="0"/>
+              <a:t>được</a:t>
+            </a:r>
+            <a:r>
+              <a:rPr lang="en-US" baseline="0" dirty="0" smtClean="0"/>
+              <a:t> </a:t>
+            </a:r>
+            <a:r>
+              <a:rPr lang="en-US" baseline="0" dirty="0" err="1" smtClean="0"/>
+              <a:t>thông</a:t>
+            </a:r>
+            <a:r>
+              <a:rPr lang="en-US" baseline="0" dirty="0" smtClean="0"/>
+              <a:t> </a:t>
+            </a:r>
+            <a:r>
+              <a:rPr lang="en-US" baseline="0" dirty="0" err="1" smtClean="0"/>
+              <a:t>báo</a:t>
+            </a:r>
+            <a:r>
+              <a:rPr lang="en-US" baseline="0" dirty="0" smtClean="0"/>
+              <a:t> </a:t>
+            </a:r>
+            <a:r>
+              <a:rPr lang="en-US" baseline="0" dirty="0" err="1" smtClean="0"/>
+              <a:t>là</a:t>
+            </a:r>
+            <a:r>
+              <a:rPr lang="en-US" baseline="0" dirty="0" smtClean="0"/>
+              <a:t> </a:t>
+            </a:r>
+            <a:r>
+              <a:rPr lang="en-US" baseline="0" dirty="0" err="1" smtClean="0"/>
+              <a:t>chuẩn</a:t>
+            </a:r>
+            <a:r>
+              <a:rPr lang="en-US" baseline="0" dirty="0" smtClean="0"/>
+              <a:t> </a:t>
+            </a:r>
+            <a:r>
+              <a:rPr lang="en-US" baseline="0" dirty="0" err="1" smtClean="0"/>
+              <a:t>bị</a:t>
+            </a:r>
+            <a:r>
+              <a:rPr lang="en-US" baseline="0" dirty="0" smtClean="0"/>
+              <a:t> </a:t>
+            </a:r>
+            <a:r>
+              <a:rPr lang="en-US" baseline="0" dirty="0" err="1" smtClean="0"/>
+              <a:t>quẹo</a:t>
+            </a:r>
+            <a:r>
+              <a:rPr lang="en-US" baseline="0" dirty="0" smtClean="0"/>
+              <a:t> </a:t>
+            </a:r>
+            <a:r>
+              <a:rPr lang="en-US" baseline="0" dirty="0" err="1" smtClean="0"/>
+              <a:t>trái</a:t>
+            </a:r>
             <a:endParaRPr lang="en-US" dirty="0"/>
           </a:p>
         </p:txBody>
@@ -715,9 +2858,9 @@
           <a:bodyPr/>
           <a:lstStyle/>
           <a:p>
-            <a:fld id="{2599C3E7-3278-1243-886F-92FF82204DB1}" type="slidenum">
+            <a:fld id="{09B67DCC-AD2A-8049-A5FE-090E7CFEAD6D}" type="slidenum">
               <a:rPr lang="en-US" smtClean="0"/>
-              <a:t>6</a:t>
+              <a:t>3</a:t>
             </a:fld>
             <a:endParaRPr lang="en-US"/>
           </a:p>
@@ -726,7 +2869,7 @@
     </p:spTree>
     <p:extLst>
       <p:ext uri="{BB962C8B-B14F-4D97-AF65-F5344CB8AC3E}">
-        <p14:creationId xmlns:p14="http://schemas.microsoft.com/office/powerpoint/2010/main" val="952142846"/>
+        <p14:creationId xmlns:p14="http://schemas.microsoft.com/office/powerpoint/2010/main" val="1808012348"/>
       </p:ext>
     </p:extLst>
   </p:cSld>
@@ -780,6 +2923,162 @@
           <a:bodyPr/>
           <a:lstStyle/>
           <a:p>
+            <a:r>
+              <a:rPr lang="en-US" dirty="0" err="1" smtClean="0"/>
+              <a:t>Nhưng</a:t>
+            </a:r>
+            <a:r>
+              <a:rPr lang="en-US" baseline="0" dirty="0" smtClean="0"/>
+              <a:t> </a:t>
+            </a:r>
+            <a:r>
+              <a:rPr lang="en-US" baseline="0" dirty="0" err="1" smtClean="0"/>
+              <a:t>có</a:t>
+            </a:r>
+            <a:r>
+              <a:rPr lang="en-US" baseline="0" dirty="0" smtClean="0"/>
+              <a:t> </a:t>
+            </a:r>
+            <a:r>
+              <a:rPr lang="en-US" baseline="0" dirty="0" err="1" smtClean="0"/>
+              <a:t>vẽ</a:t>
+            </a:r>
+            <a:r>
+              <a:rPr lang="en-US" baseline="0" dirty="0" smtClean="0"/>
+              <a:t> </a:t>
+            </a:r>
+            <a:r>
+              <a:rPr lang="en-US" baseline="0" dirty="0" err="1" smtClean="0"/>
+              <a:t>anh</a:t>
+            </a:r>
+            <a:r>
+              <a:rPr lang="en-US" baseline="0" dirty="0" smtClean="0"/>
+              <a:t> </a:t>
+            </a:r>
+            <a:r>
+              <a:rPr lang="en-US" baseline="0" dirty="0" err="1" smtClean="0"/>
+              <a:t>khương</a:t>
+            </a:r>
+            <a:r>
+              <a:rPr lang="en-US" baseline="0" dirty="0" smtClean="0"/>
+              <a:t> </a:t>
+            </a:r>
+            <a:r>
+              <a:rPr lang="en-US" baseline="0" dirty="0" err="1" smtClean="0"/>
+              <a:t>đã</a:t>
+            </a:r>
+            <a:r>
+              <a:rPr lang="en-US" baseline="0" dirty="0" smtClean="0"/>
+              <a:t> </a:t>
+            </a:r>
+            <a:r>
+              <a:rPr lang="en-US" baseline="0" dirty="0" err="1" smtClean="0"/>
+              <a:t>ko</a:t>
+            </a:r>
+            <a:r>
+              <a:rPr lang="en-US" baseline="0" dirty="0" smtClean="0"/>
+              <a:t> </a:t>
+            </a:r>
+            <a:r>
+              <a:rPr lang="en-US" baseline="0" dirty="0" err="1" smtClean="0"/>
+              <a:t>nghe</a:t>
+            </a:r>
+            <a:r>
+              <a:rPr lang="en-US" baseline="0" dirty="0" smtClean="0"/>
+              <a:t> </a:t>
+            </a:r>
+            <a:r>
+              <a:rPr lang="en-US" baseline="0" dirty="0" err="1" smtClean="0"/>
+              <a:t>thấy</a:t>
+            </a:r>
+            <a:r>
+              <a:rPr lang="en-US" baseline="0" dirty="0" smtClean="0"/>
+              <a:t> </a:t>
+            </a:r>
+            <a:r>
+              <a:rPr lang="en-US" baseline="0" dirty="0" err="1" smtClean="0"/>
+              <a:t>và</a:t>
+            </a:r>
+            <a:r>
+              <a:rPr lang="en-US" baseline="0" dirty="0" smtClean="0"/>
+              <a:t> </a:t>
+            </a:r>
+            <a:r>
+              <a:rPr lang="en-US" baseline="0" dirty="0" err="1" smtClean="0"/>
+              <a:t>anh</a:t>
+            </a:r>
+            <a:r>
+              <a:rPr lang="en-US" baseline="0" dirty="0" smtClean="0"/>
+              <a:t> </a:t>
+            </a:r>
+            <a:r>
+              <a:rPr lang="en-US" baseline="0" dirty="0" err="1" smtClean="0"/>
+              <a:t>tiếp</a:t>
+            </a:r>
+            <a:r>
+              <a:rPr lang="en-US" baseline="0" dirty="0" smtClean="0"/>
+              <a:t> </a:t>
+            </a:r>
+            <a:r>
+              <a:rPr lang="en-US" baseline="0" dirty="0" err="1" smtClean="0"/>
+              <a:t>tục</a:t>
+            </a:r>
+            <a:r>
+              <a:rPr lang="en-US" baseline="0" dirty="0" smtClean="0"/>
+              <a:t> </a:t>
+            </a:r>
+            <a:r>
+              <a:rPr lang="en-US" baseline="0" dirty="0" err="1" smtClean="0"/>
+              <a:t>đi</a:t>
+            </a:r>
+            <a:r>
+              <a:rPr lang="en-US" baseline="0" dirty="0" smtClean="0"/>
+              <a:t> </a:t>
+            </a:r>
+            <a:r>
+              <a:rPr lang="en-US" baseline="0" dirty="0" err="1" smtClean="0"/>
+              <a:t>thẳng</a:t>
+            </a:r>
+            <a:r>
+              <a:rPr lang="en-US" baseline="0" dirty="0" smtClean="0"/>
+              <a:t> </a:t>
+            </a:r>
+            <a:r>
+              <a:rPr lang="en-US" baseline="0" dirty="0" err="1" smtClean="0"/>
+              <a:t>với</a:t>
+            </a:r>
+            <a:r>
+              <a:rPr lang="en-US" baseline="0" dirty="0" smtClean="0"/>
+              <a:t> </a:t>
+            </a:r>
+            <a:r>
+              <a:rPr lang="en-US" baseline="0" dirty="0" err="1" smtClean="0"/>
+              <a:t>tốc</a:t>
+            </a:r>
+            <a:r>
+              <a:rPr lang="en-US" baseline="0" dirty="0" smtClean="0"/>
+              <a:t> </a:t>
+            </a:r>
+            <a:r>
+              <a:rPr lang="en-US" baseline="0" dirty="0" err="1" smtClean="0"/>
+              <a:t>độ</a:t>
+            </a:r>
+            <a:r>
+              <a:rPr lang="en-US" baseline="0" dirty="0" smtClean="0"/>
+              <a:t> </a:t>
+            </a:r>
+            <a:r>
+              <a:rPr lang="en-US" baseline="0" dirty="0" err="1" smtClean="0"/>
+              <a:t>sấm</a:t>
+            </a:r>
+            <a:r>
+              <a:rPr lang="en-US" baseline="0" dirty="0" smtClean="0"/>
+              <a:t> </a:t>
+            </a:r>
+            <a:r>
+              <a:rPr lang="en-US" baseline="0" dirty="0" err="1" smtClean="0"/>
+              <a:t>sét</a:t>
+            </a:r>
             <a:endParaRPr lang="en-US" dirty="0"/>
           </a:p>
         </p:txBody>
@@ -799,9 +3098,9 @@
           <a:bodyPr/>
           <a:lstStyle/>
           <a:p>
-            <a:fld id="{2599C3E7-3278-1243-886F-92FF82204DB1}" type="slidenum">
+            <a:fld id="{09B67DCC-AD2A-8049-A5FE-090E7CFEAD6D}" type="slidenum">
               <a:rPr lang="en-US" smtClean="0"/>
-              <a:t>7</a:t>
+              <a:t>4</a:t>
             </a:fld>
             <a:endParaRPr lang="en-US"/>
           </a:p>
@@ -810,7 +3109,7 @@
     </p:spTree>
     <p:extLst>
       <p:ext uri="{BB962C8B-B14F-4D97-AF65-F5344CB8AC3E}">
-        <p14:creationId xmlns:p14="http://schemas.microsoft.com/office/powerpoint/2010/main" val="2055629102"/>
+        <p14:creationId xmlns:p14="http://schemas.microsoft.com/office/powerpoint/2010/main" val="486760037"/>
       </p:ext>
     </p:extLst>
   </p:cSld>
@@ -865,10 +3164,210 @@
           <a:lstStyle/>
           <a:p>
             <a:r>
-              <a:rPr lang="vi-VN" smtClean="0"/>
-              <a:t>thuật toán phát hiện sai đường.</a:t>
-            </a:r>
-            <a:endParaRPr lang="en-US"/>
+              <a:rPr lang="en-US" dirty="0" smtClean="0"/>
+              <a:t>Sau </a:t>
+            </a:r>
+            <a:r>
+              <a:rPr lang="en-US" dirty="0" err="1" smtClean="0"/>
+              <a:t>đó</a:t>
+            </a:r>
+            <a:r>
+              <a:rPr lang="en-US" baseline="0" dirty="0" smtClean="0"/>
+              <a:t> </a:t>
+            </a:r>
+            <a:r>
+              <a:rPr lang="en-US" baseline="0" dirty="0" err="1" smtClean="0"/>
+              <a:t>với</a:t>
+            </a:r>
+            <a:r>
+              <a:rPr lang="en-US" baseline="0" dirty="0" smtClean="0"/>
+              <a:t> </a:t>
+            </a:r>
+            <a:r>
+              <a:rPr lang="en-US" baseline="0" dirty="0" err="1" smtClean="0"/>
+              <a:t>giác</a:t>
+            </a:r>
+            <a:r>
+              <a:rPr lang="en-US" baseline="0" dirty="0" smtClean="0"/>
+              <a:t> </a:t>
+            </a:r>
+            <a:r>
+              <a:rPr lang="en-US" baseline="0" dirty="0" err="1" smtClean="0"/>
+              <a:t>quan</a:t>
+            </a:r>
+            <a:r>
+              <a:rPr lang="en-US" baseline="0" dirty="0" smtClean="0"/>
+              <a:t> </a:t>
+            </a:r>
+            <a:r>
+              <a:rPr lang="en-US" baseline="0" dirty="0" err="1" smtClean="0"/>
+              <a:t>thứ</a:t>
+            </a:r>
+            <a:r>
+              <a:rPr lang="en-US" baseline="0" dirty="0" smtClean="0"/>
+              <a:t> 6 </a:t>
+            </a:r>
+            <a:r>
+              <a:rPr lang="en-US" baseline="0" dirty="0" err="1" smtClean="0"/>
+              <a:t>của</a:t>
+            </a:r>
+            <a:r>
+              <a:rPr lang="en-US" baseline="0" dirty="0" smtClean="0"/>
+              <a:t> </a:t>
+            </a:r>
+            <a:r>
+              <a:rPr lang="en-US" baseline="0" dirty="0" err="1" smtClean="0"/>
+              <a:t>đàn</a:t>
+            </a:r>
+            <a:r>
+              <a:rPr lang="en-US" baseline="0" dirty="0" smtClean="0"/>
+              <a:t> </a:t>
+            </a:r>
+            <a:r>
+              <a:rPr lang="en-US" baseline="0" dirty="0" err="1" smtClean="0"/>
+              <a:t>ông</a:t>
+            </a:r>
+            <a:r>
+              <a:rPr lang="en-US" baseline="0" dirty="0" smtClean="0"/>
+              <a:t>, </a:t>
+            </a:r>
+            <a:r>
+              <a:rPr lang="en-US" baseline="0" dirty="0" err="1" smtClean="0"/>
+              <a:t>anh</a:t>
+            </a:r>
+            <a:r>
+              <a:rPr lang="en-US" baseline="0" dirty="0" smtClean="0"/>
+              <a:t> ta </a:t>
+            </a:r>
+            <a:r>
+              <a:rPr lang="en-US" baseline="0" dirty="0" err="1" smtClean="0"/>
+              <a:t>chợt</a:t>
+            </a:r>
+            <a:r>
+              <a:rPr lang="en-US" baseline="0" dirty="0" smtClean="0"/>
+              <a:t> </a:t>
+            </a:r>
+            <a:r>
+              <a:rPr lang="en-US" baseline="0" dirty="0" err="1" smtClean="0"/>
+              <a:t>mở</a:t>
+            </a:r>
+            <a:r>
+              <a:rPr lang="en-US" baseline="0" dirty="0" smtClean="0"/>
+              <a:t> map </a:t>
+            </a:r>
+            <a:r>
+              <a:rPr lang="en-US" baseline="0" dirty="0" err="1" smtClean="0"/>
+              <a:t>ra</a:t>
+            </a:r>
+            <a:r>
+              <a:rPr lang="en-US" baseline="0" dirty="0" smtClean="0"/>
+              <a:t> </a:t>
+            </a:r>
+            <a:r>
+              <a:rPr lang="en-US" baseline="0" dirty="0" err="1" smtClean="0"/>
+              <a:t>để</a:t>
+            </a:r>
+            <a:r>
+              <a:rPr lang="en-US" baseline="0" dirty="0" smtClean="0"/>
+              <a:t> </a:t>
+            </a:r>
+            <a:r>
+              <a:rPr lang="en-US" baseline="0" dirty="0" err="1" smtClean="0"/>
+              <a:t>kiểm</a:t>
+            </a:r>
+            <a:r>
+              <a:rPr lang="en-US" baseline="0" dirty="0" smtClean="0"/>
+              <a:t> </a:t>
+            </a:r>
+            <a:r>
+              <a:rPr lang="en-US" baseline="0" dirty="0" err="1" smtClean="0"/>
+              <a:t>tra</a:t>
+            </a:r>
+            <a:r>
+              <a:rPr lang="en-US" baseline="0" dirty="0" smtClean="0"/>
+              <a:t> </a:t>
+            </a:r>
+            <a:r>
+              <a:rPr lang="en-US" baseline="0" dirty="0" err="1" smtClean="0"/>
+              <a:t>và</a:t>
+            </a:r>
+            <a:r>
+              <a:rPr lang="en-US" baseline="0" dirty="0" smtClean="0"/>
+              <a:t> </a:t>
+            </a:r>
+            <a:r>
+              <a:rPr lang="en-US" baseline="0" dirty="0" err="1" smtClean="0"/>
+              <a:t>khi</a:t>
+            </a:r>
+            <a:r>
+              <a:rPr lang="en-US" baseline="0" dirty="0" smtClean="0"/>
+              <a:t> </a:t>
+            </a:r>
+            <a:r>
+              <a:rPr lang="en-US" baseline="0" dirty="0" err="1" smtClean="0"/>
+              <a:t>đó</a:t>
+            </a:r>
+            <a:r>
+              <a:rPr lang="en-US" baseline="0" dirty="0" smtClean="0"/>
+              <a:t> </a:t>
+            </a:r>
+            <a:r>
+              <a:rPr lang="en-US" baseline="0" dirty="0" err="1" smtClean="0"/>
+              <a:t>anh</a:t>
+            </a:r>
+            <a:r>
+              <a:rPr lang="en-US" baseline="0" dirty="0" smtClean="0"/>
+              <a:t> </a:t>
+            </a:r>
+            <a:r>
+              <a:rPr lang="en-US" baseline="0" dirty="0" err="1" smtClean="0"/>
+              <a:t>khương</a:t>
+            </a:r>
+            <a:r>
+              <a:rPr lang="en-US" baseline="0" dirty="0" smtClean="0"/>
+              <a:t> </a:t>
+            </a:r>
+            <a:r>
+              <a:rPr lang="en-US" baseline="0" dirty="0" err="1" smtClean="0"/>
+              <a:t>đã</a:t>
+            </a:r>
+            <a:r>
+              <a:rPr lang="en-US" baseline="0" dirty="0" smtClean="0"/>
+              <a:t> </a:t>
+            </a:r>
+            <a:r>
+              <a:rPr lang="en-US" baseline="0" dirty="0" err="1" smtClean="0"/>
+              <a:t>đi</a:t>
+            </a:r>
+            <a:r>
+              <a:rPr lang="en-US" baseline="0" dirty="0" smtClean="0"/>
+              <a:t> </a:t>
+            </a:r>
+            <a:r>
+              <a:rPr lang="en-US" baseline="0" dirty="0" err="1" smtClean="0"/>
+              <a:t>lạc</a:t>
+            </a:r>
+            <a:r>
+              <a:rPr lang="en-US" baseline="0" dirty="0" smtClean="0"/>
+              <a:t> </a:t>
+            </a:r>
+            <a:r>
+              <a:rPr lang="en-US" baseline="0" dirty="0" err="1" smtClean="0"/>
+              <a:t>khá</a:t>
+            </a:r>
+            <a:r>
+              <a:rPr lang="en-US" baseline="0" dirty="0" smtClean="0"/>
+              <a:t> </a:t>
+            </a:r>
+            <a:r>
+              <a:rPr lang="en-US" baseline="0" dirty="0" err="1" smtClean="0"/>
+              <a:t>xa</a:t>
+            </a:r>
+            <a:r>
+              <a:rPr lang="en-US" baseline="0" dirty="0" smtClean="0"/>
+              <a:t>.</a:t>
+            </a:r>
+            <a:endParaRPr lang="en-US" dirty="0"/>
           </a:p>
         </p:txBody>
       </p:sp>
@@ -889,6 +3388,703 @@
           <a:p>
             <a:fld id="{09B67DCC-AD2A-8049-A5FE-090E7CFEAD6D}" type="slidenum">
               <a:rPr lang="en-US" smtClean="0"/>
+              <a:t>5</a:t>
+            </a:fld>
+            <a:endParaRPr lang="en-US"/>
+          </a:p>
+        </p:txBody>
+      </p:sp>
+    </p:spTree>
+    <p:extLst>
+      <p:ext uri="{BB962C8B-B14F-4D97-AF65-F5344CB8AC3E}">
+        <p14:creationId xmlns:p14="http://schemas.microsoft.com/office/powerpoint/2010/main" val="2396477462"/>
+      </p:ext>
+    </p:extLst>
+  </p:cSld>
+  <p:clrMapOvr>
+    <a:masterClrMapping/>
+  </p:clrMapOvr>
+</p:notes>
+</file>
+
+<file path=ppt/notesSlides/notesSlide6.xml><?xml version="1.0" encoding="utf-8"?>
+<p:notes xmlns:a="http://schemas.openxmlformats.org/drawingml/2006/main" xmlns:r="http://schemas.openxmlformats.org/officeDocument/2006/relationships" xmlns:p="http://schemas.openxmlformats.org/presentationml/2006/main">
+  <p:cSld>
+    <p:spTree>
+      <p:nvGrpSpPr>
+        <p:cNvPr id="1" name=""/>
+        <p:cNvGrpSpPr/>
+        <p:nvPr/>
+      </p:nvGrpSpPr>
+      <p:grpSpPr>
+        <a:xfrm>
+          <a:off x="0" y="0"/>
+          <a:ext cx="0" cy="0"/>
+          <a:chOff x="0" y="0"/>
+          <a:chExt cx="0" cy="0"/>
+        </a:xfrm>
+      </p:grpSpPr>
+      <p:sp>
+        <p:nvSpPr>
+          <p:cNvPr id="2" name="Slide Image Placeholder 1"/>
+          <p:cNvSpPr>
+            <a:spLocks noGrp="1" noRot="1" noChangeAspect="1"/>
+          </p:cNvSpPr>
+          <p:nvPr>
+            <p:ph type="sldImg"/>
+          </p:nvPr>
+        </p:nvSpPr>
+        <p:spPr/>
+      </p:sp>
+      <p:sp>
+        <p:nvSpPr>
+          <p:cNvPr id="3" name="Notes Placeholder 2"/>
+          <p:cNvSpPr>
+            <a:spLocks noGrp="1"/>
+          </p:cNvSpPr>
+          <p:nvPr>
+            <p:ph type="body" idx="1"/>
+          </p:nvPr>
+        </p:nvSpPr>
+        <p:spPr/>
+        <p:txBody>
+          <a:bodyPr/>
+          <a:lstStyle/>
+          <a:p>
+            <a:r>
+              <a:rPr lang="en-US" dirty="0" err="1" smtClean="0"/>
+              <a:t>Với</a:t>
+            </a:r>
+            <a:r>
+              <a:rPr lang="en-US" baseline="0" dirty="0" smtClean="0"/>
+              <a:t> </a:t>
+            </a:r>
+            <a:r>
+              <a:rPr lang="en-US" baseline="0" dirty="0" err="1" smtClean="0"/>
+              <a:t>v</a:t>
+            </a:r>
+            <a:r>
+              <a:rPr lang="en-US" dirty="0" err="1" smtClean="0"/>
+              <a:t>ấn</a:t>
+            </a:r>
+            <a:r>
+              <a:rPr lang="en-US" baseline="0" dirty="0" smtClean="0"/>
+              <a:t> </a:t>
+            </a:r>
+            <a:r>
+              <a:rPr lang="en-US" baseline="0" dirty="0" err="1" smtClean="0"/>
+              <a:t>đề</a:t>
+            </a:r>
+            <a:r>
+              <a:rPr lang="en-US" baseline="0" dirty="0" smtClean="0"/>
+              <a:t> </a:t>
+            </a:r>
+            <a:r>
+              <a:rPr lang="en-US" baseline="0" dirty="0" err="1" smtClean="0"/>
+              <a:t>của</a:t>
+            </a:r>
+            <a:r>
+              <a:rPr lang="en-US" baseline="0" dirty="0" smtClean="0"/>
+              <a:t> </a:t>
+            </a:r>
+            <a:r>
+              <a:rPr lang="en-US" baseline="0" dirty="0" err="1" smtClean="0"/>
+              <a:t>anh</a:t>
+            </a:r>
+            <a:r>
+              <a:rPr lang="en-US" baseline="0" dirty="0" smtClean="0"/>
+              <a:t> </a:t>
+            </a:r>
+            <a:r>
+              <a:rPr lang="en-US" baseline="0" dirty="0" err="1" smtClean="0"/>
+              <a:t>khương</a:t>
+            </a:r>
+            <a:r>
+              <a:rPr lang="en-US" baseline="0" dirty="0" smtClean="0"/>
+              <a:t>: </a:t>
+            </a:r>
+            <a:r>
+              <a:rPr lang="en-US" baseline="0" dirty="0" err="1" smtClean="0"/>
+              <a:t>chưa</a:t>
+            </a:r>
+            <a:r>
+              <a:rPr lang="en-US" baseline="0" dirty="0" smtClean="0"/>
+              <a:t> </a:t>
+            </a:r>
+            <a:r>
+              <a:rPr lang="en-US" baseline="0" dirty="0" err="1" smtClean="0"/>
+              <a:t>có</a:t>
+            </a:r>
+            <a:r>
+              <a:rPr lang="en-US" baseline="0" dirty="0" smtClean="0"/>
+              <a:t> </a:t>
+            </a:r>
+            <a:r>
+              <a:rPr lang="en-US" baseline="0" dirty="0" err="1" smtClean="0"/>
+              <a:t>ứng</a:t>
+            </a:r>
+            <a:r>
+              <a:rPr lang="en-US" baseline="0" dirty="0" smtClean="0"/>
+              <a:t> </a:t>
+            </a:r>
+            <a:r>
+              <a:rPr lang="en-US" baseline="0" dirty="0" err="1" smtClean="0"/>
+              <a:t>dụng</a:t>
+            </a:r>
+            <a:r>
+              <a:rPr lang="en-US" baseline="0" dirty="0" smtClean="0"/>
+              <a:t> </a:t>
+            </a:r>
+            <a:r>
+              <a:rPr lang="en-US" baseline="0" dirty="0" err="1" smtClean="0"/>
+              <a:t>nào</a:t>
+            </a:r>
+            <a:r>
+              <a:rPr lang="en-US" baseline="0" dirty="0" smtClean="0"/>
+              <a:t> </a:t>
+            </a:r>
+            <a:r>
+              <a:rPr lang="en-US" baseline="0" dirty="0" err="1" smtClean="0"/>
+              <a:t>có</a:t>
+            </a:r>
+            <a:r>
+              <a:rPr lang="en-US" baseline="0" dirty="0" smtClean="0"/>
+              <a:t> </a:t>
+            </a:r>
+            <a:r>
+              <a:rPr lang="en-US" baseline="0" dirty="0" err="1" smtClean="0"/>
+              <a:t>thể</a:t>
+            </a:r>
+            <a:r>
+              <a:rPr lang="en-US" baseline="0" dirty="0" smtClean="0"/>
+              <a:t> </a:t>
+            </a:r>
+            <a:r>
+              <a:rPr lang="en-US" baseline="0" dirty="0" err="1" smtClean="0"/>
+              <a:t>cho</a:t>
+            </a:r>
+            <a:r>
+              <a:rPr lang="en-US" baseline="0" dirty="0" smtClean="0"/>
+              <a:t> </a:t>
+            </a:r>
+            <a:r>
+              <a:rPr lang="en-US" baseline="0" dirty="0" err="1" smtClean="0"/>
+              <a:t>người</a:t>
+            </a:r>
+            <a:r>
+              <a:rPr lang="en-US" baseline="0" dirty="0" smtClean="0"/>
+              <a:t> dung </a:t>
+            </a:r>
+            <a:r>
+              <a:rPr lang="en-US" baseline="0" dirty="0" err="1" smtClean="0"/>
+              <a:t>biết</a:t>
+            </a:r>
+            <a:r>
+              <a:rPr lang="en-US" baseline="0" dirty="0" smtClean="0"/>
+              <a:t> </a:t>
+            </a:r>
+            <a:r>
+              <a:rPr lang="en-US" baseline="0" dirty="0" err="1" smtClean="0"/>
+              <a:t>họ</a:t>
+            </a:r>
+            <a:r>
+              <a:rPr lang="en-US" baseline="0" dirty="0" smtClean="0"/>
+              <a:t> </a:t>
+            </a:r>
+            <a:r>
+              <a:rPr lang="en-US" baseline="0" dirty="0" err="1" smtClean="0"/>
+              <a:t>đang</a:t>
+            </a:r>
+            <a:r>
+              <a:rPr lang="en-US" baseline="0" dirty="0" smtClean="0"/>
+              <a:t> </a:t>
+            </a:r>
+            <a:r>
+              <a:rPr lang="en-US" baseline="0" dirty="0" err="1" smtClean="0"/>
+              <a:t>đi</a:t>
+            </a:r>
+            <a:r>
+              <a:rPr lang="en-US" baseline="0" dirty="0" smtClean="0"/>
+              <a:t> </a:t>
+            </a:r>
+            <a:r>
+              <a:rPr lang="en-US" baseline="0" dirty="0" err="1" smtClean="0"/>
+              <a:t>sai</a:t>
+            </a:r>
+            <a:r>
+              <a:rPr lang="en-US" baseline="0" dirty="0" smtClean="0"/>
+              <a:t> </a:t>
+            </a:r>
+            <a:r>
+              <a:rPr lang="en-US" baseline="0" dirty="0" err="1" smtClean="0"/>
+              <a:t>đường</a:t>
+            </a:r>
+            <a:r>
+              <a:rPr lang="en-US" baseline="0" dirty="0" smtClean="0"/>
+              <a:t>. </a:t>
+            </a:r>
+            <a:endParaRPr lang="en-US" dirty="0"/>
+          </a:p>
+        </p:txBody>
+      </p:sp>
+      <p:sp>
+        <p:nvSpPr>
+          <p:cNvPr id="4" name="Slide Number Placeholder 3"/>
+          <p:cNvSpPr>
+            <a:spLocks noGrp="1"/>
+          </p:cNvSpPr>
+          <p:nvPr>
+            <p:ph type="sldNum" sz="quarter" idx="10"/>
+          </p:nvPr>
+        </p:nvSpPr>
+        <p:spPr/>
+        <p:txBody>
+          <a:bodyPr/>
+          <a:lstStyle/>
+          <a:p>
+            <a:fld id="{2599C3E7-3278-1243-886F-92FF82204DB1}" type="slidenum">
+              <a:rPr lang="en-US" smtClean="0"/>
+              <a:t>6</a:t>
+            </a:fld>
+            <a:endParaRPr lang="en-US"/>
+          </a:p>
+        </p:txBody>
+      </p:sp>
+    </p:spTree>
+    <p:extLst>
+      <p:ext uri="{BB962C8B-B14F-4D97-AF65-F5344CB8AC3E}">
+        <p14:creationId xmlns:p14="http://schemas.microsoft.com/office/powerpoint/2010/main" val="952142846"/>
+      </p:ext>
+    </p:extLst>
+  </p:cSld>
+  <p:clrMapOvr>
+    <a:masterClrMapping/>
+  </p:clrMapOvr>
+</p:notes>
+</file>
+
+<file path=ppt/notesSlides/notesSlide7.xml><?xml version="1.0" encoding="utf-8"?>
+<p:notes xmlns:a="http://schemas.openxmlformats.org/drawingml/2006/main" xmlns:r="http://schemas.openxmlformats.org/officeDocument/2006/relationships" xmlns:p="http://schemas.openxmlformats.org/presentationml/2006/main">
+  <p:cSld>
+    <p:spTree>
+      <p:nvGrpSpPr>
+        <p:cNvPr id="1" name=""/>
+        <p:cNvGrpSpPr/>
+        <p:nvPr/>
+      </p:nvGrpSpPr>
+      <p:grpSpPr>
+        <a:xfrm>
+          <a:off x="0" y="0"/>
+          <a:ext cx="0" cy="0"/>
+          <a:chOff x="0" y="0"/>
+          <a:chExt cx="0" cy="0"/>
+        </a:xfrm>
+      </p:grpSpPr>
+      <p:sp>
+        <p:nvSpPr>
+          <p:cNvPr id="2" name="Slide Image Placeholder 1"/>
+          <p:cNvSpPr>
+            <a:spLocks noGrp="1" noRot="1" noChangeAspect="1"/>
+          </p:cNvSpPr>
+          <p:nvPr>
+            <p:ph type="sldImg"/>
+          </p:nvPr>
+        </p:nvSpPr>
+        <p:spPr/>
+      </p:sp>
+      <p:sp>
+        <p:nvSpPr>
+          <p:cNvPr id="3" name="Notes Placeholder 2"/>
+          <p:cNvSpPr>
+            <a:spLocks noGrp="1"/>
+          </p:cNvSpPr>
+          <p:nvPr>
+            <p:ph type="body" idx="1"/>
+          </p:nvPr>
+        </p:nvSpPr>
+        <p:spPr/>
+        <p:txBody>
+          <a:bodyPr/>
+          <a:lstStyle/>
+          <a:p>
+            <a:r>
+              <a:rPr lang="en-US" dirty="0" smtClean="0"/>
+              <a:t>Do </a:t>
+            </a:r>
+            <a:r>
+              <a:rPr lang="en-US" dirty="0" err="1" smtClean="0"/>
+              <a:t>đó</a:t>
+            </a:r>
+            <a:r>
+              <a:rPr lang="en-US" baseline="0" dirty="0" smtClean="0"/>
+              <a:t> </a:t>
+            </a:r>
+            <a:r>
+              <a:rPr lang="en-US" baseline="0" dirty="0" err="1" smtClean="0"/>
+              <a:t>ứng</a:t>
+            </a:r>
+            <a:r>
+              <a:rPr lang="en-US" baseline="0" dirty="0" smtClean="0"/>
+              <a:t> </a:t>
+            </a:r>
+            <a:r>
+              <a:rPr lang="en-US" baseline="0" dirty="0" err="1" smtClean="0"/>
+              <a:t>dụng</a:t>
+            </a:r>
+            <a:r>
+              <a:rPr lang="en-US" baseline="0" dirty="0" smtClean="0"/>
+              <a:t> </a:t>
+            </a:r>
+            <a:r>
+              <a:rPr lang="en-US" baseline="0" dirty="0" err="1" smtClean="0"/>
+              <a:t>của</a:t>
+            </a:r>
+            <a:r>
+              <a:rPr lang="en-US" baseline="0" dirty="0" smtClean="0"/>
+              <a:t> </a:t>
+            </a:r>
+            <a:r>
+              <a:rPr lang="en-US" baseline="0" dirty="0" err="1" smtClean="0"/>
+              <a:t>chúng</a:t>
+            </a:r>
+            <a:r>
+              <a:rPr lang="en-US" baseline="0" dirty="0" smtClean="0"/>
+              <a:t> </a:t>
+            </a:r>
+            <a:r>
+              <a:rPr lang="en-US" baseline="0" dirty="0" err="1" smtClean="0"/>
+              <a:t>tôi</a:t>
+            </a:r>
+            <a:r>
+              <a:rPr lang="en-US" baseline="0" dirty="0" smtClean="0"/>
+              <a:t> </a:t>
+            </a:r>
+            <a:r>
+              <a:rPr lang="en-US" baseline="0" dirty="0" err="1" smtClean="0"/>
+              <a:t>cung</a:t>
+            </a:r>
+            <a:r>
+              <a:rPr lang="en-US" baseline="0" dirty="0" smtClean="0"/>
+              <a:t> </a:t>
+            </a:r>
+            <a:r>
+              <a:rPr lang="en-US" baseline="0" dirty="0" err="1" smtClean="0"/>
+              <a:t>cấp</a:t>
+            </a:r>
+            <a:r>
+              <a:rPr lang="en-US" baseline="0" dirty="0" smtClean="0"/>
+              <a:t> </a:t>
+            </a:r>
+            <a:r>
+              <a:rPr lang="en-US" baseline="0" dirty="0" err="1" smtClean="0"/>
+              <a:t>chưng</a:t>
+            </a:r>
+            <a:r>
+              <a:rPr lang="en-US" baseline="0" dirty="0" smtClean="0"/>
+              <a:t> </a:t>
+            </a:r>
+            <a:r>
+              <a:rPr lang="en-US" baseline="0" dirty="0" err="1" smtClean="0"/>
+              <a:t>năng</a:t>
+            </a:r>
+            <a:r>
+              <a:rPr lang="en-US" baseline="0" dirty="0" smtClean="0"/>
+              <a:t> </a:t>
+            </a:r>
+            <a:r>
+              <a:rPr lang="en-US" baseline="0" dirty="0" err="1" smtClean="0"/>
+              <a:t>phát</a:t>
+            </a:r>
+            <a:r>
+              <a:rPr lang="en-US" baseline="0" dirty="0" smtClean="0"/>
+              <a:t> </a:t>
+            </a:r>
+            <a:r>
+              <a:rPr lang="en-US" baseline="0" dirty="0" err="1" smtClean="0"/>
+              <a:t>hiện</a:t>
+            </a:r>
+            <a:r>
+              <a:rPr lang="en-US" baseline="0" dirty="0" smtClean="0"/>
+              <a:t> </a:t>
+            </a:r>
+            <a:r>
+              <a:rPr lang="en-US" baseline="0" dirty="0" err="1" smtClean="0"/>
+              <a:t>sai</a:t>
+            </a:r>
+            <a:r>
+              <a:rPr lang="en-US" baseline="0" dirty="0" smtClean="0"/>
+              <a:t> </a:t>
+            </a:r>
+            <a:r>
+              <a:rPr lang="en-US" baseline="0" dirty="0" err="1" smtClean="0"/>
+              <a:t>đường</a:t>
+            </a:r>
+            <a:r>
+              <a:rPr lang="en-US" baseline="0" dirty="0" smtClean="0"/>
+              <a:t>.</a:t>
+            </a:r>
+          </a:p>
+          <a:p>
+            <a:r>
+              <a:rPr lang="en-US" baseline="0" dirty="0" err="1" smtClean="0"/>
+              <a:t>Giúp</a:t>
+            </a:r>
+            <a:r>
+              <a:rPr lang="en-US" baseline="0" dirty="0" smtClean="0"/>
+              <a:t> </a:t>
+            </a:r>
+            <a:r>
+              <a:rPr lang="en-US" baseline="0" dirty="0" err="1" smtClean="0"/>
+              <a:t>cho</a:t>
+            </a:r>
+            <a:r>
+              <a:rPr lang="en-US" baseline="0" dirty="0" smtClean="0"/>
+              <a:t> </a:t>
+            </a:r>
+            <a:r>
+              <a:rPr lang="en-US" baseline="0" dirty="0" err="1" smtClean="0"/>
+              <a:t>người</a:t>
+            </a:r>
+            <a:r>
+              <a:rPr lang="en-US" baseline="0" dirty="0" smtClean="0"/>
+              <a:t> dung </a:t>
+            </a:r>
+            <a:r>
+              <a:rPr lang="en-US" baseline="0" dirty="0" err="1" smtClean="0"/>
+              <a:t>biết</a:t>
+            </a:r>
+            <a:r>
+              <a:rPr lang="en-US" baseline="0" dirty="0" smtClean="0"/>
+              <a:t> </a:t>
+            </a:r>
+            <a:r>
+              <a:rPr lang="en-US" baseline="0" dirty="0" err="1" smtClean="0"/>
+              <a:t>họ</a:t>
+            </a:r>
+            <a:r>
+              <a:rPr lang="en-US" baseline="0" dirty="0" smtClean="0"/>
+              <a:t> </a:t>
+            </a:r>
+            <a:r>
+              <a:rPr lang="en-US" baseline="0" dirty="0" err="1" smtClean="0"/>
+              <a:t>đang</a:t>
+            </a:r>
+            <a:r>
+              <a:rPr lang="en-US" baseline="0" dirty="0" smtClean="0"/>
+              <a:t> </a:t>
+            </a:r>
+            <a:r>
+              <a:rPr lang="en-US" baseline="0" dirty="0" err="1" smtClean="0"/>
+              <a:t>đi</a:t>
+            </a:r>
+            <a:r>
+              <a:rPr lang="en-US" baseline="0" dirty="0" smtClean="0"/>
+              <a:t> </a:t>
+            </a:r>
+            <a:r>
+              <a:rPr lang="en-US" baseline="0" dirty="0" err="1" smtClean="0"/>
+              <a:t>sai</a:t>
+            </a:r>
+            <a:r>
+              <a:rPr lang="en-US" baseline="0" dirty="0" smtClean="0"/>
+              <a:t> </a:t>
+            </a:r>
+            <a:r>
+              <a:rPr lang="en-US" baseline="0" dirty="0" err="1" smtClean="0"/>
+              <a:t>đường</a:t>
+            </a:r>
+            <a:endParaRPr lang="en-US" baseline="0" dirty="0" smtClean="0"/>
+          </a:p>
+          <a:p>
+            <a:r>
+              <a:rPr lang="en-US" baseline="0" dirty="0" err="1" smtClean="0"/>
+              <a:t>Giúp</a:t>
+            </a:r>
+            <a:r>
+              <a:rPr lang="en-US" baseline="0" dirty="0" smtClean="0"/>
+              <a:t> </a:t>
+            </a:r>
+            <a:r>
+              <a:rPr lang="en-US" baseline="0" dirty="0" err="1" smtClean="0"/>
+              <a:t>cho</a:t>
+            </a:r>
+            <a:r>
+              <a:rPr lang="en-US" baseline="0" dirty="0" smtClean="0"/>
+              <a:t> </a:t>
+            </a:r>
+            <a:r>
+              <a:rPr lang="en-US" baseline="0" dirty="0" err="1" smtClean="0"/>
+              <a:t>người</a:t>
+            </a:r>
+            <a:r>
+              <a:rPr lang="en-US" baseline="0" dirty="0" smtClean="0"/>
+              <a:t> dung </a:t>
+            </a:r>
+            <a:r>
+              <a:rPr lang="en-US" baseline="0" dirty="0" err="1" smtClean="0"/>
+              <a:t>tìm</a:t>
+            </a:r>
+            <a:r>
+              <a:rPr lang="en-US" baseline="0" dirty="0" smtClean="0"/>
+              <a:t> </a:t>
+            </a:r>
+            <a:r>
+              <a:rPr lang="en-US" baseline="0" dirty="0" err="1" smtClean="0"/>
+              <a:t>kiếm</a:t>
+            </a:r>
+            <a:r>
+              <a:rPr lang="en-US" baseline="0" dirty="0" smtClean="0"/>
+              <a:t> </a:t>
+            </a:r>
+            <a:r>
+              <a:rPr lang="en-US" baseline="0" dirty="0" err="1" smtClean="0"/>
+              <a:t>lại</a:t>
+            </a:r>
+            <a:r>
+              <a:rPr lang="en-US" baseline="0" dirty="0" smtClean="0"/>
+              <a:t> </a:t>
+            </a:r>
+            <a:r>
+              <a:rPr lang="en-US" baseline="0" dirty="0" err="1" smtClean="0"/>
+              <a:t>đường</a:t>
+            </a:r>
+            <a:r>
+              <a:rPr lang="en-US" baseline="0" dirty="0" smtClean="0"/>
+              <a:t> </a:t>
+            </a:r>
+            <a:r>
+              <a:rPr lang="en-US" baseline="0" dirty="0" err="1" smtClean="0"/>
+              <a:t>đi</a:t>
+            </a:r>
+            <a:r>
+              <a:rPr lang="en-US" baseline="0" dirty="0" smtClean="0"/>
+              <a:t> </a:t>
+            </a:r>
+            <a:r>
+              <a:rPr lang="en-US" baseline="0" dirty="0" err="1" smtClean="0"/>
+              <a:t>nếu</a:t>
+            </a:r>
+            <a:r>
+              <a:rPr lang="en-US" baseline="0" dirty="0" smtClean="0"/>
+              <a:t> </a:t>
+            </a:r>
+            <a:r>
+              <a:rPr lang="en-US" baseline="0" dirty="0" err="1" smtClean="0"/>
+              <a:t>có</a:t>
+            </a:r>
+            <a:r>
+              <a:rPr lang="en-US" baseline="0" dirty="0" smtClean="0"/>
+              <a:t> network</a:t>
+            </a:r>
+            <a:endParaRPr lang="en-US" dirty="0"/>
+          </a:p>
+        </p:txBody>
+      </p:sp>
+      <p:sp>
+        <p:nvSpPr>
+          <p:cNvPr id="4" name="Slide Number Placeholder 3"/>
+          <p:cNvSpPr>
+            <a:spLocks noGrp="1"/>
+          </p:cNvSpPr>
+          <p:nvPr>
+            <p:ph type="sldNum" sz="quarter" idx="10"/>
+          </p:nvPr>
+        </p:nvSpPr>
+        <p:spPr/>
+        <p:txBody>
+          <a:bodyPr/>
+          <a:lstStyle/>
+          <a:p>
+            <a:fld id="{2599C3E7-3278-1243-886F-92FF82204DB1}" type="slidenum">
+              <a:rPr lang="en-US" smtClean="0"/>
+              <a:t>7</a:t>
+            </a:fld>
+            <a:endParaRPr lang="en-US"/>
+          </a:p>
+        </p:txBody>
+      </p:sp>
+    </p:spTree>
+    <p:extLst>
+      <p:ext uri="{BB962C8B-B14F-4D97-AF65-F5344CB8AC3E}">
+        <p14:creationId xmlns:p14="http://schemas.microsoft.com/office/powerpoint/2010/main" val="2055629102"/>
+      </p:ext>
+    </p:extLst>
+  </p:cSld>
+  <p:clrMapOvr>
+    <a:masterClrMapping/>
+  </p:clrMapOvr>
+</p:notes>
+</file>
+
+<file path=ppt/notesSlides/notesSlide8.xml><?xml version="1.0" encoding="utf-8"?>
+<p:notes xmlns:a="http://schemas.openxmlformats.org/drawingml/2006/main" xmlns:r="http://schemas.openxmlformats.org/officeDocument/2006/relationships" xmlns:p="http://schemas.openxmlformats.org/presentationml/2006/main">
+  <p:cSld>
+    <p:spTree>
+      <p:nvGrpSpPr>
+        <p:cNvPr id="1" name=""/>
+        <p:cNvGrpSpPr/>
+        <p:nvPr/>
+      </p:nvGrpSpPr>
+      <p:grpSpPr>
+        <a:xfrm>
+          <a:off x="0" y="0"/>
+          <a:ext cx="0" cy="0"/>
+          <a:chOff x="0" y="0"/>
+          <a:chExt cx="0" cy="0"/>
+        </a:xfrm>
+      </p:grpSpPr>
+      <p:sp>
+        <p:nvSpPr>
+          <p:cNvPr id="2" name="Slide Image Placeholder 1"/>
+          <p:cNvSpPr>
+            <a:spLocks noGrp="1" noRot="1" noChangeAspect="1"/>
+          </p:cNvSpPr>
+          <p:nvPr>
+            <p:ph type="sldImg"/>
+          </p:nvPr>
+        </p:nvSpPr>
+        <p:spPr/>
+      </p:sp>
+      <p:sp>
+        <p:nvSpPr>
+          <p:cNvPr id="3" name="Notes Placeholder 2"/>
+          <p:cNvSpPr>
+            <a:spLocks noGrp="1"/>
+          </p:cNvSpPr>
+          <p:nvPr>
+            <p:ph type="body" idx="1"/>
+          </p:nvPr>
+        </p:nvSpPr>
+        <p:spPr/>
+        <p:txBody>
+          <a:bodyPr/>
+          <a:lstStyle/>
+          <a:p>
+            <a:r>
+              <a:rPr lang="vi-VN" dirty="0" smtClean="0"/>
+              <a:t>thuật toán phát hiện sai đường.</a:t>
+            </a:r>
+            <a:endParaRPr lang="en-US" dirty="0"/>
+          </a:p>
+        </p:txBody>
+      </p:sp>
+      <p:sp>
+        <p:nvSpPr>
+          <p:cNvPr id="4" name="Slide Number Placeholder 3"/>
+          <p:cNvSpPr>
+            <a:spLocks noGrp="1"/>
+          </p:cNvSpPr>
+          <p:nvPr>
+            <p:ph type="sldNum" sz="quarter" idx="10"/>
+          </p:nvPr>
+        </p:nvSpPr>
+        <p:spPr/>
+        <p:txBody>
+          <a:bodyPr/>
+          <a:lstStyle/>
+          <a:p>
+            <a:fld id="{09B67DCC-AD2A-8049-A5FE-090E7CFEAD6D}" type="slidenum">
+              <a:rPr lang="en-US" smtClean="0"/>
               <a:t>8</a:t>
             </a:fld>
             <a:endParaRPr lang="en-US"/>
@@ -899,6 +4095,142 @@
     <p:extLst>
       <p:ext uri="{BB962C8B-B14F-4D97-AF65-F5344CB8AC3E}">
         <p14:creationId xmlns:p14="http://schemas.microsoft.com/office/powerpoint/2010/main" val="1935116119"/>
+      </p:ext>
+    </p:extLst>
+  </p:cSld>
+  <p:clrMapOvr>
+    <a:masterClrMapping/>
+  </p:clrMapOvr>
+</p:notes>
+</file>
+
+<file path=ppt/notesSlides/notesSlide9.xml><?xml version="1.0" encoding="utf-8"?>
+<p:notes xmlns:a="http://schemas.openxmlformats.org/drawingml/2006/main" xmlns:r="http://schemas.openxmlformats.org/officeDocument/2006/relationships" xmlns:p="http://schemas.openxmlformats.org/presentationml/2006/main">
+  <p:cSld>
+    <p:spTree>
+      <p:nvGrpSpPr>
+        <p:cNvPr id="1" name=""/>
+        <p:cNvGrpSpPr/>
+        <p:nvPr/>
+      </p:nvGrpSpPr>
+      <p:grpSpPr>
+        <a:xfrm>
+          <a:off x="0" y="0"/>
+          <a:ext cx="0" cy="0"/>
+          <a:chOff x="0" y="0"/>
+          <a:chExt cx="0" cy="0"/>
+        </a:xfrm>
+      </p:grpSpPr>
+      <p:sp>
+        <p:nvSpPr>
+          <p:cNvPr id="2" name="Slide Image Placeholder 1"/>
+          <p:cNvSpPr>
+            <a:spLocks noGrp="1" noRot="1" noChangeAspect="1"/>
+          </p:cNvSpPr>
+          <p:nvPr>
+            <p:ph type="sldImg"/>
+          </p:nvPr>
+        </p:nvSpPr>
+        <p:spPr/>
+      </p:sp>
+      <p:sp>
+        <p:nvSpPr>
+          <p:cNvPr id="3" name="Notes Placeholder 2"/>
+          <p:cNvSpPr>
+            <a:spLocks noGrp="1"/>
+          </p:cNvSpPr>
+          <p:nvPr>
+            <p:ph type="body" idx="1"/>
+          </p:nvPr>
+        </p:nvSpPr>
+        <p:spPr/>
+        <p:txBody>
+          <a:bodyPr/>
+          <a:lstStyle/>
+          <a:p>
+            <a:r>
+              <a:rPr lang="en-US" dirty="0" err="1" smtClean="0"/>
+              <a:t>Khi</a:t>
+            </a:r>
+            <a:r>
+              <a:rPr lang="en-US" dirty="0" smtClean="0"/>
+              <a:t> </a:t>
+            </a:r>
+            <a:r>
+              <a:rPr lang="en-US" dirty="0" err="1" smtClean="0"/>
+              <a:t>người</a:t>
+            </a:r>
+            <a:r>
+              <a:rPr lang="en-US" baseline="0" dirty="0" smtClean="0"/>
+              <a:t> dung </a:t>
+            </a:r>
+            <a:r>
+              <a:rPr lang="en-US" baseline="0" dirty="0" err="1" smtClean="0"/>
+              <a:t>đang</a:t>
+            </a:r>
+            <a:r>
+              <a:rPr lang="en-US" baseline="0" dirty="0" smtClean="0"/>
+              <a:t> ở </a:t>
+            </a:r>
+            <a:r>
+              <a:rPr lang="en-US" baseline="0" dirty="0" err="1" smtClean="0"/>
+              <a:t>trạng</a:t>
+            </a:r>
+            <a:r>
+              <a:rPr lang="en-US" baseline="0" dirty="0" smtClean="0"/>
+              <a:t> </a:t>
+            </a:r>
+            <a:r>
+              <a:rPr lang="en-US" baseline="0" dirty="0" err="1" smtClean="0"/>
+              <a:t>thái</a:t>
+            </a:r>
+            <a:r>
+              <a:rPr lang="en-US" baseline="0" dirty="0" smtClean="0"/>
+              <a:t> </a:t>
+            </a:r>
+            <a:r>
+              <a:rPr lang="en-US" baseline="0" dirty="0" err="1" smtClean="0"/>
+              <a:t>đúng</a:t>
+            </a:r>
+            <a:r>
+              <a:rPr lang="en-US" baseline="0" dirty="0" smtClean="0"/>
+              <a:t> </a:t>
+            </a:r>
+            <a:r>
+              <a:rPr lang="en-US" baseline="0" dirty="0" err="1" smtClean="0"/>
+              <a:t>đường</a:t>
+            </a:r>
+            <a:endParaRPr lang="en-US" dirty="0"/>
+          </a:p>
+        </p:txBody>
+      </p:sp>
+      <p:sp>
+        <p:nvSpPr>
+          <p:cNvPr id="4" name="Slide Number Placeholder 3"/>
+          <p:cNvSpPr>
+            <a:spLocks noGrp="1"/>
+          </p:cNvSpPr>
+          <p:nvPr>
+            <p:ph type="sldNum" sz="quarter" idx="10"/>
+          </p:nvPr>
+        </p:nvSpPr>
+        <p:spPr/>
+        <p:txBody>
+          <a:bodyPr/>
+          <a:lstStyle/>
+          <a:p>
+            <a:fld id="{09B67DCC-AD2A-8049-A5FE-090E7CFEAD6D}" type="slidenum">
+              <a:rPr lang="en-US" smtClean="0"/>
+              <a:t>9</a:t>
+            </a:fld>
+            <a:endParaRPr lang="en-US"/>
+          </a:p>
+        </p:txBody>
+      </p:sp>
+    </p:spTree>
+    <p:extLst>
+      <p:ext uri="{BB962C8B-B14F-4D97-AF65-F5344CB8AC3E}">
+        <p14:creationId xmlns:p14="http://schemas.microsoft.com/office/powerpoint/2010/main" val="7503866"/>
       </p:ext>
     </p:extLst>
   </p:cSld>
@@ -1039,7 +4371,7 @@
           <a:p>
             <a:fld id="{94B1E4EC-92D8-4A33-94B0-5CDDBDDA3BE9}" type="datetimeFigureOut">
               <a:rPr lang="en-US" smtClean="0"/>
-              <a:t>12/11/15</a:t>
+              <a:t>12/11/2015</a:t>
             </a:fld>
             <a:endParaRPr lang="en-US"/>
           </a:p>
@@ -1209,7 +4541,7 @@
           <a:p>
             <a:fld id="{94B1E4EC-92D8-4A33-94B0-5CDDBDDA3BE9}" type="datetimeFigureOut">
               <a:rPr lang="en-US" smtClean="0"/>
-              <a:t>12/11/15</a:t>
+              <a:t>12/11/2015</a:t>
             </a:fld>
             <a:endParaRPr lang="en-US"/>
           </a:p>
@@ -1389,7 +4721,7 @@
           <a:p>
             <a:fld id="{94B1E4EC-92D8-4A33-94B0-5CDDBDDA3BE9}" type="datetimeFigureOut">
               <a:rPr lang="en-US" smtClean="0"/>
-              <a:t>12/11/15</a:t>
+              <a:t>12/11/2015</a:t>
             </a:fld>
             <a:endParaRPr lang="en-US"/>
           </a:p>
@@ -1854,7 +5186,7 @@
           <a:p>
             <a:fld id="{94B1E4EC-92D8-4A33-94B0-5CDDBDDA3BE9}" type="datetimeFigureOut">
               <a:rPr lang="en-US" smtClean="0"/>
-              <a:t>12/11/15</a:t>
+              <a:t>12/11/2015</a:t>
             </a:fld>
             <a:endParaRPr lang="en-US"/>
           </a:p>
@@ -2098,7 +5430,7 @@
           <a:p>
             <a:fld id="{94B1E4EC-92D8-4A33-94B0-5CDDBDDA3BE9}" type="datetimeFigureOut">
               <a:rPr lang="en-US" smtClean="0"/>
-              <a:t>12/11/15</a:t>
+              <a:t>12/11/2015</a:t>
             </a:fld>
             <a:endParaRPr lang="en-US"/>
           </a:p>
@@ -2330,7 +5662,7 @@
           <a:p>
             <a:fld id="{94B1E4EC-92D8-4A33-94B0-5CDDBDDA3BE9}" type="datetimeFigureOut">
               <a:rPr lang="en-US" smtClean="0"/>
-              <a:t>12/11/15</a:t>
+              <a:t>12/11/2015</a:t>
             </a:fld>
             <a:endParaRPr lang="en-US"/>
           </a:p>
@@ -2697,7 +6029,7 @@
           <a:p>
             <a:fld id="{94B1E4EC-92D8-4A33-94B0-5CDDBDDA3BE9}" type="datetimeFigureOut">
               <a:rPr lang="en-US" smtClean="0"/>
-              <a:t>12/11/15</a:t>
+              <a:t>12/11/2015</a:t>
             </a:fld>
             <a:endParaRPr lang="en-US"/>
           </a:p>
@@ -2815,7 +6147,7 @@
           <a:p>
             <a:fld id="{94B1E4EC-92D8-4A33-94B0-5CDDBDDA3BE9}" type="datetimeFigureOut">
               <a:rPr lang="en-US" smtClean="0"/>
-              <a:t>12/11/15</a:t>
+              <a:t>12/11/2015</a:t>
             </a:fld>
             <a:endParaRPr lang="en-US"/>
           </a:p>
@@ -2910,7 +6242,7 @@
           <a:p>
             <a:fld id="{94B1E4EC-92D8-4A33-94B0-5CDDBDDA3BE9}" type="datetimeFigureOut">
               <a:rPr lang="en-US" smtClean="0"/>
-              <a:t>12/11/15</a:t>
+              <a:t>12/11/2015</a:t>
             </a:fld>
             <a:endParaRPr lang="en-US"/>
           </a:p>
@@ -3187,7 +6519,7 @@
           <a:p>
             <a:fld id="{94B1E4EC-92D8-4A33-94B0-5CDDBDDA3BE9}" type="datetimeFigureOut">
               <a:rPr lang="en-US" smtClean="0"/>
-              <a:t>12/11/15</a:t>
+              <a:t>12/11/2015</a:t>
             </a:fld>
             <a:endParaRPr lang="en-US"/>
           </a:p>
@@ -3444,7 +6776,7 @@
           <a:p>
             <a:fld id="{94B1E4EC-92D8-4A33-94B0-5CDDBDDA3BE9}" type="datetimeFigureOut">
               <a:rPr lang="en-US" smtClean="0"/>
-              <a:t>12/11/15</a:t>
+              <a:t>12/11/2015</a:t>
             </a:fld>
             <a:endParaRPr lang="en-US"/>
           </a:p>
@@ -3657,7 +6989,7 @@
           <a:p>
             <a:fld id="{94B1E4EC-92D8-4A33-94B0-5CDDBDDA3BE9}" type="datetimeFigureOut">
               <a:rPr lang="en-US" smtClean="0"/>
-              <a:t>12/11/15</a:t>
+              <a:t>12/11/2015</a:t>
             </a:fld>
             <a:endParaRPr lang="en-US"/>
           </a:p>
@@ -4128,9 +7460,92 @@
           </a:p>
         </p:txBody>
       </p:sp>
+      <p:sp>
+        <p:nvSpPr>
+          <p:cNvPr id="23" name="TextBox 22"/>
+          <p:cNvSpPr txBox="1"/>
+          <p:nvPr/>
+        </p:nvSpPr>
+        <p:spPr>
+          <a:xfrm>
+            <a:off x="457200" y="1740802"/>
+            <a:ext cx="7980947" cy="830997"/>
+          </a:xfrm>
+          <a:prstGeom prst="rect">
+            <a:avLst/>
+          </a:prstGeom>
+          <a:noFill/>
+        </p:spPr>
+        <p:txBody>
+          <a:bodyPr wrap="square" rtlCol="0">
+            <a:spAutoFit/>
+          </a:bodyPr>
+          <a:lstStyle/>
+          <a:p>
+            <a:r>
+              <a:rPr lang="en-US" sz="2400" dirty="0" smtClean="0"/>
+              <a:t>Nickname of  Mr. </a:t>
+            </a:r>
+            <a:r>
+              <a:rPr lang="en-US" sz="2400" dirty="0" err="1" smtClean="0"/>
+              <a:t>Khuong</a:t>
+            </a:r>
+            <a:r>
+              <a:rPr lang="en-US" sz="2400" dirty="0" smtClean="0"/>
+              <a:t> is “</a:t>
+            </a:r>
+            <a:r>
+              <a:rPr lang="en-US" sz="2400" dirty="0" err="1" smtClean="0"/>
+              <a:t>Khuong</a:t>
+            </a:r>
+            <a:r>
+              <a:rPr lang="en-US" sz="2400" dirty="0" smtClean="0"/>
+              <a:t> </a:t>
+            </a:r>
+            <a:r>
+              <a:rPr lang="en-US" sz="2400" dirty="0" err="1" smtClean="0"/>
+              <a:t>không</a:t>
+            </a:r>
+            <a:r>
+              <a:rPr lang="en-US" sz="2400" dirty="0" smtClean="0"/>
+              <a:t> </a:t>
+            </a:r>
+            <a:r>
+              <a:rPr lang="en-US" sz="2400" dirty="0" err="1" smtClean="0"/>
+              <a:t>sợ</a:t>
+            </a:r>
+            <a:r>
+              <a:rPr lang="en-US" sz="2400" dirty="0" smtClean="0"/>
+              <a:t> </a:t>
+            </a:r>
+            <a:r>
+              <a:rPr lang="en-US" sz="2400" dirty="0" err="1" smtClean="0"/>
+              <a:t>chết</a:t>
+            </a:r>
+            <a:r>
+              <a:rPr lang="en-US" sz="2400" dirty="0" smtClean="0"/>
+              <a:t>”.</a:t>
+            </a:r>
+          </a:p>
+          <a:p>
+            <a:r>
+              <a:rPr lang="en-US" sz="2400" dirty="0" smtClean="0"/>
+              <a:t>Mr. </a:t>
+            </a:r>
+            <a:r>
+              <a:rPr lang="en-US" sz="2400" dirty="0" err="1" smtClean="0"/>
+              <a:t>Khuong</a:t>
+            </a:r>
+            <a:r>
+              <a:rPr lang="en-US" sz="2400" dirty="0" smtClean="0"/>
+              <a:t> always drives with high speed.</a:t>
+            </a:r>
+          </a:p>
+        </p:txBody>
+      </p:sp>
       <p:pic>
         <p:nvPicPr>
-          <p:cNvPr id="17" name="Picture 16"/>
+          <p:cNvPr id="10" name="Picture 9"/>
           <p:cNvPicPr>
             <a:picLocks noChangeAspect="1"/>
           </p:cNvPicPr>
@@ -4144,8 +7559,8 @@
         </p:blipFill>
         <p:spPr>
           <a:xfrm>
-            <a:off x="1630875" y="2956326"/>
-            <a:ext cx="4804185" cy="3762314"/>
+            <a:off x="1228734" y="2656704"/>
+            <a:ext cx="5045905" cy="3951613"/>
           </a:xfrm>
           <a:prstGeom prst="rect">
             <a:avLst/>
@@ -4154,13 +7569,13 @@
       </p:pic>
       <p:cxnSp>
         <p:nvCxnSpPr>
-          <p:cNvPr id="18" name="Straight Connector 17"/>
+          <p:cNvPr id="11" name="Straight Connector 10"/>
           <p:cNvCxnSpPr/>
           <p:nvPr/>
         </p:nvCxnSpPr>
         <p:spPr>
           <a:xfrm flipV="1">
-            <a:off x="2557632" y="5180540"/>
+            <a:off x="2397211" y="4880919"/>
             <a:ext cx="1618735" cy="1727398"/>
           </a:xfrm>
           <a:prstGeom prst="line">
@@ -4185,13 +7600,13 @@
       </p:cxnSp>
       <p:cxnSp>
         <p:nvCxnSpPr>
-          <p:cNvPr id="19" name="Straight Connector 18"/>
+          <p:cNvPr id="12" name="Straight Connector 11"/>
           <p:cNvCxnSpPr/>
           <p:nvPr/>
         </p:nvCxnSpPr>
         <p:spPr>
           <a:xfrm>
-            <a:off x="1630875" y="2956325"/>
+            <a:off x="1470454" y="2656704"/>
             <a:ext cx="2545492" cy="2224215"/>
           </a:xfrm>
           <a:prstGeom prst="line">
@@ -4216,13 +7631,13 @@
       </p:cxnSp>
       <p:cxnSp>
         <p:nvCxnSpPr>
-          <p:cNvPr id="21" name="Straight Connector 20"/>
+          <p:cNvPr id="13" name="Straight Connector 12"/>
           <p:cNvCxnSpPr/>
           <p:nvPr/>
         </p:nvCxnSpPr>
         <p:spPr>
           <a:xfrm flipH="1">
-            <a:off x="4176367" y="3883699"/>
+            <a:off x="4015946" y="3584078"/>
             <a:ext cx="1359243" cy="1296841"/>
           </a:xfrm>
           <a:prstGeom prst="line">
@@ -4251,13 +7666,13 @@
       </p:cxnSp>
       <p:sp>
         <p:nvSpPr>
-          <p:cNvPr id="22" name="Oval 21"/>
+          <p:cNvPr id="14" name="Oval 13"/>
           <p:cNvSpPr/>
           <p:nvPr/>
         </p:nvSpPr>
         <p:spPr>
           <a:xfrm>
-            <a:off x="2730626" y="6477381"/>
+            <a:off x="2656702" y="6091262"/>
             <a:ext cx="172995" cy="172995"/>
           </a:xfrm>
           <a:prstGeom prst="ellipse">
@@ -4294,89 +7709,6 @@
           <a:p>
             <a:pPr algn="ctr"/>
             <a:endParaRPr lang="en-US"/>
-          </a:p>
-        </p:txBody>
-      </p:sp>
-      <p:sp>
-        <p:nvSpPr>
-          <p:cNvPr id="23" name="TextBox 22"/>
-          <p:cNvSpPr txBox="1"/>
-          <p:nvPr/>
-        </p:nvSpPr>
-        <p:spPr>
-          <a:xfrm>
-            <a:off x="457200" y="1740802"/>
-            <a:ext cx="7980947" cy="830997"/>
-          </a:xfrm>
-          <a:prstGeom prst="rect">
-            <a:avLst/>
-          </a:prstGeom>
-          <a:noFill/>
-        </p:spPr>
-        <p:txBody>
-          <a:bodyPr wrap="square" rtlCol="0">
-            <a:spAutoFit/>
-          </a:bodyPr>
-          <a:lstStyle/>
-          <a:p>
-            <a:r>
-              <a:rPr lang="en-US" sz="2400" dirty="0" smtClean="0"/>
-              <a:t>Nickname of  Mr. </a:t>
-            </a:r>
-            <a:r>
-              <a:rPr lang="en-US" sz="2400" dirty="0" err="1" smtClean="0"/>
-              <a:t>Khuong</a:t>
-            </a:r>
-            <a:r>
-              <a:rPr lang="en-US" sz="2400" dirty="0" smtClean="0"/>
-              <a:t> is “</a:t>
-            </a:r>
-            <a:r>
-              <a:rPr lang="en-US" sz="2400" dirty="0" err="1" smtClean="0"/>
-              <a:t>Khuong</a:t>
-            </a:r>
-            <a:r>
-              <a:rPr lang="en-US" sz="2400" dirty="0" smtClean="0"/>
-              <a:t> </a:t>
-            </a:r>
-            <a:r>
-              <a:rPr lang="en-US" sz="2400" dirty="0" err="1" smtClean="0"/>
-              <a:t>không</a:t>
-            </a:r>
-            <a:r>
-              <a:rPr lang="en-US" sz="2400" dirty="0" smtClean="0"/>
-              <a:t> </a:t>
-            </a:r>
-            <a:r>
-              <a:rPr lang="en-US" sz="2400" dirty="0" err="1" smtClean="0"/>
-              <a:t>sợ</a:t>
-            </a:r>
-            <a:r>
-              <a:rPr lang="en-US" sz="2400" dirty="0" smtClean="0"/>
-              <a:t> </a:t>
-            </a:r>
-            <a:r>
-              <a:rPr lang="en-US" sz="2400" dirty="0" err="1" smtClean="0"/>
-              <a:t>chết</a:t>
-            </a:r>
-            <a:r>
-              <a:rPr lang="en-US" sz="2400" dirty="0" smtClean="0"/>
-              <a:t>”.</a:t>
-            </a:r>
-          </a:p>
-          <a:p>
-            <a:r>
-              <a:rPr lang="en-US" sz="2400" dirty="0" smtClean="0"/>
-              <a:t>Mr. </a:t>
-            </a:r>
-            <a:r>
-              <a:rPr lang="en-US" sz="2400" dirty="0" err="1" smtClean="0"/>
-              <a:t>Khuong</a:t>
-            </a:r>
-            <a:r>
-              <a:rPr lang="en-US" sz="2400" dirty="0" smtClean="0"/>
-              <a:t> always drives with high speed.</a:t>
-            </a:r>
           </a:p>
         </p:txBody>
       </p:sp>
@@ -4390,13 +7722,6 @@
   <p:clrMapOvr>
     <a:masterClrMapping/>
   </p:clrMapOvr>
-  <p:timing>
-    <p:tnLst>
-      <p:par>
-        <p:cTn id="1" dur="indefinite" restart="never" nodeType="tmRoot"/>
-      </p:par>
-    </p:tnLst>
-  </p:timing>
 </p:sld>
 </file>
 
@@ -4902,58 +8227,6 @@
           </a:fontRef>
         </p:style>
       </p:cxnSp>
-      <p:sp>
-        <p:nvSpPr>
-          <p:cNvPr id="37" name="Oval Callout 36"/>
-          <p:cNvSpPr/>
-          <p:nvPr/>
-        </p:nvSpPr>
-        <p:spPr>
-          <a:xfrm>
-            <a:off x="3810158" y="882679"/>
-            <a:ext cx="1925436" cy="902344"/>
-          </a:xfrm>
-          <a:prstGeom prst="wedgeEllipseCallout">
-            <a:avLst>
-              <a:gd name="adj1" fmla="val 43541"/>
-              <a:gd name="adj2" fmla="val 101514"/>
-            </a:avLst>
-          </a:prstGeom>
-        </p:spPr>
-        <p:style>
-          <a:lnRef idx="2">
-            <a:schemeClr val="accent1">
-              <a:shade val="50000"/>
-            </a:schemeClr>
-          </a:lnRef>
-          <a:fillRef idx="1">
-            <a:schemeClr val="accent1"/>
-          </a:fillRef>
-          <a:effectRef idx="0">
-            <a:schemeClr val="accent1"/>
-          </a:effectRef>
-          <a:fontRef idx="minor">
-            <a:schemeClr val="lt1"/>
-          </a:fontRef>
-        </p:style>
-        <p:txBody>
-          <a:bodyPr rot="0" spcFirstLastPara="0" vertOverflow="overflow" horzOverflow="overflow" vert="horz" wrap="square" lIns="91440" tIns="45720" rIns="91440" bIns="45720" numCol="1" spcCol="0" rtlCol="0" fromWordArt="0" anchor="ctr" anchorCtr="0" forceAA="0" compatLnSpc="1">
-            <a:prstTxWarp prst="textNoShape">
-              <a:avLst/>
-            </a:prstTxWarp>
-            <a:noAutofit/>
-          </a:bodyPr>
-          <a:lstStyle/>
-          <a:p>
-            <a:pPr algn="ctr"/>
-            <a:r>
-              <a:rPr lang="en-US" dirty="0" smtClean="0"/>
-              <a:t>Notify: wrong way</a:t>
-            </a:r>
-            <a:endParaRPr lang="en-US" dirty="0"/>
-          </a:p>
-        </p:txBody>
-      </p:sp>
       <p:sp>
         <p:nvSpPr>
           <p:cNvPr id="38" name="TextBox 37"/>
@@ -5187,69 +8460,23 @@
           <a:chExt cx="0" cy="0"/>
         </a:xfrm>
       </p:grpSpPr>
-      <p:sp>
-        <p:nvSpPr>
-          <p:cNvPr id="4" name="Oval 3"/>
-          <p:cNvSpPr/>
-          <p:nvPr/>
-        </p:nvSpPr>
-        <p:spPr>
-          <a:xfrm>
-            <a:off x="5533252" y="2212875"/>
-            <a:ext cx="172995" cy="172995"/>
-          </a:xfrm>
-          <a:prstGeom prst="ellipse">
-            <a:avLst/>
-          </a:prstGeom>
-          <a:solidFill>
-            <a:srgbClr val="FF0000"/>
-          </a:solidFill>
-          <a:ln>
-            <a:solidFill>
-              <a:srgbClr val="FF0000"/>
-            </a:solidFill>
-          </a:ln>
-        </p:spPr>
-        <p:style>
-          <a:lnRef idx="2">
-            <a:schemeClr val="accent1">
-              <a:shade val="50000"/>
-            </a:schemeClr>
-          </a:lnRef>
-          <a:fillRef idx="1">
-            <a:schemeClr val="accent1"/>
-          </a:fillRef>
-          <a:effectRef idx="0">
-            <a:schemeClr val="accent1"/>
-          </a:effectRef>
-          <a:fontRef idx="minor">
-            <a:schemeClr val="lt1"/>
-          </a:fontRef>
-        </p:style>
-        <p:txBody>
-          <a:bodyPr rtlCol="0" anchor="ctr"/>
-          <a:lstStyle/>
-          <a:p>
-            <a:pPr algn="ctr"/>
-            <a:endParaRPr lang="en-US"/>
-          </a:p>
-        </p:txBody>
-      </p:sp>
       <p:cxnSp>
         <p:nvCxnSpPr>
-          <p:cNvPr id="8" name="Straight Connector 7"/>
-          <p:cNvCxnSpPr/>
+          <p:cNvPr id="21" name="Straight Connector 20"/>
+          <p:cNvCxnSpPr>
+            <a:endCxn id="22" idx="2"/>
+          </p:cNvCxnSpPr>
           <p:nvPr/>
         </p:nvCxnSpPr>
         <p:spPr>
           <a:xfrm>
-            <a:off x="2265890" y="2866041"/>
-            <a:ext cx="1200646" cy="879024"/>
+            <a:off x="4508158" y="2866041"/>
+            <a:ext cx="1537936" cy="356466"/>
           </a:xfrm>
           <a:prstGeom prst="line">
             <a:avLst/>
           </a:prstGeom>
-          <a:ln w="28575">
+          <a:ln w="38100">
             <a:solidFill>
               <a:schemeClr val="tx1"/>
             </a:solidFill>
@@ -5277,9 +8504,9 @@
           <p:nvPr/>
         </p:nvCxnSpPr>
         <p:spPr>
-          <a:xfrm flipV="1">
-            <a:off x="3466536" y="2866041"/>
-            <a:ext cx="1041622" cy="879024"/>
+          <a:xfrm>
+            <a:off x="2265890" y="2866041"/>
+            <a:ext cx="1200646" cy="879024"/>
           </a:xfrm>
           <a:prstGeom prst="line">
             <a:avLst/>
@@ -5305,9 +8532,44 @@
           </a:fontRef>
         </p:style>
       </p:cxnSp>
-      <p:sp>
-        <p:nvSpPr>
-          <p:cNvPr id="10" name="Oval 9"/>
+      <p:cxnSp>
+        <p:nvCxnSpPr>
+          <p:cNvPr id="11" name="Straight Connector 10"/>
+          <p:cNvCxnSpPr/>
+          <p:nvPr/>
+        </p:nvCxnSpPr>
+        <p:spPr>
+          <a:xfrm flipV="1">
+            <a:off x="3466536" y="2866041"/>
+            <a:ext cx="1041622" cy="879024"/>
+          </a:xfrm>
+          <a:prstGeom prst="line">
+            <a:avLst/>
+          </a:prstGeom>
+          <a:ln w="28575">
+            <a:solidFill>
+              <a:schemeClr val="tx1"/>
+            </a:solidFill>
+          </a:ln>
+        </p:spPr>
+        <p:style>
+          <a:lnRef idx="1">
+            <a:schemeClr val="accent1"/>
+          </a:lnRef>
+          <a:fillRef idx="0">
+            <a:schemeClr val="accent1"/>
+          </a:fillRef>
+          <a:effectRef idx="0">
+            <a:schemeClr val="accent1"/>
+          </a:effectRef>
+          <a:fontRef idx="minor">
+            <a:schemeClr val="tx1"/>
+          </a:fontRef>
+        </p:style>
+      </p:cxnSp>
+      <p:sp>
+        <p:nvSpPr>
+          <p:cNvPr id="15" name="Oval 14"/>
           <p:cNvSpPr/>
           <p:nvPr/>
         </p:nvSpPr>
@@ -5360,7 +8622,7 @@
       </p:sp>
       <p:sp>
         <p:nvSpPr>
-          <p:cNvPr id="11" name="Oval 10"/>
+          <p:cNvPr id="16" name="Oval 15"/>
           <p:cNvSpPr/>
           <p:nvPr/>
         </p:nvSpPr>
@@ -5413,13 +8675,66 @@
       </p:sp>
       <p:sp>
         <p:nvSpPr>
-          <p:cNvPr id="12" name="Oval 11"/>
+          <p:cNvPr id="17" name="Oval 16"/>
           <p:cNvSpPr/>
           <p:nvPr/>
         </p:nvSpPr>
         <p:spPr>
           <a:xfrm>
             <a:off x="4433393" y="2792057"/>
+            <a:ext cx="166093" cy="166093"/>
+          </a:xfrm>
+          <a:prstGeom prst="ellipse">
+            <a:avLst/>
+          </a:prstGeom>
+          <a:solidFill>
+            <a:schemeClr val="tx1"/>
+          </a:solidFill>
+          <a:ln w="38100">
+            <a:solidFill>
+              <a:schemeClr val="tx1"/>
+            </a:solidFill>
+          </a:ln>
+        </p:spPr>
+        <p:style>
+          <a:lnRef idx="2">
+            <a:schemeClr val="accent1">
+              <a:shade val="50000"/>
+            </a:schemeClr>
+          </a:lnRef>
+          <a:fillRef idx="1">
+            <a:schemeClr val="accent1"/>
+          </a:fillRef>
+          <a:effectRef idx="0">
+            <a:schemeClr val="accent1"/>
+          </a:effectRef>
+          <a:fontRef idx="minor">
+            <a:schemeClr val="lt1"/>
+          </a:fontRef>
+        </p:style>
+        <p:txBody>
+          <a:bodyPr rot="0" spcFirstLastPara="0" vertOverflow="overflow" horzOverflow="overflow" vert="horz" wrap="square" lIns="91440" tIns="45720" rIns="91440" bIns="45720" numCol="1" spcCol="0" rtlCol="0" fromWordArt="0" anchor="ctr" anchorCtr="0" forceAA="0" compatLnSpc="1">
+            <a:prstTxWarp prst="textNoShape">
+              <a:avLst/>
+            </a:prstTxWarp>
+            <a:noAutofit/>
+          </a:bodyPr>
+          <a:lstStyle/>
+          <a:p>
+            <a:pPr algn="ctr"/>
+            <a:endParaRPr lang="en-US"/>
+          </a:p>
+        </p:txBody>
+      </p:sp>
+      <p:sp>
+        <p:nvSpPr>
+          <p:cNvPr id="22" name="Oval 21"/>
+          <p:cNvSpPr/>
+          <p:nvPr/>
+        </p:nvSpPr>
+        <p:spPr>
+          <a:xfrm>
+            <a:off x="6046094" y="3139460"/>
             <a:ext cx="166093" cy="166093"/>
           </a:xfrm>
           <a:prstGeom prst="ellipse">
@@ -5466,16 +8781,16 @@
       </p:sp>
       <p:cxnSp>
         <p:nvCxnSpPr>
-          <p:cNvPr id="14" name="Straight Connector 13"/>
+          <p:cNvPr id="23" name="Straight Connector 22"/>
           <p:cNvCxnSpPr>
-            <a:endCxn id="15" idx="2"/>
+            <a:stCxn id="22" idx="7"/>
           </p:cNvCxnSpPr>
           <p:nvPr/>
         </p:nvCxnSpPr>
         <p:spPr>
-          <a:xfrm>
-            <a:off x="4508158" y="2866041"/>
-            <a:ext cx="1537936" cy="356466"/>
+          <a:xfrm flipV="1">
+            <a:off x="6187863" y="1669492"/>
+            <a:ext cx="521856" cy="1494292"/>
           </a:xfrm>
           <a:prstGeom prst="line">
             <a:avLst/>
@@ -5503,13 +8818,233 @@
       </p:cxnSp>
       <p:sp>
         <p:nvSpPr>
-          <p:cNvPr id="15" name="Oval 14"/>
+          <p:cNvPr id="36" name="Oval 35"/>
           <p:cNvSpPr/>
           <p:nvPr/>
         </p:nvSpPr>
         <p:spPr>
           <a:xfrm>
-            <a:off x="6046094" y="3139460"/>
+            <a:off x="5533252" y="2212875"/>
+            <a:ext cx="172995" cy="172995"/>
+          </a:xfrm>
+          <a:prstGeom prst="ellipse">
+            <a:avLst/>
+          </a:prstGeom>
+          <a:solidFill>
+            <a:srgbClr val="FF0000"/>
+          </a:solidFill>
+          <a:ln>
+            <a:solidFill>
+              <a:srgbClr val="FF0000"/>
+            </a:solidFill>
+          </a:ln>
+        </p:spPr>
+        <p:style>
+          <a:lnRef idx="2">
+            <a:schemeClr val="accent1">
+              <a:shade val="50000"/>
+            </a:schemeClr>
+          </a:lnRef>
+          <a:fillRef idx="1">
+            <a:schemeClr val="accent1"/>
+          </a:fillRef>
+          <a:effectRef idx="0">
+            <a:schemeClr val="accent1"/>
+          </a:effectRef>
+          <a:fontRef idx="minor">
+            <a:schemeClr val="lt1"/>
+          </a:fontRef>
+        </p:style>
+        <p:txBody>
+          <a:bodyPr rtlCol="0" anchor="ctr"/>
+          <a:lstStyle/>
+          <a:p>
+            <a:pPr algn="ctr"/>
+            <a:endParaRPr lang="en-US"/>
+          </a:p>
+        </p:txBody>
+      </p:sp>
+      <p:sp>
+        <p:nvSpPr>
+          <p:cNvPr id="37" name="Oval Callout 36"/>
+          <p:cNvSpPr/>
+          <p:nvPr/>
+        </p:nvSpPr>
+        <p:spPr>
+          <a:xfrm>
+            <a:off x="3810158" y="882679"/>
+            <a:ext cx="1925436" cy="902344"/>
+          </a:xfrm>
+          <a:prstGeom prst="wedgeEllipseCallout">
+            <a:avLst>
+              <a:gd name="adj1" fmla="val 43541"/>
+              <a:gd name="adj2" fmla="val 101514"/>
+            </a:avLst>
+          </a:prstGeom>
+        </p:spPr>
+        <p:style>
+          <a:lnRef idx="2">
+            <a:schemeClr val="accent1">
+              <a:shade val="50000"/>
+            </a:schemeClr>
+          </a:lnRef>
+          <a:fillRef idx="1">
+            <a:schemeClr val="accent1"/>
+          </a:fillRef>
+          <a:effectRef idx="0">
+            <a:schemeClr val="accent1"/>
+          </a:effectRef>
+          <a:fontRef idx="minor">
+            <a:schemeClr val="lt1"/>
+          </a:fontRef>
+        </p:style>
+        <p:txBody>
+          <a:bodyPr rot="0" spcFirstLastPara="0" vertOverflow="overflow" horzOverflow="overflow" vert="horz" wrap="square" lIns="91440" tIns="45720" rIns="91440" bIns="45720" numCol="1" spcCol="0" rtlCol="0" fromWordArt="0" anchor="ctr" anchorCtr="0" forceAA="0" compatLnSpc="1">
+            <a:prstTxWarp prst="textNoShape">
+              <a:avLst/>
+            </a:prstTxWarp>
+            <a:noAutofit/>
+          </a:bodyPr>
+          <a:lstStyle/>
+          <a:p>
+            <a:pPr algn="ctr"/>
+            <a:r>
+              <a:rPr lang="en-US" dirty="0" smtClean="0"/>
+              <a:t>Notify: wrong way</a:t>
+            </a:r>
+            <a:endParaRPr lang="en-US" dirty="0"/>
+          </a:p>
+        </p:txBody>
+      </p:sp>
+      <p:sp>
+        <p:nvSpPr>
+          <p:cNvPr id="38" name="TextBox 37"/>
+          <p:cNvSpPr txBox="1"/>
+          <p:nvPr/>
+        </p:nvSpPr>
+        <p:spPr>
+          <a:xfrm>
+            <a:off x="2115047" y="2496709"/>
+            <a:ext cx="317716" cy="369332"/>
+          </a:xfrm>
+          <a:prstGeom prst="rect">
+            <a:avLst/>
+          </a:prstGeom>
+          <a:noFill/>
+        </p:spPr>
+        <p:txBody>
+          <a:bodyPr wrap="none" rtlCol="0">
+            <a:spAutoFit/>
+          </a:bodyPr>
+          <a:lstStyle/>
+          <a:p>
+            <a:r>
+              <a:rPr lang="en-US" dirty="0" smtClean="0"/>
+              <a:t>A</a:t>
+            </a:r>
+            <a:endParaRPr lang="en-US" dirty="0"/>
+          </a:p>
+        </p:txBody>
+      </p:sp>
+      <p:sp>
+        <p:nvSpPr>
+          <p:cNvPr id="39" name="TextBox 38"/>
+          <p:cNvSpPr txBox="1"/>
+          <p:nvPr/>
+        </p:nvSpPr>
+        <p:spPr>
+          <a:xfrm>
+            <a:off x="3315693" y="3745065"/>
+            <a:ext cx="309700" cy="369332"/>
+          </a:xfrm>
+          <a:prstGeom prst="rect">
+            <a:avLst/>
+          </a:prstGeom>
+          <a:noFill/>
+        </p:spPr>
+        <p:txBody>
+          <a:bodyPr wrap="none" rtlCol="0">
+            <a:spAutoFit/>
+          </a:bodyPr>
+          <a:lstStyle/>
+          <a:p>
+            <a:r>
+              <a:rPr lang="en-US" dirty="0" smtClean="0"/>
+              <a:t>B</a:t>
+            </a:r>
+            <a:endParaRPr lang="en-US" dirty="0"/>
+          </a:p>
+        </p:txBody>
+      </p:sp>
+      <p:sp>
+        <p:nvSpPr>
+          <p:cNvPr id="40" name="TextBox 39"/>
+          <p:cNvSpPr txBox="1"/>
+          <p:nvPr/>
+        </p:nvSpPr>
+        <p:spPr>
+          <a:xfrm>
+            <a:off x="4357315" y="2496709"/>
+            <a:ext cx="308098" cy="369332"/>
+          </a:xfrm>
+          <a:prstGeom prst="rect">
+            <a:avLst/>
+          </a:prstGeom>
+          <a:noFill/>
+        </p:spPr>
+        <p:txBody>
+          <a:bodyPr wrap="none" rtlCol="0">
+            <a:spAutoFit/>
+          </a:bodyPr>
+          <a:lstStyle/>
+          <a:p>
+            <a:r>
+              <a:rPr lang="en-US" dirty="0" smtClean="0"/>
+              <a:t>C</a:t>
+            </a:r>
+            <a:endParaRPr lang="en-US" dirty="0"/>
+          </a:p>
+        </p:txBody>
+      </p:sp>
+      <p:sp>
+        <p:nvSpPr>
+          <p:cNvPr id="41" name="TextBox 40"/>
+          <p:cNvSpPr txBox="1"/>
+          <p:nvPr/>
+        </p:nvSpPr>
+        <p:spPr>
+          <a:xfrm>
+            <a:off x="5978298" y="3269353"/>
+            <a:ext cx="327334" cy="369332"/>
+          </a:xfrm>
+          <a:prstGeom prst="rect">
+            <a:avLst/>
+          </a:prstGeom>
+          <a:noFill/>
+        </p:spPr>
+        <p:txBody>
+          <a:bodyPr wrap="none" rtlCol="0">
+            <a:spAutoFit/>
+          </a:bodyPr>
+          <a:lstStyle/>
+          <a:p>
+            <a:r>
+              <a:rPr lang="en-US" dirty="0" smtClean="0"/>
+              <a:t>D</a:t>
+            </a:r>
+            <a:endParaRPr lang="en-US" dirty="0"/>
+          </a:p>
+        </p:txBody>
+      </p:sp>
+      <p:sp>
+        <p:nvSpPr>
+          <p:cNvPr id="42" name="Oval 41"/>
+          <p:cNvSpPr/>
+          <p:nvPr/>
+        </p:nvSpPr>
+        <p:spPr>
+          <a:xfrm>
+            <a:off x="6626672" y="1563365"/>
             <a:ext cx="166093" cy="166093"/>
           </a:xfrm>
           <a:prstGeom prst="ellipse">
@@ -5550,57 +9085,20 @@
           <a:lstStyle/>
           <a:p>
             <a:pPr algn="ctr"/>
-            <a:endParaRPr lang="en-US"/>
-          </a:p>
-        </p:txBody>
-      </p:sp>
-      <p:cxnSp>
-        <p:nvCxnSpPr>
-          <p:cNvPr id="16" name="Straight Connector 15"/>
-          <p:cNvCxnSpPr>
-            <a:stCxn id="15" idx="7"/>
-          </p:cNvCxnSpPr>
-          <p:nvPr/>
-        </p:nvCxnSpPr>
-        <p:spPr>
-          <a:xfrm flipV="1">
-            <a:off x="6187863" y="1669492"/>
-            <a:ext cx="521856" cy="1494292"/>
-          </a:xfrm>
-          <a:prstGeom prst="line">
-            <a:avLst/>
-          </a:prstGeom>
-          <a:ln w="28575">
-            <a:solidFill>
-              <a:schemeClr val="tx1"/>
-            </a:solidFill>
-          </a:ln>
-        </p:spPr>
-        <p:style>
-          <a:lnRef idx="1">
-            <a:schemeClr val="accent1"/>
-          </a:lnRef>
-          <a:fillRef idx="0">
-            <a:schemeClr val="accent1"/>
-          </a:fillRef>
-          <a:effectRef idx="0">
-            <a:schemeClr val="accent1"/>
-          </a:effectRef>
-          <a:fontRef idx="minor">
-            <a:schemeClr val="tx1"/>
-          </a:fontRef>
-        </p:style>
-      </p:cxnSp>
-      <p:sp>
-        <p:nvSpPr>
-          <p:cNvPr id="17" name="TextBox 16"/>
+            <a:endParaRPr lang="en-US" dirty="0"/>
+          </a:p>
+        </p:txBody>
+      </p:sp>
+      <p:sp>
+        <p:nvSpPr>
+          <p:cNvPr id="43" name="TextBox 42"/>
           <p:cNvSpPr txBox="1"/>
           <p:nvPr/>
         </p:nvSpPr>
         <p:spPr>
           <a:xfrm>
-            <a:off x="2115047" y="2496709"/>
-            <a:ext cx="317716" cy="369332"/>
+            <a:off x="6709718" y="1561188"/>
+            <a:ext cx="296876" cy="369332"/>
           </a:xfrm>
           <a:prstGeom prst="rect">
             <a:avLst/>
@@ -5615,179 +9113,6 @@
           <a:p>
             <a:r>
               <a:rPr lang="en-US" dirty="0" smtClean="0"/>
-              <a:t>A</a:t>
-            </a:r>
-            <a:endParaRPr lang="en-US" dirty="0"/>
-          </a:p>
-        </p:txBody>
-      </p:sp>
-      <p:sp>
-        <p:nvSpPr>
-          <p:cNvPr id="18" name="TextBox 17"/>
-          <p:cNvSpPr txBox="1"/>
-          <p:nvPr/>
-        </p:nvSpPr>
-        <p:spPr>
-          <a:xfrm>
-            <a:off x="3315693" y="3745065"/>
-            <a:ext cx="309700" cy="369332"/>
-          </a:xfrm>
-          <a:prstGeom prst="rect">
-            <a:avLst/>
-          </a:prstGeom>
-          <a:noFill/>
-        </p:spPr>
-        <p:txBody>
-          <a:bodyPr wrap="none" rtlCol="0">
-            <a:spAutoFit/>
-          </a:bodyPr>
-          <a:lstStyle/>
-          <a:p>
-            <a:r>
-              <a:rPr lang="en-US" dirty="0" smtClean="0"/>
-              <a:t>B</a:t>
-            </a:r>
-            <a:endParaRPr lang="en-US" dirty="0"/>
-          </a:p>
-        </p:txBody>
-      </p:sp>
-      <p:sp>
-        <p:nvSpPr>
-          <p:cNvPr id="19" name="TextBox 18"/>
-          <p:cNvSpPr txBox="1"/>
-          <p:nvPr/>
-        </p:nvSpPr>
-        <p:spPr>
-          <a:xfrm>
-            <a:off x="4357315" y="2496709"/>
-            <a:ext cx="308098" cy="369332"/>
-          </a:xfrm>
-          <a:prstGeom prst="rect">
-            <a:avLst/>
-          </a:prstGeom>
-          <a:noFill/>
-        </p:spPr>
-        <p:txBody>
-          <a:bodyPr wrap="none" rtlCol="0">
-            <a:spAutoFit/>
-          </a:bodyPr>
-          <a:lstStyle/>
-          <a:p>
-            <a:r>
-              <a:rPr lang="en-US" dirty="0" smtClean="0"/>
-              <a:t>C</a:t>
-            </a:r>
-            <a:endParaRPr lang="en-US" dirty="0"/>
-          </a:p>
-        </p:txBody>
-      </p:sp>
-      <p:sp>
-        <p:nvSpPr>
-          <p:cNvPr id="20" name="TextBox 19"/>
-          <p:cNvSpPr txBox="1"/>
-          <p:nvPr/>
-        </p:nvSpPr>
-        <p:spPr>
-          <a:xfrm>
-            <a:off x="5978298" y="3269353"/>
-            <a:ext cx="327334" cy="369332"/>
-          </a:xfrm>
-          <a:prstGeom prst="rect">
-            <a:avLst/>
-          </a:prstGeom>
-          <a:noFill/>
-        </p:spPr>
-        <p:txBody>
-          <a:bodyPr wrap="none" rtlCol="0">
-            <a:spAutoFit/>
-          </a:bodyPr>
-          <a:lstStyle/>
-          <a:p>
-            <a:r>
-              <a:rPr lang="en-US" dirty="0" smtClean="0"/>
-              <a:t>D</a:t>
-            </a:r>
-            <a:endParaRPr lang="en-US" dirty="0"/>
-          </a:p>
-        </p:txBody>
-      </p:sp>
-      <p:sp>
-        <p:nvSpPr>
-          <p:cNvPr id="21" name="Oval 20"/>
-          <p:cNvSpPr/>
-          <p:nvPr/>
-        </p:nvSpPr>
-        <p:spPr>
-          <a:xfrm>
-            <a:off x="6626672" y="1563365"/>
-            <a:ext cx="166093" cy="166093"/>
-          </a:xfrm>
-          <a:prstGeom prst="ellipse">
-            <a:avLst/>
-          </a:prstGeom>
-          <a:solidFill>
-            <a:schemeClr val="tx1"/>
-          </a:solidFill>
-          <a:ln>
-            <a:solidFill>
-              <a:schemeClr val="tx1"/>
-            </a:solidFill>
-          </a:ln>
-        </p:spPr>
-        <p:style>
-          <a:lnRef idx="2">
-            <a:schemeClr val="accent1">
-              <a:shade val="50000"/>
-            </a:schemeClr>
-          </a:lnRef>
-          <a:fillRef idx="1">
-            <a:schemeClr val="accent1"/>
-          </a:fillRef>
-          <a:effectRef idx="0">
-            <a:schemeClr val="accent1"/>
-          </a:effectRef>
-          <a:fontRef idx="minor">
-            <a:schemeClr val="lt1"/>
-          </a:fontRef>
-        </p:style>
-        <p:txBody>
-          <a:bodyPr rot="0" spcFirstLastPara="0" vertOverflow="overflow" horzOverflow="overflow" vert="horz" wrap="square" lIns="91440" tIns="45720" rIns="91440" bIns="45720" numCol="1" spcCol="0" rtlCol="0" fromWordArt="0" anchor="ctr" anchorCtr="0" forceAA="0" compatLnSpc="1">
-            <a:prstTxWarp prst="textNoShape">
-              <a:avLst/>
-            </a:prstTxWarp>
-            <a:noAutofit/>
-          </a:bodyPr>
-          <a:lstStyle/>
-          <a:p>
-            <a:pPr algn="ctr"/>
-            <a:endParaRPr lang="en-US" dirty="0"/>
-          </a:p>
-        </p:txBody>
-      </p:sp>
-      <p:sp>
-        <p:nvSpPr>
-          <p:cNvPr id="22" name="TextBox 21"/>
-          <p:cNvSpPr txBox="1"/>
-          <p:nvPr/>
-        </p:nvSpPr>
-        <p:spPr>
-          <a:xfrm>
-            <a:off x="6709718" y="1561188"/>
-            <a:ext cx="296876" cy="369332"/>
-          </a:xfrm>
-          <a:prstGeom prst="rect">
-            <a:avLst/>
-          </a:prstGeom>
-          <a:noFill/>
-        </p:spPr>
-        <p:txBody>
-          <a:bodyPr wrap="none" rtlCol="0">
-            <a:spAutoFit/>
-          </a:bodyPr>
-          <a:lstStyle/>
-          <a:p>
-            <a:r>
-              <a:rPr lang="en-US" dirty="0" smtClean="0"/>
               <a:t>E</a:t>
             </a:r>
             <a:endParaRPr lang="en-US" dirty="0"/>
@@ -5797,7 +9122,7 @@
     </p:spTree>
     <p:extLst>
       <p:ext uri="{BB962C8B-B14F-4D97-AF65-F5344CB8AC3E}">
-        <p14:creationId xmlns:p14="http://schemas.microsoft.com/office/powerpoint/2010/main" val="1252327506"/>
+        <p14:creationId xmlns:p14="http://schemas.microsoft.com/office/powerpoint/2010/main" val="3477639504"/>
       </p:ext>
     </p:extLst>
   </p:cSld>
@@ -12304,9 +15629,92 @@
           </a:p>
         </p:txBody>
       </p:sp>
+      <p:sp>
+        <p:nvSpPr>
+          <p:cNvPr id="24" name="TextBox 23"/>
+          <p:cNvSpPr txBox="1"/>
+          <p:nvPr/>
+        </p:nvSpPr>
+        <p:spPr>
+          <a:xfrm>
+            <a:off x="898358" y="1692035"/>
+            <a:ext cx="7347284" cy="830997"/>
+          </a:xfrm>
+          <a:prstGeom prst="rect">
+            <a:avLst/>
+          </a:prstGeom>
+          <a:noFill/>
+        </p:spPr>
+        <p:txBody>
+          <a:bodyPr wrap="square" rtlCol="0">
+            <a:spAutoFit/>
+          </a:bodyPr>
+          <a:lstStyle/>
+          <a:p>
+            <a:r>
+              <a:rPr lang="en-US" sz="2400" dirty="0" smtClean="0"/>
+              <a:t>Nickname of  Mr. </a:t>
+            </a:r>
+            <a:r>
+              <a:rPr lang="en-US" sz="2400" dirty="0" err="1" smtClean="0"/>
+              <a:t>Khuong</a:t>
+            </a:r>
+            <a:r>
+              <a:rPr lang="en-US" sz="2400" dirty="0" smtClean="0"/>
+              <a:t> is “</a:t>
+            </a:r>
+            <a:r>
+              <a:rPr lang="en-US" sz="2400" dirty="0" err="1" smtClean="0"/>
+              <a:t>Khuong</a:t>
+            </a:r>
+            <a:r>
+              <a:rPr lang="en-US" sz="2400" dirty="0" smtClean="0"/>
+              <a:t> </a:t>
+            </a:r>
+            <a:r>
+              <a:rPr lang="en-US" sz="2400" dirty="0" err="1" smtClean="0"/>
+              <a:t>không</a:t>
+            </a:r>
+            <a:r>
+              <a:rPr lang="en-US" sz="2400" dirty="0" smtClean="0"/>
+              <a:t> </a:t>
+            </a:r>
+            <a:r>
+              <a:rPr lang="en-US" sz="2400" dirty="0" err="1" smtClean="0"/>
+              <a:t>sợ</a:t>
+            </a:r>
+            <a:r>
+              <a:rPr lang="en-US" sz="2400" dirty="0" smtClean="0"/>
+              <a:t> </a:t>
+            </a:r>
+            <a:r>
+              <a:rPr lang="en-US" sz="2400" dirty="0" err="1" smtClean="0"/>
+              <a:t>chết</a:t>
+            </a:r>
+            <a:r>
+              <a:rPr lang="en-US" sz="2400" dirty="0" smtClean="0"/>
+              <a:t>”.</a:t>
+            </a:r>
+          </a:p>
+          <a:p>
+            <a:r>
+              <a:rPr lang="en-US" sz="2400" dirty="0" smtClean="0"/>
+              <a:t>Mr. </a:t>
+            </a:r>
+            <a:r>
+              <a:rPr lang="en-US" sz="2400" dirty="0" err="1" smtClean="0"/>
+              <a:t>Khuong</a:t>
+            </a:r>
+            <a:r>
+              <a:rPr lang="en-US" sz="2400" dirty="0" smtClean="0"/>
+              <a:t> always drives with high speed.</a:t>
+            </a:r>
+          </a:p>
+        </p:txBody>
+      </p:sp>
       <p:pic>
         <p:nvPicPr>
-          <p:cNvPr id="13" name="Picture 12"/>
+          <p:cNvPr id="10" name="Picture 9"/>
           <p:cNvPicPr>
             <a:picLocks noChangeAspect="1"/>
           </p:cNvPicPr>
@@ -12320,8 +15728,8 @@
         </p:blipFill>
         <p:spPr>
           <a:xfrm>
-            <a:off x="1618080" y="2895777"/>
-            <a:ext cx="4831923" cy="3784037"/>
+            <a:off x="1228734" y="2656704"/>
+            <a:ext cx="5045905" cy="3951613"/>
           </a:xfrm>
           <a:prstGeom prst="rect">
             <a:avLst/>
@@ -12330,13 +15738,13 @@
       </p:pic>
       <p:cxnSp>
         <p:nvCxnSpPr>
-          <p:cNvPr id="14" name="Straight Connector 13"/>
+          <p:cNvPr id="11" name="Straight Connector 10"/>
           <p:cNvCxnSpPr/>
           <p:nvPr/>
         </p:nvCxnSpPr>
         <p:spPr>
           <a:xfrm flipV="1">
-            <a:off x="2188664" y="5298013"/>
+            <a:off x="2397211" y="4880919"/>
             <a:ext cx="1618735" cy="1727398"/>
           </a:xfrm>
           <a:prstGeom prst="line">
@@ -12361,13 +15769,13 @@
       </p:cxnSp>
       <p:cxnSp>
         <p:nvCxnSpPr>
-          <p:cNvPr id="15" name="Straight Connector 14"/>
+          <p:cNvPr id="12" name="Straight Connector 11"/>
           <p:cNvCxnSpPr/>
           <p:nvPr/>
         </p:nvCxnSpPr>
         <p:spPr>
           <a:xfrm>
-            <a:off x="1261907" y="3073798"/>
+            <a:off x="1470454" y="2656704"/>
             <a:ext cx="2545492" cy="2224215"/>
           </a:xfrm>
           <a:prstGeom prst="line">
@@ -12392,13 +15800,13 @@
       </p:cxnSp>
       <p:cxnSp>
         <p:nvCxnSpPr>
-          <p:cNvPr id="16" name="Straight Connector 15"/>
+          <p:cNvPr id="17" name="Straight Connector 16"/>
           <p:cNvCxnSpPr/>
           <p:nvPr/>
         </p:nvCxnSpPr>
         <p:spPr>
           <a:xfrm flipH="1">
-            <a:off x="3807400" y="4001172"/>
+            <a:off x="4015946" y="3584078"/>
             <a:ext cx="1359243" cy="1296841"/>
           </a:xfrm>
           <a:prstGeom prst="line">
@@ -12427,14 +15835,14 @@
       </p:cxnSp>
       <p:sp>
         <p:nvSpPr>
-          <p:cNvPr id="20" name="Oval 19"/>
+          <p:cNvPr id="18" name="Oval 17"/>
           <p:cNvSpPr/>
           <p:nvPr/>
         </p:nvSpPr>
         <p:spPr>
           <a:xfrm>
-            <a:off x="3081195" y="5902219"/>
-            <a:ext cx="163972" cy="165659"/>
+            <a:off x="3813470" y="4942085"/>
+            <a:ext cx="172995" cy="172995"/>
           </a:xfrm>
           <a:prstGeom prst="ellipse">
             <a:avLst/>
@@ -12470,89 +15878,6 @@
           <a:p>
             <a:pPr algn="ctr"/>
             <a:endParaRPr lang="en-US"/>
-          </a:p>
-        </p:txBody>
-      </p:sp>
-      <p:sp>
-        <p:nvSpPr>
-          <p:cNvPr id="24" name="TextBox 23"/>
-          <p:cNvSpPr txBox="1"/>
-          <p:nvPr/>
-        </p:nvSpPr>
-        <p:spPr>
-          <a:xfrm>
-            <a:off x="898358" y="1692035"/>
-            <a:ext cx="7347284" cy="830997"/>
-          </a:xfrm>
-          <a:prstGeom prst="rect">
-            <a:avLst/>
-          </a:prstGeom>
-          <a:noFill/>
-        </p:spPr>
-        <p:txBody>
-          <a:bodyPr wrap="square" rtlCol="0">
-            <a:spAutoFit/>
-          </a:bodyPr>
-          <a:lstStyle/>
-          <a:p>
-            <a:r>
-              <a:rPr lang="en-US" sz="2400" dirty="0" smtClean="0"/>
-              <a:t>Nickname of  Mr. </a:t>
-            </a:r>
-            <a:r>
-              <a:rPr lang="en-US" sz="2400" dirty="0" err="1" smtClean="0"/>
-              <a:t>Khuong</a:t>
-            </a:r>
-            <a:r>
-              <a:rPr lang="en-US" sz="2400" dirty="0" smtClean="0"/>
-              <a:t> is “</a:t>
-            </a:r>
-            <a:r>
-              <a:rPr lang="en-US" sz="2400" dirty="0" err="1" smtClean="0"/>
-              <a:t>Khuong</a:t>
-            </a:r>
-            <a:r>
-              <a:rPr lang="en-US" sz="2400" dirty="0" smtClean="0"/>
-              <a:t> </a:t>
-            </a:r>
-            <a:r>
-              <a:rPr lang="en-US" sz="2400" dirty="0" err="1" smtClean="0"/>
-              <a:t>không</a:t>
-            </a:r>
-            <a:r>
-              <a:rPr lang="en-US" sz="2400" dirty="0" smtClean="0"/>
-              <a:t> </a:t>
-            </a:r>
-            <a:r>
-              <a:rPr lang="en-US" sz="2400" dirty="0" err="1" smtClean="0"/>
-              <a:t>sợ</a:t>
-            </a:r>
-            <a:r>
-              <a:rPr lang="en-US" sz="2400" dirty="0" smtClean="0"/>
-              <a:t> </a:t>
-            </a:r>
-            <a:r>
-              <a:rPr lang="en-US" sz="2400" dirty="0" err="1" smtClean="0"/>
-              <a:t>chết</a:t>
-            </a:r>
-            <a:r>
-              <a:rPr lang="en-US" sz="2400" dirty="0" smtClean="0"/>
-              <a:t>”.</a:t>
-            </a:r>
-          </a:p>
-          <a:p>
-            <a:r>
-              <a:rPr lang="en-US" sz="2400" dirty="0" smtClean="0"/>
-              <a:t>Mr. </a:t>
-            </a:r>
-            <a:r>
-              <a:rPr lang="en-US" sz="2400" dirty="0" err="1" smtClean="0"/>
-              <a:t>Khuong</a:t>
-            </a:r>
-            <a:r>
-              <a:rPr lang="en-US" sz="2400" dirty="0" smtClean="0"/>
-              <a:t> always drives with high speed.</a:t>
-            </a:r>
           </a:p>
         </p:txBody>
       </p:sp>
@@ -12566,13 +15891,6 @@
   <p:clrMapOvr>
     <a:masterClrMapping/>
   </p:clrMapOvr>
-  <p:timing>
-    <p:tnLst>
-      <p:par>
-        <p:cTn id="1" dur="indefinite" restart="never" nodeType="tmRoot"/>
-      </p:par>
-    </p:tnLst>
-  </p:timing>
 </p:sld>
 </file>
 
@@ -13216,7 +16534,11 @@
             <a:pPr algn="ctr"/>
             <a:r>
               <a:rPr lang="en-US" dirty="0" smtClean="0"/>
-              <a:t>Notify:</a:t>
+              <a:t>Notify</a:t>
+            </a:r>
+            <a:r>
+              <a:rPr lang="en-US" dirty="0" smtClean="0"/>
+              <a:t>: right route</a:t>
             </a:r>
             <a:endParaRPr lang="en-US" dirty="0"/>
           </a:p>
@@ -13261,7 +16583,7 @@
           <p:nvPr/>
         </p:nvPicPr>
         <p:blipFill>
-          <a:blip r:embed="rId2"/>
+          <a:blip r:embed="rId3"/>
           <a:stretch>
             <a:fillRect/>
           </a:stretch>
@@ -13550,7 +16872,7 @@
           <p:nvPr/>
         </p:nvPicPr>
         <p:blipFill>
-          <a:blip r:embed="rId2"/>
+          <a:blip r:embed="rId3"/>
           <a:stretch>
             <a:fillRect/>
           </a:stretch>
@@ -13801,7 +17123,7 @@
           <p:nvPr/>
         </p:nvPicPr>
         <p:blipFill>
-          <a:blip r:embed="rId2"/>
+          <a:blip r:embed="rId3"/>
           <a:stretch>
             <a:fillRect/>
           </a:stretch>
@@ -13965,7 +17287,7 @@
           <p:nvPr/>
         </p:nvPicPr>
         <p:blipFill>
-          <a:blip r:embed="rId3" cstate="print">
+          <a:blip r:embed="rId4" cstate="print">
             <a:extLst>
               <a:ext uri="{28A0092B-C50C-407E-A947-70E740481C1C}">
                 <a14:useLocalDpi xmlns:a14="http://schemas.microsoft.com/office/drawing/2010/main" val="0"/>
@@ -14131,13 +17453,6 @@
   <p:clrMapOvr>
     <a:masterClrMapping/>
   </p:clrMapOvr>
-  <p:timing>
-    <p:tnLst>
-      <p:par>
-        <p:cTn id="1" dur="indefinite" restart="never" nodeType="tmRoot"/>
-      </p:par>
-    </p:tnLst>
-  </p:timing>
 </p:sld>
 </file>
 
@@ -14451,13 +17766,6 @@
   <p:clrMapOvr>
     <a:masterClrMapping/>
   </p:clrMapOvr>
-  <p:timing>
-    <p:tnLst>
-      <p:par>
-        <p:cTn id="1" dur="indefinite" restart="never" nodeType="tmRoot"/>
-      </p:par>
-    </p:tnLst>
-  </p:timing>
 </p:sld>
 </file>
 
